--- a/blog_assets/AuguryPipelinePowerpoint portrait Vertical.pptx
+++ b/blog_assets/AuguryPipelinePowerpoint portrait Vertical.pptx
@@ -6,8 +6,9 @@
   </p:sldMasterIdLst>
   <p:sldIdLst>
     <p:sldId id="263" r:id="rId2"/>
-    <p:sldId id="265" r:id="rId3"/>
-    <p:sldId id="264" r:id="rId4"/>
+    <p:sldId id="267" r:id="rId3"/>
+    <p:sldId id="265" r:id="rId4"/>
+    <p:sldId id="264" r:id="rId5"/>
   </p:sldIdLst>
   <p:sldSz cx="6858000" cy="12192000"/>
   <p:notesSz cx="6858000" cy="9144000"/>
@@ -128,7 +129,7 @@
 <file path=ppt/revisionInfo.xml><?xml version="1.0" encoding="utf-8"?>
 <p1510:revInfo xmlns:a="http://schemas.openxmlformats.org/drawingml/2006/main" xmlns:r="http://schemas.openxmlformats.org/officeDocument/2006/relationships" xmlns:p1510="http://schemas.microsoft.com/office/powerpoint/2015/10/main">
   <p1510:revLst>
-    <p1510:client id="{662F89B0-CC33-4D65-BAFF-A3DBC474FB93}" v="3" dt="2022-04-21T14:36:39.493"/>
+    <p1510:client id="{662F89B0-CC33-4D65-BAFF-A3DBC474FB93}" v="24" dt="2022-04-21T21:01:44.013"/>
   </p1510:revLst>
 </p1510:revInfo>
 </file>
@@ -137,19 +138,67 @@
 <pc:chgInfo xmlns:a="http://schemas.openxmlformats.org/drawingml/2006/main" xmlns:r="http://schemas.openxmlformats.org/officeDocument/2006/relationships" xmlns:ac="http://schemas.microsoft.com/office/drawing/2013/main/command" xmlns:pc="http://schemas.microsoft.com/office/powerpoint/2013/main/command">
   <pc:docChgLst>
     <pc:chgData name="Erik Lang" userId="fcda1394-fb4c-479d-a032-4e18d41d6aae" providerId="ADAL" clId="{662F89B0-CC33-4D65-BAFF-A3DBC474FB93}"/>
-    <pc:docChg chg="undo redo custSel addSld modSld">
-      <pc:chgData name="Erik Lang" userId="fcda1394-fb4c-479d-a032-4e18d41d6aae" providerId="ADAL" clId="{662F89B0-CC33-4D65-BAFF-A3DBC474FB93}" dt="2022-04-21T14:44:36.899" v="101" actId="14100"/>
+    <pc:docChg chg="undo redo custSel addSld delSld modSld">
+      <pc:chgData name="Erik Lang" userId="fcda1394-fb4c-479d-a032-4e18d41d6aae" providerId="ADAL" clId="{662F89B0-CC33-4D65-BAFF-A3DBC474FB93}" dt="2022-04-21T21:04:49.126" v="297" actId="14100"/>
       <pc:docMkLst>
         <pc:docMk/>
       </pc:docMkLst>
       <pc:sldChg chg="addSp delSp modSp mod">
-        <pc:chgData name="Erik Lang" userId="fcda1394-fb4c-479d-a032-4e18d41d6aae" providerId="ADAL" clId="{662F89B0-CC33-4D65-BAFF-A3DBC474FB93}" dt="2022-04-21T14:44:36.899" v="101" actId="14100"/>
+        <pc:chgData name="Erik Lang" userId="fcda1394-fb4c-479d-a032-4e18d41d6aae" providerId="ADAL" clId="{662F89B0-CC33-4D65-BAFF-A3DBC474FB93}" dt="2022-04-21T21:04:49.126" v="297" actId="14100"/>
         <pc:sldMkLst>
           <pc:docMk/>
           <pc:sldMk cId="108465924" sldId="263"/>
         </pc:sldMkLst>
+        <pc:spChg chg="mod">
+          <ac:chgData name="Erik Lang" userId="fcda1394-fb4c-479d-a032-4e18d41d6aae" providerId="ADAL" clId="{662F89B0-CC33-4D65-BAFF-A3DBC474FB93}" dt="2022-04-21T20:48:29.276" v="135" actId="2085"/>
+          <ac:spMkLst>
+            <pc:docMk/>
+            <pc:sldMk cId="108465924" sldId="263"/>
+            <ac:spMk id="13" creationId="{08F248BC-BCC0-4C88-BD7C-2A10C9F75E74}"/>
+          </ac:spMkLst>
+        </pc:spChg>
+        <pc:spChg chg="mod">
+          <ac:chgData name="Erik Lang" userId="fcda1394-fb4c-479d-a032-4e18d41d6aae" providerId="ADAL" clId="{662F89B0-CC33-4D65-BAFF-A3DBC474FB93}" dt="2022-04-21T20:54:07.941" v="189" actId="1076"/>
+          <ac:spMkLst>
+            <pc:docMk/>
+            <pc:sldMk cId="108465924" sldId="263"/>
+            <ac:spMk id="24" creationId="{05DF0D61-A44E-4B6E-8928-DF84C41CF173}"/>
+          </ac:spMkLst>
+        </pc:spChg>
+        <pc:spChg chg="add mod">
+          <ac:chgData name="Erik Lang" userId="fcda1394-fb4c-479d-a032-4e18d41d6aae" providerId="ADAL" clId="{662F89B0-CC33-4D65-BAFF-A3DBC474FB93}" dt="2022-04-21T20:54:30.365" v="192" actId="1076"/>
+          <ac:spMkLst>
+            <pc:docMk/>
+            <pc:sldMk cId="108465924" sldId="263"/>
+            <ac:spMk id="55" creationId="{EBAAE6B7-A379-46CE-AA84-95647624413A}"/>
+          </ac:spMkLst>
+        </pc:spChg>
+        <pc:spChg chg="mod">
+          <ac:chgData name="Erik Lang" userId="fcda1394-fb4c-479d-a032-4e18d41d6aae" providerId="ADAL" clId="{662F89B0-CC33-4D65-BAFF-A3DBC474FB93}" dt="2022-04-21T20:56:41.419" v="219" actId="1076"/>
+          <ac:spMkLst>
+            <pc:docMk/>
+            <pc:sldMk cId="108465924" sldId="263"/>
+            <ac:spMk id="56" creationId="{883E64A3-FF3C-4EF3-8B03-03A933794F04}"/>
+          </ac:spMkLst>
+        </pc:spChg>
+        <pc:spChg chg="mod">
+          <ac:chgData name="Erik Lang" userId="fcda1394-fb4c-479d-a032-4e18d41d6aae" providerId="ADAL" clId="{662F89B0-CC33-4D65-BAFF-A3DBC474FB93}" dt="2022-04-21T20:59:10.644" v="258" actId="1037"/>
+          <ac:spMkLst>
+            <pc:docMk/>
+            <pc:sldMk cId="108465924" sldId="263"/>
+            <ac:spMk id="62" creationId="{2F3F1674-F657-49ED-A096-6790C37C2AB4}"/>
+          </ac:spMkLst>
+        </pc:spChg>
+        <pc:grpChg chg="add del mod">
+          <ac:chgData name="Erik Lang" userId="fcda1394-fb4c-479d-a032-4e18d41d6aae" providerId="ADAL" clId="{662F89B0-CC33-4D65-BAFF-A3DBC474FB93}" dt="2022-04-21T21:00:59.245" v="275" actId="165"/>
+          <ac:grpSpMkLst>
+            <pc:docMk/>
+            <pc:sldMk cId="108465924" sldId="263"/>
+            <ac:grpSpMk id="48" creationId="{A42BA2B8-84AD-4854-9F7A-99CD499EBB5F}"/>
+          </ac:grpSpMkLst>
+        </pc:grpChg>
         <pc:cxnChg chg="mod">
-          <ac:chgData name="Erik Lang" userId="fcda1394-fb4c-479d-a032-4e18d41d6aae" providerId="ADAL" clId="{662F89B0-CC33-4D65-BAFF-A3DBC474FB93}" dt="2022-04-21T14:42:18.020" v="75" actId="14100"/>
+          <ac:chgData name="Erik Lang" userId="fcda1394-fb4c-479d-a032-4e18d41d6aae" providerId="ADAL" clId="{662F89B0-CC33-4D65-BAFF-A3DBC474FB93}" dt="2022-04-21T21:02:24.646" v="290" actId="14100"/>
           <ac:cxnSpMkLst>
             <pc:docMk/>
             <pc:sldMk cId="108465924" sldId="263"/>
@@ -173,19 +222,67 @@
           </ac:cxnSpMkLst>
         </pc:cxnChg>
         <pc:cxnChg chg="mod">
-          <ac:chgData name="Erik Lang" userId="fcda1394-fb4c-479d-a032-4e18d41d6aae" providerId="ADAL" clId="{662F89B0-CC33-4D65-BAFF-A3DBC474FB93}" dt="2022-04-21T14:42:45.714" v="80" actId="14100"/>
+          <ac:chgData name="Erik Lang" userId="fcda1394-fb4c-479d-a032-4e18d41d6aae" providerId="ADAL" clId="{662F89B0-CC33-4D65-BAFF-A3DBC474FB93}" dt="2022-04-21T20:55:58.187" v="212" actId="1076"/>
+          <ac:cxnSpMkLst>
+            <pc:docMk/>
+            <pc:sldMk cId="108465924" sldId="263"/>
+            <ac:cxnSpMk id="30" creationId="{A99DA6B2-59AC-478B-80E6-AFE50FF793CD}"/>
+          </ac:cxnSpMkLst>
+        </pc:cxnChg>
+        <pc:cxnChg chg="mod">
+          <ac:chgData name="Erik Lang" userId="fcda1394-fb4c-479d-a032-4e18d41d6aae" providerId="ADAL" clId="{662F89B0-CC33-4D65-BAFF-A3DBC474FB93}" dt="2022-04-21T20:46:26.613" v="126" actId="1076"/>
+          <ac:cxnSpMkLst>
+            <pc:docMk/>
+            <pc:sldMk cId="108465924" sldId="263"/>
+            <ac:cxnSpMk id="34" creationId="{80042E66-820C-4084-B94A-FA04B9232B57}"/>
+          </ac:cxnSpMkLst>
+        </pc:cxnChg>
+        <pc:cxnChg chg="mod">
+          <ac:chgData name="Erik Lang" userId="fcda1394-fb4c-479d-a032-4e18d41d6aae" providerId="ADAL" clId="{662F89B0-CC33-4D65-BAFF-A3DBC474FB93}" dt="2022-04-21T21:03:18.158" v="294" actId="1076"/>
           <ac:cxnSpMkLst>
             <pc:docMk/>
             <pc:sldMk cId="108465924" sldId="263"/>
             <ac:cxnSpMk id="36" creationId="{72C596CD-A0EF-422F-831E-EBF02EE1511A}"/>
           </ac:cxnSpMkLst>
         </pc:cxnChg>
-        <pc:cxnChg chg="mod">
-          <ac:chgData name="Erik Lang" userId="fcda1394-fb4c-479d-a032-4e18d41d6aae" providerId="ADAL" clId="{662F89B0-CC33-4D65-BAFF-A3DBC474FB93}" dt="2022-04-21T14:43:21.875" v="82" actId="14100"/>
+        <pc:cxnChg chg="add mod">
+          <ac:chgData name="Erik Lang" userId="fcda1394-fb4c-479d-a032-4e18d41d6aae" providerId="ADAL" clId="{662F89B0-CC33-4D65-BAFF-A3DBC474FB93}" dt="2022-04-21T20:47:57.647" v="128" actId="1076"/>
+          <ac:cxnSpMkLst>
+            <pc:docMk/>
+            <pc:sldMk cId="108465924" sldId="263"/>
+            <ac:cxnSpMk id="39" creationId="{0FDF761A-41FB-406F-B6E4-1E872CD519A4}"/>
+          </ac:cxnSpMkLst>
+        </pc:cxnChg>
+        <pc:cxnChg chg="add mod">
+          <ac:chgData name="Erik Lang" userId="fcda1394-fb4c-479d-a032-4e18d41d6aae" providerId="ADAL" clId="{662F89B0-CC33-4D65-BAFF-A3DBC474FB93}" dt="2022-04-21T20:54:23.045" v="191" actId="1076"/>
+          <ac:cxnSpMkLst>
+            <pc:docMk/>
+            <pc:sldMk cId="108465924" sldId="263"/>
+            <ac:cxnSpMk id="40" creationId="{7138908A-DF9C-43A8-98F8-8702776BBDCD}"/>
+          </ac:cxnSpMkLst>
+        </pc:cxnChg>
+        <pc:cxnChg chg="add mod">
+          <ac:chgData name="Erik Lang" userId="fcda1394-fb4c-479d-a032-4e18d41d6aae" providerId="ADAL" clId="{662F89B0-CC33-4D65-BAFF-A3DBC474FB93}" dt="2022-04-21T20:54:44.062" v="193" actId="1076"/>
+          <ac:cxnSpMkLst>
+            <pc:docMk/>
+            <pc:sldMk cId="108465924" sldId="263"/>
+            <ac:cxnSpMk id="41" creationId="{CCA52C5A-6FC9-45CA-B65B-B1F951A48866}"/>
+          </ac:cxnSpMkLst>
+        </pc:cxnChg>
+        <pc:cxnChg chg="del mod">
+          <ac:chgData name="Erik Lang" userId="fcda1394-fb4c-479d-a032-4e18d41d6aae" providerId="ADAL" clId="{662F89B0-CC33-4D65-BAFF-A3DBC474FB93}" dt="2022-04-21T20:48:02.115" v="131" actId="478"/>
           <ac:cxnSpMkLst>
             <pc:docMk/>
             <pc:sldMk cId="108465924" sldId="263"/>
             <ac:cxnSpMk id="43" creationId="{D60E27BF-F165-4E91-92F7-9C97B99CA21D}"/>
+          </ac:cxnSpMkLst>
+        </pc:cxnChg>
+        <pc:cxnChg chg="add del mod">
+          <ac:chgData name="Erik Lang" userId="fcda1394-fb4c-479d-a032-4e18d41d6aae" providerId="ADAL" clId="{662F89B0-CC33-4D65-BAFF-A3DBC474FB93}" dt="2022-04-21T20:51:16.407" v="163"/>
+          <ac:cxnSpMkLst>
+            <pc:docMk/>
+            <pc:sldMk cId="108465924" sldId="263"/>
+            <ac:cxnSpMk id="44" creationId="{15CA80A4-9CF7-4F1B-BC80-1EF18AA6069F}"/>
           </ac:cxnSpMkLst>
         </pc:cxnChg>
         <pc:cxnChg chg="del">
@@ -204,6 +301,14 @@
             <ac:cxnSpMk id="51" creationId="{BB0E9BAE-39E7-4732-8767-3332A1BB1C11}"/>
           </ac:cxnSpMkLst>
         </pc:cxnChg>
+        <pc:cxnChg chg="mod">
+          <ac:chgData name="Erik Lang" userId="fcda1394-fb4c-479d-a032-4e18d41d6aae" providerId="ADAL" clId="{662F89B0-CC33-4D65-BAFF-A3DBC474FB93}" dt="2022-04-21T20:56:51.213" v="235" actId="1076"/>
+          <ac:cxnSpMkLst>
+            <pc:docMk/>
+            <pc:sldMk cId="108465924" sldId="263"/>
+            <ac:cxnSpMk id="57" creationId="{C196B4D5-CF13-4FCB-B826-688158303FDF}"/>
+          </ac:cxnSpMkLst>
+        </pc:cxnChg>
         <pc:cxnChg chg="del mod">
           <ac:chgData name="Erik Lang" userId="fcda1394-fb4c-479d-a032-4e18d41d6aae" providerId="ADAL" clId="{662F89B0-CC33-4D65-BAFF-A3DBC474FB93}" dt="2022-04-21T14:39:15.267" v="43" actId="478"/>
           <ac:cxnSpMkLst>
@@ -212,52 +317,897 @@
             <ac:cxnSpMk id="58" creationId="{8BA46A61-C3CC-48F8-AB8A-0C4966AD0D0D}"/>
           </ac:cxnSpMkLst>
         </pc:cxnChg>
+        <pc:cxnChg chg="add mod">
+          <ac:chgData name="Erik Lang" userId="fcda1394-fb4c-479d-a032-4e18d41d6aae" providerId="ADAL" clId="{662F89B0-CC33-4D65-BAFF-A3DBC474FB93}" dt="2022-04-21T20:55:13.419" v="207" actId="1036"/>
+          <ac:cxnSpMkLst>
+            <pc:docMk/>
+            <pc:sldMk cId="108465924" sldId="263"/>
+            <ac:cxnSpMk id="58" creationId="{F3624483-0F91-4A48-AD7B-65BB49917A2E}"/>
+          </ac:cxnSpMkLst>
+        </pc:cxnChg>
         <pc:cxnChg chg="mod">
-          <ac:chgData name="Erik Lang" userId="fcda1394-fb4c-479d-a032-4e18d41d6aae" providerId="ADAL" clId="{662F89B0-CC33-4D65-BAFF-A3DBC474FB93}" dt="2022-04-21T14:44:26.483" v="99" actId="14100"/>
+          <ac:chgData name="Erik Lang" userId="fcda1394-fb4c-479d-a032-4e18d41d6aae" providerId="ADAL" clId="{662F89B0-CC33-4D65-BAFF-A3DBC474FB93}" dt="2022-04-21T20:56:55.694" v="236" actId="1076"/>
+          <ac:cxnSpMkLst>
+            <pc:docMk/>
+            <pc:sldMk cId="108465924" sldId="263"/>
+            <ac:cxnSpMk id="61" creationId="{B74F4C75-A997-4097-B9A2-CAC273608019}"/>
+          </ac:cxnSpMkLst>
+        </pc:cxnChg>
+        <pc:cxnChg chg="add mod">
+          <ac:chgData name="Erik Lang" userId="fcda1394-fb4c-479d-a032-4e18d41d6aae" providerId="ADAL" clId="{662F89B0-CC33-4D65-BAFF-A3DBC474FB93}" dt="2022-04-21T20:57:06.275" v="238" actId="14100"/>
+          <ac:cxnSpMkLst>
+            <pc:docMk/>
+            <pc:sldMk cId="108465924" sldId="263"/>
+            <ac:cxnSpMk id="66" creationId="{C3076062-485D-4C00-BE73-B4117ED515EB}"/>
+          </ac:cxnSpMkLst>
+        </pc:cxnChg>
+        <pc:cxnChg chg="del mod">
+          <ac:chgData name="Erik Lang" userId="fcda1394-fb4c-479d-a032-4e18d41d6aae" providerId="ADAL" clId="{662F89B0-CC33-4D65-BAFF-A3DBC474FB93}" dt="2022-04-21T20:48:01.381" v="130" actId="478"/>
           <ac:cxnSpMkLst>
             <pc:docMk/>
             <pc:sldMk cId="108465924" sldId="263"/>
             <ac:cxnSpMk id="67" creationId="{0845D397-9D66-4C67-9ECA-F0E7A421B3C2}"/>
           </ac:cxnSpMkLst>
         </pc:cxnChg>
-        <pc:cxnChg chg="mod">
-          <ac:chgData name="Erik Lang" userId="fcda1394-fb4c-479d-a032-4e18d41d6aae" providerId="ADAL" clId="{662F89B0-CC33-4D65-BAFF-A3DBC474FB93}" dt="2022-04-21T14:44:36.899" v="101" actId="14100"/>
+        <pc:cxnChg chg="del mod">
+          <ac:chgData name="Erik Lang" userId="fcda1394-fb4c-479d-a032-4e18d41d6aae" providerId="ADAL" clId="{662F89B0-CC33-4D65-BAFF-A3DBC474FB93}" dt="2022-04-21T20:48:03.354" v="133" actId="478"/>
           <ac:cxnSpMkLst>
             <pc:docMk/>
             <pc:sldMk cId="108465924" sldId="263"/>
             <ac:cxnSpMk id="68" creationId="{69124B3B-EA4D-48D5-B40B-B71233E9CF2C}"/>
           </ac:cxnSpMkLst>
         </pc:cxnChg>
-        <pc:cxnChg chg="add mod">
-          <ac:chgData name="Erik Lang" userId="fcda1394-fb4c-479d-a032-4e18d41d6aae" providerId="ADAL" clId="{662F89B0-CC33-4D65-BAFF-A3DBC474FB93}" dt="2022-04-21T14:44:33.699" v="100" actId="14100"/>
+        <pc:cxnChg chg="add del mod">
+          <ac:chgData name="Erik Lang" userId="fcda1394-fb4c-479d-a032-4e18d41d6aae" providerId="ADAL" clId="{662F89B0-CC33-4D65-BAFF-A3DBC474FB93}" dt="2022-04-21T20:48:04.149" v="134" actId="478"/>
           <ac:cxnSpMkLst>
             <pc:docMk/>
             <pc:sldMk cId="108465924" sldId="263"/>
             <ac:cxnSpMk id="69" creationId="{BAD8158C-B34F-4716-A688-BA6361B6CC1A}"/>
           </ac:cxnSpMkLst>
         </pc:cxnChg>
-        <pc:cxnChg chg="add mod">
-          <ac:chgData name="Erik Lang" userId="fcda1394-fb4c-479d-a032-4e18d41d6aae" providerId="ADAL" clId="{662F89B0-CC33-4D65-BAFF-A3DBC474FB93}" dt="2022-04-21T14:43:52.827" v="91" actId="14100"/>
+        <pc:cxnChg chg="add del mod">
+          <ac:chgData name="Erik Lang" userId="fcda1394-fb4c-479d-a032-4e18d41d6aae" providerId="ADAL" clId="{662F89B0-CC33-4D65-BAFF-A3DBC474FB93}" dt="2022-04-21T20:48:00.565" v="129" actId="478"/>
           <ac:cxnSpMkLst>
             <pc:docMk/>
             <pc:sldMk cId="108465924" sldId="263"/>
             <ac:cxnSpMk id="70" creationId="{4F3A34BE-78C0-47DB-A820-DAB7BC66EA33}"/>
           </ac:cxnSpMkLst>
         </pc:cxnChg>
-        <pc:cxnChg chg="add mod">
-          <ac:chgData name="Erik Lang" userId="fcda1394-fb4c-479d-a032-4e18d41d6aae" providerId="ADAL" clId="{662F89B0-CC33-4D65-BAFF-A3DBC474FB93}" dt="2022-04-21T14:43:19.594" v="81" actId="14100"/>
+        <pc:cxnChg chg="add del mod">
+          <ac:chgData name="Erik Lang" userId="fcda1394-fb4c-479d-a032-4e18d41d6aae" providerId="ADAL" clId="{662F89B0-CC33-4D65-BAFF-A3DBC474FB93}" dt="2022-04-21T20:48:02.741" v="132" actId="478"/>
           <ac:cxnSpMkLst>
             <pc:docMk/>
             <pc:sldMk cId="108465924" sldId="263"/>
             <ac:cxnSpMk id="71" creationId="{F0C1FD12-3E9A-434C-A1FA-F9F46827C9CB}"/>
           </ac:cxnSpMkLst>
         </pc:cxnChg>
+        <pc:cxnChg chg="add mod">
+          <ac:chgData name="Erik Lang" userId="fcda1394-fb4c-479d-a032-4e18d41d6aae" providerId="ADAL" clId="{662F89B0-CC33-4D65-BAFF-A3DBC474FB93}" dt="2022-04-21T20:57:45.622" v="243" actId="14100"/>
+          <ac:cxnSpMkLst>
+            <pc:docMk/>
+            <pc:sldMk cId="108465924" sldId="263"/>
+            <ac:cxnSpMk id="72" creationId="{E0220448-456A-4F11-AD49-E58D64CB7622}"/>
+          </ac:cxnSpMkLst>
+        </pc:cxnChg>
+        <pc:cxnChg chg="add mod">
+          <ac:chgData name="Erik Lang" userId="fcda1394-fb4c-479d-a032-4e18d41d6aae" providerId="ADAL" clId="{662F89B0-CC33-4D65-BAFF-A3DBC474FB93}" dt="2022-04-21T20:57:22.788" v="241" actId="1076"/>
+          <ac:cxnSpMkLst>
+            <pc:docMk/>
+            <pc:sldMk cId="108465924" sldId="263"/>
+            <ac:cxnSpMk id="73" creationId="{7C7BF96B-8BF8-4894-A0FF-2125943FDF25}"/>
+          </ac:cxnSpMkLst>
+        </pc:cxnChg>
+        <pc:cxnChg chg="add mod">
+          <ac:chgData name="Erik Lang" userId="fcda1394-fb4c-479d-a032-4e18d41d6aae" providerId="ADAL" clId="{662F89B0-CC33-4D65-BAFF-A3DBC474FB93}" dt="2022-04-21T20:58:19.374" v="247" actId="1076"/>
+          <ac:cxnSpMkLst>
+            <pc:docMk/>
+            <pc:sldMk cId="108465924" sldId="263"/>
+            <ac:cxnSpMk id="74" creationId="{05B76500-631F-4A32-91EE-F50E11E77EE5}"/>
+          </ac:cxnSpMkLst>
+        </pc:cxnChg>
+        <pc:cxnChg chg="add mod">
+          <ac:chgData name="Erik Lang" userId="fcda1394-fb4c-479d-a032-4e18d41d6aae" providerId="ADAL" clId="{662F89B0-CC33-4D65-BAFF-A3DBC474FB93}" dt="2022-04-21T20:59:08.101" v="256" actId="1076"/>
+          <ac:cxnSpMkLst>
+            <pc:docMk/>
+            <pc:sldMk cId="108465924" sldId="263"/>
+            <ac:cxnSpMk id="75" creationId="{29D59836-B209-418C-9F9B-0F38919B67A9}"/>
+          </ac:cxnSpMkLst>
+        </pc:cxnChg>
+        <pc:cxnChg chg="add mod topLvl">
+          <ac:chgData name="Erik Lang" userId="fcda1394-fb4c-479d-a032-4e18d41d6aae" providerId="ADAL" clId="{662F89B0-CC33-4D65-BAFF-A3DBC474FB93}" dt="2022-04-21T21:01:29.678" v="282" actId="14100"/>
+          <ac:cxnSpMkLst>
+            <pc:docMk/>
+            <pc:sldMk cId="108465924" sldId="263"/>
+            <ac:cxnSpMk id="76" creationId="{EAE7FDFF-5AAF-42C3-A37B-B0914FD3FC4D}"/>
+          </ac:cxnSpMkLst>
+        </pc:cxnChg>
+        <pc:cxnChg chg="add mod topLvl">
+          <ac:chgData name="Erik Lang" userId="fcda1394-fb4c-479d-a032-4e18d41d6aae" providerId="ADAL" clId="{662F89B0-CC33-4D65-BAFF-A3DBC474FB93}" dt="2022-04-21T21:01:19.494" v="280" actId="14100"/>
+          <ac:cxnSpMkLst>
+            <pc:docMk/>
+            <pc:sldMk cId="108465924" sldId="263"/>
+            <ac:cxnSpMk id="77" creationId="{90E47530-3771-46E8-A95D-00D826FC32D5}"/>
+          </ac:cxnSpMkLst>
+        </pc:cxnChg>
+        <pc:cxnChg chg="add mod">
+          <ac:chgData name="Erik Lang" userId="fcda1394-fb4c-479d-a032-4e18d41d6aae" providerId="ADAL" clId="{662F89B0-CC33-4D65-BAFF-A3DBC474FB93}" dt="2022-04-21T21:04:49.126" v="297" actId="14100"/>
+          <ac:cxnSpMkLst>
+            <pc:docMk/>
+            <pc:sldMk cId="108465924" sldId="263"/>
+            <ac:cxnSpMk id="79" creationId="{20499B6E-F9A2-4384-A64B-E8EF61CE7C21}"/>
+          </ac:cxnSpMkLst>
+        </pc:cxnChg>
       </pc:sldChg>
-      <pc:sldChg chg="add">
-        <pc:chgData name="Erik Lang" userId="fcda1394-fb4c-479d-a032-4e18d41d6aae" providerId="ADAL" clId="{662F89B0-CC33-4D65-BAFF-A3DBC474FB93}" dt="2022-04-21T14:39:00.413" v="40" actId="2890"/>
+      <pc:sldChg chg="addSp delSp modSp add mod">
+        <pc:chgData name="Erik Lang" userId="fcda1394-fb4c-479d-a032-4e18d41d6aae" providerId="ADAL" clId="{662F89B0-CC33-4D65-BAFF-A3DBC474FB93}" dt="2022-04-21T20:44:42.213" v="125" actId="1076"/>
         <pc:sldMkLst>
           <pc:docMk/>
           <pc:sldMk cId="1321907454" sldId="265"/>
+        </pc:sldMkLst>
+        <pc:spChg chg="add del mod">
+          <ac:chgData name="Erik Lang" userId="fcda1394-fb4c-479d-a032-4e18d41d6aae" providerId="ADAL" clId="{662F89B0-CC33-4D65-BAFF-A3DBC474FB93}" dt="2022-04-21T20:43:24.189" v="105"/>
+          <ac:spMkLst>
+            <pc:docMk/>
+            <pc:sldMk cId="1321907454" sldId="265"/>
+            <ac:spMk id="45" creationId="{A994504B-563D-4E1E-B1AE-96C6B356CD8D}"/>
+          </ac:spMkLst>
+        </pc:spChg>
+        <pc:spChg chg="add del mod">
+          <ac:chgData name="Erik Lang" userId="fcda1394-fb4c-479d-a032-4e18d41d6aae" providerId="ADAL" clId="{662F89B0-CC33-4D65-BAFF-A3DBC474FB93}" dt="2022-04-21T20:43:24.189" v="105"/>
+          <ac:spMkLst>
+            <pc:docMk/>
+            <pc:sldMk cId="1321907454" sldId="265"/>
+            <ac:spMk id="47" creationId="{FCA3A246-C8CA-4563-A52A-26598D302A4D}"/>
+          </ac:spMkLst>
+        </pc:spChg>
+        <pc:spChg chg="add del mod">
+          <ac:chgData name="Erik Lang" userId="fcda1394-fb4c-479d-a032-4e18d41d6aae" providerId="ADAL" clId="{662F89B0-CC33-4D65-BAFF-A3DBC474FB93}" dt="2022-04-21T20:43:24.189" v="105"/>
+          <ac:spMkLst>
+            <pc:docMk/>
+            <pc:sldMk cId="1321907454" sldId="265"/>
+            <ac:spMk id="48" creationId="{683279C6-A44C-42BB-8AC3-0159497F89D2}"/>
+          </ac:spMkLst>
+        </pc:spChg>
+        <pc:spChg chg="add del mod">
+          <ac:chgData name="Erik Lang" userId="fcda1394-fb4c-479d-a032-4e18d41d6aae" providerId="ADAL" clId="{662F89B0-CC33-4D65-BAFF-A3DBC474FB93}" dt="2022-04-21T20:43:24.189" v="105"/>
+          <ac:spMkLst>
+            <pc:docMk/>
+            <pc:sldMk cId="1321907454" sldId="265"/>
+            <ac:spMk id="53" creationId="{8B11A024-2866-4CA3-A425-5B73E072952C}"/>
+          </ac:spMkLst>
+        </pc:spChg>
+        <pc:spChg chg="add del mod">
+          <ac:chgData name="Erik Lang" userId="fcda1394-fb4c-479d-a032-4e18d41d6aae" providerId="ADAL" clId="{662F89B0-CC33-4D65-BAFF-A3DBC474FB93}" dt="2022-04-21T20:43:24.189" v="105"/>
+          <ac:spMkLst>
+            <pc:docMk/>
+            <pc:sldMk cId="1321907454" sldId="265"/>
+            <ac:spMk id="55" creationId="{4A4CAC8E-832F-46D8-A3F0-AB6BF5D2C207}"/>
+          </ac:spMkLst>
+        </pc:spChg>
+        <pc:spChg chg="add del mod">
+          <ac:chgData name="Erik Lang" userId="fcda1394-fb4c-479d-a032-4e18d41d6aae" providerId="ADAL" clId="{662F89B0-CC33-4D65-BAFF-A3DBC474FB93}" dt="2022-04-21T20:43:24.189" v="105"/>
+          <ac:spMkLst>
+            <pc:docMk/>
+            <pc:sldMk cId="1321907454" sldId="265"/>
+            <ac:spMk id="66" creationId="{25F2BB66-08DC-4802-B7F2-F6188EA4ACE7}"/>
+          </ac:spMkLst>
+        </pc:spChg>
+        <pc:spChg chg="add del mod">
+          <ac:chgData name="Erik Lang" userId="fcda1394-fb4c-479d-a032-4e18d41d6aae" providerId="ADAL" clId="{662F89B0-CC33-4D65-BAFF-A3DBC474FB93}" dt="2022-04-21T20:43:24.189" v="105"/>
+          <ac:spMkLst>
+            <pc:docMk/>
+            <pc:sldMk cId="1321907454" sldId="265"/>
+            <ac:spMk id="74" creationId="{C8252513-FC0D-4D30-BA83-835045CE2E7B}"/>
+          </ac:spMkLst>
+        </pc:spChg>
+        <pc:picChg chg="mod">
+          <ac:chgData name="Erik Lang" userId="fcda1394-fb4c-479d-a032-4e18d41d6aae" providerId="ADAL" clId="{662F89B0-CC33-4D65-BAFF-A3DBC474FB93}" dt="2022-04-21T20:44:36.852" v="124" actId="1076"/>
+          <ac:picMkLst>
+            <pc:docMk/>
+            <pc:sldMk cId="1321907454" sldId="265"/>
+            <ac:picMk id="5" creationId="{291AB5B7-856B-4542-8704-A0D119241E75}"/>
+          </ac:picMkLst>
+        </pc:picChg>
+        <pc:picChg chg="add del mod">
+          <ac:chgData name="Erik Lang" userId="fcda1394-fb4c-479d-a032-4e18d41d6aae" providerId="ADAL" clId="{662F89B0-CC33-4D65-BAFF-A3DBC474FB93}" dt="2022-04-21T20:43:24.189" v="105"/>
+          <ac:picMkLst>
+            <pc:docMk/>
+            <pc:sldMk cId="1321907454" sldId="265"/>
+            <ac:picMk id="42" creationId="{4738B9D2-5987-4B76-BAF9-89D65835ABDD}"/>
+          </ac:picMkLst>
+        </pc:picChg>
+        <pc:picChg chg="add del mod">
+          <ac:chgData name="Erik Lang" userId="fcda1394-fb4c-479d-a032-4e18d41d6aae" providerId="ADAL" clId="{662F89B0-CC33-4D65-BAFF-A3DBC474FB93}" dt="2022-04-21T20:43:24.189" v="105"/>
+          <ac:picMkLst>
+            <pc:docMk/>
+            <pc:sldMk cId="1321907454" sldId="265"/>
+            <ac:picMk id="54" creationId="{8165B7BC-6B5A-4777-BF1B-35F1E1D37824}"/>
+          </ac:picMkLst>
+        </pc:picChg>
+        <pc:cxnChg chg="del">
+          <ac:chgData name="Erik Lang" userId="fcda1394-fb4c-479d-a032-4e18d41d6aae" providerId="ADAL" clId="{662F89B0-CC33-4D65-BAFF-A3DBC474FB93}" dt="2022-04-21T20:44:25.684" v="117" actId="478"/>
+          <ac:cxnSpMkLst>
+            <pc:docMk/>
+            <pc:sldMk cId="1321907454" sldId="265"/>
+            <ac:cxnSpMk id="43" creationId="{D60E27BF-F165-4E91-92F7-9C97B99CA21D}"/>
+          </ac:cxnSpMkLst>
+        </pc:cxnChg>
+        <pc:cxnChg chg="add del mod">
+          <ac:chgData name="Erik Lang" userId="fcda1394-fb4c-479d-a032-4e18d41d6aae" providerId="ADAL" clId="{662F89B0-CC33-4D65-BAFF-A3DBC474FB93}" dt="2022-04-21T20:43:24.189" v="105"/>
+          <ac:cxnSpMkLst>
+            <pc:docMk/>
+            <pc:sldMk cId="1321907454" sldId="265"/>
+            <ac:cxnSpMk id="44" creationId="{F8B85628-A509-4D19-898B-6C17B4B34DA8}"/>
+          </ac:cxnSpMkLst>
+        </pc:cxnChg>
+        <pc:cxnChg chg="add del mod">
+          <ac:chgData name="Erik Lang" userId="fcda1394-fb4c-479d-a032-4e18d41d6aae" providerId="ADAL" clId="{662F89B0-CC33-4D65-BAFF-A3DBC474FB93}" dt="2022-04-21T20:43:24.189" v="105"/>
+          <ac:cxnSpMkLst>
+            <pc:docMk/>
+            <pc:sldMk cId="1321907454" sldId="265"/>
+            <ac:cxnSpMk id="46" creationId="{34E76E45-8B3D-4131-ADA0-790FAC255D3C}"/>
+          </ac:cxnSpMkLst>
+        </pc:cxnChg>
+        <pc:cxnChg chg="add del mod">
+          <ac:chgData name="Erik Lang" userId="fcda1394-fb4c-479d-a032-4e18d41d6aae" providerId="ADAL" clId="{662F89B0-CC33-4D65-BAFF-A3DBC474FB93}" dt="2022-04-21T20:43:24.189" v="105"/>
+          <ac:cxnSpMkLst>
+            <pc:docMk/>
+            <pc:sldMk cId="1321907454" sldId="265"/>
+            <ac:cxnSpMk id="50" creationId="{61005E6E-6C77-43CD-B23C-E829BE719804}"/>
+          </ac:cxnSpMkLst>
+        </pc:cxnChg>
+        <pc:cxnChg chg="del">
+          <ac:chgData name="Erik Lang" userId="fcda1394-fb4c-479d-a032-4e18d41d6aae" providerId="ADAL" clId="{662F89B0-CC33-4D65-BAFF-A3DBC474FB93}" dt="2022-04-21T20:44:24.982" v="116" actId="478"/>
+          <ac:cxnSpMkLst>
+            <pc:docMk/>
+            <pc:sldMk cId="1321907454" sldId="265"/>
+            <ac:cxnSpMk id="67" creationId="{0845D397-9D66-4C67-9ECA-F0E7A421B3C2}"/>
+          </ac:cxnSpMkLst>
+        </pc:cxnChg>
+        <pc:cxnChg chg="del">
+          <ac:chgData name="Erik Lang" userId="fcda1394-fb4c-479d-a032-4e18d41d6aae" providerId="ADAL" clId="{662F89B0-CC33-4D65-BAFF-A3DBC474FB93}" dt="2022-04-21T20:44:27.045" v="119" actId="478"/>
+          <ac:cxnSpMkLst>
+            <pc:docMk/>
+            <pc:sldMk cId="1321907454" sldId="265"/>
+            <ac:cxnSpMk id="68" creationId="{69124B3B-EA4D-48D5-B40B-B71233E9CF2C}"/>
+          </ac:cxnSpMkLst>
+        </pc:cxnChg>
+        <pc:cxnChg chg="del">
+          <ac:chgData name="Erik Lang" userId="fcda1394-fb4c-479d-a032-4e18d41d6aae" providerId="ADAL" clId="{662F89B0-CC33-4D65-BAFF-A3DBC474FB93}" dt="2022-04-21T20:44:27.523" v="120" actId="478"/>
+          <ac:cxnSpMkLst>
+            <pc:docMk/>
+            <pc:sldMk cId="1321907454" sldId="265"/>
+            <ac:cxnSpMk id="69" creationId="{BAD8158C-B34F-4716-A688-BA6361B6CC1A}"/>
+          </ac:cxnSpMkLst>
+        </pc:cxnChg>
+        <pc:cxnChg chg="del">
+          <ac:chgData name="Erik Lang" userId="fcda1394-fb4c-479d-a032-4e18d41d6aae" providerId="ADAL" clId="{662F89B0-CC33-4D65-BAFF-A3DBC474FB93}" dt="2022-04-21T20:44:24.501" v="115" actId="478"/>
+          <ac:cxnSpMkLst>
+            <pc:docMk/>
+            <pc:sldMk cId="1321907454" sldId="265"/>
+            <ac:cxnSpMk id="70" creationId="{4F3A34BE-78C0-47DB-A820-DAB7BC66EA33}"/>
+          </ac:cxnSpMkLst>
+        </pc:cxnChg>
+        <pc:cxnChg chg="del">
+          <ac:chgData name="Erik Lang" userId="fcda1394-fb4c-479d-a032-4e18d41d6aae" providerId="ADAL" clId="{662F89B0-CC33-4D65-BAFF-A3DBC474FB93}" dt="2022-04-21T20:44:26.500" v="118" actId="478"/>
+          <ac:cxnSpMkLst>
+            <pc:docMk/>
+            <pc:sldMk cId="1321907454" sldId="265"/>
+            <ac:cxnSpMk id="71" creationId="{F0C1FD12-3E9A-434C-A1FA-F9F46827C9CB}"/>
+          </ac:cxnSpMkLst>
+        </pc:cxnChg>
+        <pc:cxnChg chg="add del mod">
+          <ac:chgData name="Erik Lang" userId="fcda1394-fb4c-479d-a032-4e18d41d6aae" providerId="ADAL" clId="{662F89B0-CC33-4D65-BAFF-A3DBC474FB93}" dt="2022-04-21T20:43:24.189" v="105"/>
+          <ac:cxnSpMkLst>
+            <pc:docMk/>
+            <pc:sldMk cId="1321907454" sldId="265"/>
+            <ac:cxnSpMk id="72" creationId="{0E40A4D0-674B-4902-8EF8-F91417FB8180}"/>
+          </ac:cxnSpMkLst>
+        </pc:cxnChg>
+        <pc:cxnChg chg="add del mod">
+          <ac:chgData name="Erik Lang" userId="fcda1394-fb4c-479d-a032-4e18d41d6aae" providerId="ADAL" clId="{662F89B0-CC33-4D65-BAFF-A3DBC474FB93}" dt="2022-04-21T20:43:24.189" v="105"/>
+          <ac:cxnSpMkLst>
+            <pc:docMk/>
+            <pc:sldMk cId="1321907454" sldId="265"/>
+            <ac:cxnSpMk id="73" creationId="{B7BC5B77-6520-4D72-88BE-80287EC53DE0}"/>
+          </ac:cxnSpMkLst>
+        </pc:cxnChg>
+        <pc:cxnChg chg="add del mod">
+          <ac:chgData name="Erik Lang" userId="fcda1394-fb4c-479d-a032-4e18d41d6aae" providerId="ADAL" clId="{662F89B0-CC33-4D65-BAFF-A3DBC474FB93}" dt="2022-04-21T20:43:24.189" v="105"/>
+          <ac:cxnSpMkLst>
+            <pc:docMk/>
+            <pc:sldMk cId="1321907454" sldId="265"/>
+            <ac:cxnSpMk id="75" creationId="{22DAD482-C40E-4C56-85BB-3A1D66859F6A}"/>
+          </ac:cxnSpMkLst>
+        </pc:cxnChg>
+        <pc:cxnChg chg="add del mod">
+          <ac:chgData name="Erik Lang" userId="fcda1394-fb4c-479d-a032-4e18d41d6aae" providerId="ADAL" clId="{662F89B0-CC33-4D65-BAFF-A3DBC474FB93}" dt="2022-04-21T20:43:24.189" v="105"/>
+          <ac:cxnSpMkLst>
+            <pc:docMk/>
+            <pc:sldMk cId="1321907454" sldId="265"/>
+            <ac:cxnSpMk id="76" creationId="{762D6641-A641-45E6-877C-7D19F29CEDC9}"/>
+          </ac:cxnSpMkLst>
+        </pc:cxnChg>
+        <pc:cxnChg chg="add del mod">
+          <ac:chgData name="Erik Lang" userId="fcda1394-fb4c-479d-a032-4e18d41d6aae" providerId="ADAL" clId="{662F89B0-CC33-4D65-BAFF-A3DBC474FB93}" dt="2022-04-21T20:43:24.189" v="105"/>
+          <ac:cxnSpMkLst>
+            <pc:docMk/>
+            <pc:sldMk cId="1321907454" sldId="265"/>
+            <ac:cxnSpMk id="77" creationId="{0C869571-3226-483B-9458-E63E359C9982}"/>
+          </ac:cxnSpMkLst>
+        </pc:cxnChg>
+        <pc:cxnChg chg="add del mod">
+          <ac:chgData name="Erik Lang" userId="fcda1394-fb4c-479d-a032-4e18d41d6aae" providerId="ADAL" clId="{662F89B0-CC33-4D65-BAFF-A3DBC474FB93}" dt="2022-04-21T20:43:24.189" v="105"/>
+          <ac:cxnSpMkLst>
+            <pc:docMk/>
+            <pc:sldMk cId="1321907454" sldId="265"/>
+            <ac:cxnSpMk id="78" creationId="{B162DF47-A1FA-4153-A7E4-E9BBA1F0E616}"/>
+          </ac:cxnSpMkLst>
+        </pc:cxnChg>
+        <pc:cxnChg chg="add del mod">
+          <ac:chgData name="Erik Lang" userId="fcda1394-fb4c-479d-a032-4e18d41d6aae" providerId="ADAL" clId="{662F89B0-CC33-4D65-BAFF-A3DBC474FB93}" dt="2022-04-21T20:43:24.189" v="105"/>
+          <ac:cxnSpMkLst>
+            <pc:docMk/>
+            <pc:sldMk cId="1321907454" sldId="265"/>
+            <ac:cxnSpMk id="79" creationId="{1DEEEF1B-2B5F-48F7-A8E0-D39476E1E8E0}"/>
+          </ac:cxnSpMkLst>
+        </pc:cxnChg>
+        <pc:cxnChg chg="add del mod">
+          <ac:chgData name="Erik Lang" userId="fcda1394-fb4c-479d-a032-4e18d41d6aae" providerId="ADAL" clId="{662F89B0-CC33-4D65-BAFF-A3DBC474FB93}" dt="2022-04-21T20:43:24.189" v="105"/>
+          <ac:cxnSpMkLst>
+            <pc:docMk/>
+            <pc:sldMk cId="1321907454" sldId="265"/>
+            <ac:cxnSpMk id="80" creationId="{D95AA38F-3C3C-448E-9845-0EBB808D66C1}"/>
+          </ac:cxnSpMkLst>
+        </pc:cxnChg>
+        <pc:cxnChg chg="add del mod">
+          <ac:chgData name="Erik Lang" userId="fcda1394-fb4c-479d-a032-4e18d41d6aae" providerId="ADAL" clId="{662F89B0-CC33-4D65-BAFF-A3DBC474FB93}" dt="2022-04-21T20:43:24.189" v="105"/>
+          <ac:cxnSpMkLst>
+            <pc:docMk/>
+            <pc:sldMk cId="1321907454" sldId="265"/>
+            <ac:cxnSpMk id="81" creationId="{91925D50-093B-47A7-BDE2-029C465956F0}"/>
+          </ac:cxnSpMkLst>
+        </pc:cxnChg>
+        <pc:cxnChg chg="add del mod">
+          <ac:chgData name="Erik Lang" userId="fcda1394-fb4c-479d-a032-4e18d41d6aae" providerId="ADAL" clId="{662F89B0-CC33-4D65-BAFF-A3DBC474FB93}" dt="2022-04-21T20:43:24.189" v="105"/>
+          <ac:cxnSpMkLst>
+            <pc:docMk/>
+            <pc:sldMk cId="1321907454" sldId="265"/>
+            <ac:cxnSpMk id="82" creationId="{E62AAC4A-B2D8-4630-BCF8-3B33F11E98F2}"/>
+          </ac:cxnSpMkLst>
+        </pc:cxnChg>
+        <pc:cxnChg chg="add mod">
+          <ac:chgData name="Erik Lang" userId="fcda1394-fb4c-479d-a032-4e18d41d6aae" providerId="ADAL" clId="{662F89B0-CC33-4D65-BAFF-A3DBC474FB93}" dt="2022-04-21T20:44:42.213" v="125" actId="1076"/>
+          <ac:cxnSpMkLst>
+            <pc:docMk/>
+            <pc:sldMk cId="1321907454" sldId="265"/>
+            <ac:cxnSpMk id="83" creationId="{AA1B3DC5-6A05-4EEA-8FBA-B668A8F42859}"/>
+          </ac:cxnSpMkLst>
+        </pc:cxnChg>
+        <pc:cxnChg chg="add mod">
+          <ac:chgData name="Erik Lang" userId="fcda1394-fb4c-479d-a032-4e18d41d6aae" providerId="ADAL" clId="{662F89B0-CC33-4D65-BAFF-A3DBC474FB93}" dt="2022-04-21T20:44:42.213" v="125" actId="1076"/>
+          <ac:cxnSpMkLst>
+            <pc:docMk/>
+            <pc:sldMk cId="1321907454" sldId="265"/>
+            <ac:cxnSpMk id="84" creationId="{CBAB09A9-4F54-445D-9A26-81EAC8ED9F78}"/>
+          </ac:cxnSpMkLst>
+        </pc:cxnChg>
+        <pc:cxnChg chg="add mod">
+          <ac:chgData name="Erik Lang" userId="fcda1394-fb4c-479d-a032-4e18d41d6aae" providerId="ADAL" clId="{662F89B0-CC33-4D65-BAFF-A3DBC474FB93}" dt="2022-04-21T20:44:42.213" v="125" actId="1076"/>
+          <ac:cxnSpMkLst>
+            <pc:docMk/>
+            <pc:sldMk cId="1321907454" sldId="265"/>
+            <ac:cxnSpMk id="85" creationId="{01FB33FE-25F5-4EF9-8CD4-D99B0128ACE9}"/>
+          </ac:cxnSpMkLst>
+        </pc:cxnChg>
+      </pc:sldChg>
+      <pc:sldChg chg="add del">
+        <pc:chgData name="Erik Lang" userId="fcda1394-fb4c-479d-a032-4e18d41d6aae" providerId="ADAL" clId="{662F89B0-CC33-4D65-BAFF-A3DBC474FB93}" dt="2022-04-21T20:43:07.799" v="103"/>
+        <pc:sldMkLst>
+          <pc:docMk/>
+          <pc:sldMk cId="3856495258" sldId="266"/>
+        </pc:sldMkLst>
+      </pc:sldChg>
+      <pc:sldChg chg="addSp delSp modSp add del mod">
+        <pc:chgData name="Erik Lang" userId="fcda1394-fb4c-479d-a032-4e18d41d6aae" providerId="ADAL" clId="{662F89B0-CC33-4D65-BAFF-A3DBC474FB93}" dt="2022-04-21T20:44:01.922" v="112" actId="47"/>
+        <pc:sldMkLst>
+          <pc:docMk/>
+          <pc:sldMk cId="4013977043" sldId="266"/>
+        </pc:sldMkLst>
+        <pc:spChg chg="add del mod">
+          <ac:chgData name="Erik Lang" userId="fcda1394-fb4c-479d-a032-4e18d41d6aae" providerId="ADAL" clId="{662F89B0-CC33-4D65-BAFF-A3DBC474FB93}" dt="2022-04-21T20:43:33.494" v="108" actId="478"/>
+          <ac:spMkLst>
+            <pc:docMk/>
+            <pc:sldMk cId="4013977043" sldId="266"/>
+            <ac:spMk id="3" creationId="{0A4E9698-D9C7-4069-973F-E16247C67B4D}"/>
+          </ac:spMkLst>
+        </pc:spChg>
+        <pc:spChg chg="del">
+          <ac:chgData name="Erik Lang" userId="fcda1394-fb4c-479d-a032-4e18d41d6aae" providerId="ADAL" clId="{662F89B0-CC33-4D65-BAFF-A3DBC474FB93}" dt="2022-04-21T20:43:31.214" v="107" actId="478"/>
+          <ac:spMkLst>
+            <pc:docMk/>
+            <pc:sldMk cId="4013977043" sldId="266"/>
+            <ac:spMk id="8" creationId="{297B8997-2236-4B23-94D7-5BD5EBD4EA04}"/>
+          </ac:spMkLst>
+        </pc:spChg>
+        <pc:spChg chg="del">
+          <ac:chgData name="Erik Lang" userId="fcda1394-fb4c-479d-a032-4e18d41d6aae" providerId="ADAL" clId="{662F89B0-CC33-4D65-BAFF-A3DBC474FB93}" dt="2022-04-21T20:43:31.214" v="107" actId="478"/>
+          <ac:spMkLst>
+            <pc:docMk/>
+            <pc:sldMk cId="4013977043" sldId="266"/>
+            <ac:spMk id="9" creationId="{3C2E1F3B-D591-49FD-BB29-036A5BDA170C}"/>
+          </ac:spMkLst>
+        </pc:spChg>
+        <pc:spChg chg="del">
+          <ac:chgData name="Erik Lang" userId="fcda1394-fb4c-479d-a032-4e18d41d6aae" providerId="ADAL" clId="{662F89B0-CC33-4D65-BAFF-A3DBC474FB93}" dt="2022-04-21T20:43:31.214" v="107" actId="478"/>
+          <ac:spMkLst>
+            <pc:docMk/>
+            <pc:sldMk cId="4013977043" sldId="266"/>
+            <ac:spMk id="13" creationId="{08F248BC-BCC0-4C88-BD7C-2A10C9F75E74}"/>
+          </ac:spMkLst>
+        </pc:spChg>
+        <pc:spChg chg="del">
+          <ac:chgData name="Erik Lang" userId="fcda1394-fb4c-479d-a032-4e18d41d6aae" providerId="ADAL" clId="{662F89B0-CC33-4D65-BAFF-A3DBC474FB93}" dt="2022-04-21T20:43:31.214" v="107" actId="478"/>
+          <ac:spMkLst>
+            <pc:docMk/>
+            <pc:sldMk cId="4013977043" sldId="266"/>
+            <ac:spMk id="14" creationId="{107B44D7-9EB7-4333-A9DB-40075E114504}"/>
+          </ac:spMkLst>
+        </pc:spChg>
+        <pc:spChg chg="del">
+          <ac:chgData name="Erik Lang" userId="fcda1394-fb4c-479d-a032-4e18d41d6aae" providerId="ADAL" clId="{662F89B0-CC33-4D65-BAFF-A3DBC474FB93}" dt="2022-04-21T20:43:31.214" v="107" actId="478"/>
+          <ac:spMkLst>
+            <pc:docMk/>
+            <pc:sldMk cId="4013977043" sldId="266"/>
+            <ac:spMk id="15" creationId="{770F28ED-4B30-4DAC-9F94-931ADD257974}"/>
+          </ac:spMkLst>
+        </pc:spChg>
+        <pc:spChg chg="del">
+          <ac:chgData name="Erik Lang" userId="fcda1394-fb4c-479d-a032-4e18d41d6aae" providerId="ADAL" clId="{662F89B0-CC33-4D65-BAFF-A3DBC474FB93}" dt="2022-04-21T20:43:31.214" v="107" actId="478"/>
+          <ac:spMkLst>
+            <pc:docMk/>
+            <pc:sldMk cId="4013977043" sldId="266"/>
+            <ac:spMk id="16" creationId="{93F57C9F-8DCE-4A29-8652-0F7E69AEFE3C}"/>
+          </ac:spMkLst>
+        </pc:spChg>
+        <pc:spChg chg="del">
+          <ac:chgData name="Erik Lang" userId="fcda1394-fb4c-479d-a032-4e18d41d6aae" providerId="ADAL" clId="{662F89B0-CC33-4D65-BAFF-A3DBC474FB93}" dt="2022-04-21T20:43:31.214" v="107" actId="478"/>
+          <ac:spMkLst>
+            <pc:docMk/>
+            <pc:sldMk cId="4013977043" sldId="266"/>
+            <ac:spMk id="24" creationId="{05DF0D61-A44E-4B6E-8928-DF84C41CF173}"/>
+          </ac:spMkLst>
+        </pc:spChg>
+        <pc:spChg chg="del">
+          <ac:chgData name="Erik Lang" userId="fcda1394-fb4c-479d-a032-4e18d41d6aae" providerId="ADAL" clId="{662F89B0-CC33-4D65-BAFF-A3DBC474FB93}" dt="2022-04-21T20:43:31.214" v="107" actId="478"/>
+          <ac:spMkLst>
+            <pc:docMk/>
+            <pc:sldMk cId="4013977043" sldId="266"/>
+            <ac:spMk id="26" creationId="{9A4694FF-738E-42A8-9DBF-E8A33BF984E2}"/>
+          </ac:spMkLst>
+        </pc:spChg>
+        <pc:spChg chg="del">
+          <ac:chgData name="Erik Lang" userId="fcda1394-fb4c-479d-a032-4e18d41d6aae" providerId="ADAL" clId="{662F89B0-CC33-4D65-BAFF-A3DBC474FB93}" dt="2022-04-21T20:43:31.214" v="107" actId="478"/>
+          <ac:spMkLst>
+            <pc:docMk/>
+            <pc:sldMk cId="4013977043" sldId="266"/>
+            <ac:spMk id="27" creationId="{30AE98DC-3C2E-460C-A288-B6C5DBDF068C}"/>
+          </ac:spMkLst>
+        </pc:spChg>
+        <pc:spChg chg="del">
+          <ac:chgData name="Erik Lang" userId="fcda1394-fb4c-479d-a032-4e18d41d6aae" providerId="ADAL" clId="{662F89B0-CC33-4D65-BAFF-A3DBC474FB93}" dt="2022-04-21T20:43:31.214" v="107" actId="478"/>
+          <ac:spMkLst>
+            <pc:docMk/>
+            <pc:sldMk cId="4013977043" sldId="266"/>
+            <ac:spMk id="31" creationId="{2486B789-7E90-46B7-9134-C52784B282FF}"/>
+          </ac:spMkLst>
+        </pc:spChg>
+        <pc:spChg chg="del">
+          <ac:chgData name="Erik Lang" userId="fcda1394-fb4c-479d-a032-4e18d41d6aae" providerId="ADAL" clId="{662F89B0-CC33-4D65-BAFF-A3DBC474FB93}" dt="2022-04-21T20:43:31.214" v="107" actId="478"/>
+          <ac:spMkLst>
+            <pc:docMk/>
+            <pc:sldMk cId="4013977043" sldId="266"/>
+            <ac:spMk id="38" creationId="{F4C75ED3-033F-4D70-9932-2ACA54657ABD}"/>
+          </ac:spMkLst>
+        </pc:spChg>
+        <pc:spChg chg="add del mod">
+          <ac:chgData name="Erik Lang" userId="fcda1394-fb4c-479d-a032-4e18d41d6aae" providerId="ADAL" clId="{662F89B0-CC33-4D65-BAFF-A3DBC474FB93}" dt="2022-04-21T20:43:49.276" v="110"/>
+          <ac:spMkLst>
+            <pc:docMk/>
+            <pc:sldMk cId="4013977043" sldId="266"/>
+            <ac:spMk id="40" creationId="{F911B993-FE23-41AD-95F7-78C4C5AF35A5}"/>
+          </ac:spMkLst>
+        </pc:spChg>
+        <pc:spChg chg="add del mod">
+          <ac:chgData name="Erik Lang" userId="fcda1394-fb4c-479d-a032-4e18d41d6aae" providerId="ADAL" clId="{662F89B0-CC33-4D65-BAFF-A3DBC474FB93}" dt="2022-04-21T20:43:49.276" v="110"/>
+          <ac:spMkLst>
+            <pc:docMk/>
+            <pc:sldMk cId="4013977043" sldId="266"/>
+            <ac:spMk id="42" creationId="{7272263B-E2C7-4E10-AC72-8D3B2C3290BF}"/>
+          </ac:spMkLst>
+        </pc:spChg>
+        <pc:spChg chg="add del mod">
+          <ac:chgData name="Erik Lang" userId="fcda1394-fb4c-479d-a032-4e18d41d6aae" providerId="ADAL" clId="{662F89B0-CC33-4D65-BAFF-A3DBC474FB93}" dt="2022-04-21T20:43:49.276" v="110"/>
+          <ac:spMkLst>
+            <pc:docMk/>
+            <pc:sldMk cId="4013977043" sldId="266"/>
+            <ac:spMk id="44" creationId="{C1DAF16D-87C8-45B5-9067-AF322449265F}"/>
+          </ac:spMkLst>
+        </pc:spChg>
+        <pc:spChg chg="add del mod">
+          <ac:chgData name="Erik Lang" userId="fcda1394-fb4c-479d-a032-4e18d41d6aae" providerId="ADAL" clId="{662F89B0-CC33-4D65-BAFF-A3DBC474FB93}" dt="2022-04-21T20:43:49.276" v="110"/>
+          <ac:spMkLst>
+            <pc:docMk/>
+            <pc:sldMk cId="4013977043" sldId="266"/>
+            <ac:spMk id="45" creationId="{06AF7645-543B-4099-A567-E6FE95A53814}"/>
+          </ac:spMkLst>
+        </pc:spChg>
+        <pc:spChg chg="add del mod">
+          <ac:chgData name="Erik Lang" userId="fcda1394-fb4c-479d-a032-4e18d41d6aae" providerId="ADAL" clId="{662F89B0-CC33-4D65-BAFF-A3DBC474FB93}" dt="2022-04-21T20:43:49.276" v="110"/>
+          <ac:spMkLst>
+            <pc:docMk/>
+            <pc:sldMk cId="4013977043" sldId="266"/>
+            <ac:spMk id="47" creationId="{19C6F2B9-2C00-45E7-8507-1550B8C4298D}"/>
+          </ac:spMkLst>
+        </pc:spChg>
+        <pc:spChg chg="add del mod">
+          <ac:chgData name="Erik Lang" userId="fcda1394-fb4c-479d-a032-4e18d41d6aae" providerId="ADAL" clId="{662F89B0-CC33-4D65-BAFF-A3DBC474FB93}" dt="2022-04-21T20:43:49.276" v="110"/>
+          <ac:spMkLst>
+            <pc:docMk/>
+            <pc:sldMk cId="4013977043" sldId="266"/>
+            <ac:spMk id="48" creationId="{0444C759-7C0F-4D25-B610-5162032500CF}"/>
+          </ac:spMkLst>
+        </pc:spChg>
+        <pc:spChg chg="add del mod">
+          <ac:chgData name="Erik Lang" userId="fcda1394-fb4c-479d-a032-4e18d41d6aae" providerId="ADAL" clId="{662F89B0-CC33-4D65-BAFF-A3DBC474FB93}" dt="2022-04-21T20:43:49.276" v="110"/>
+          <ac:spMkLst>
+            <pc:docMk/>
+            <pc:sldMk cId="4013977043" sldId="266"/>
+            <ac:spMk id="50" creationId="{3F5422C4-564D-4B8A-9F65-C1A943EA0402}"/>
+          </ac:spMkLst>
+        </pc:spChg>
+        <pc:spChg chg="add del mod">
+          <ac:chgData name="Erik Lang" userId="fcda1394-fb4c-479d-a032-4e18d41d6aae" providerId="ADAL" clId="{662F89B0-CC33-4D65-BAFF-A3DBC474FB93}" dt="2022-04-21T20:43:49.276" v="110"/>
+          <ac:spMkLst>
+            <pc:docMk/>
+            <pc:sldMk cId="4013977043" sldId="266"/>
+            <ac:spMk id="53" creationId="{B0BE33BF-8F81-4AA6-BDD6-3CECD3840417}"/>
+          </ac:spMkLst>
+        </pc:spChg>
+        <pc:spChg chg="add del mod">
+          <ac:chgData name="Erik Lang" userId="fcda1394-fb4c-479d-a032-4e18d41d6aae" providerId="ADAL" clId="{662F89B0-CC33-4D65-BAFF-A3DBC474FB93}" dt="2022-04-21T20:43:49.276" v="110"/>
+          <ac:spMkLst>
+            <pc:docMk/>
+            <pc:sldMk cId="4013977043" sldId="266"/>
+            <ac:spMk id="54" creationId="{1F64C6FA-69D2-45D3-92EB-329EAB4FDEE7}"/>
+          </ac:spMkLst>
+        </pc:spChg>
+        <pc:spChg chg="del">
+          <ac:chgData name="Erik Lang" userId="fcda1394-fb4c-479d-a032-4e18d41d6aae" providerId="ADAL" clId="{662F89B0-CC33-4D65-BAFF-A3DBC474FB93}" dt="2022-04-21T20:43:31.214" v="107" actId="478"/>
+          <ac:spMkLst>
+            <pc:docMk/>
+            <pc:sldMk cId="4013977043" sldId="266"/>
+            <ac:spMk id="56" creationId="{883E64A3-FF3C-4EF3-8B03-03A933794F04}"/>
+          </ac:spMkLst>
+        </pc:spChg>
+        <pc:spChg chg="del">
+          <ac:chgData name="Erik Lang" userId="fcda1394-fb4c-479d-a032-4e18d41d6aae" providerId="ADAL" clId="{662F89B0-CC33-4D65-BAFF-A3DBC474FB93}" dt="2022-04-21T20:43:31.214" v="107" actId="478"/>
+          <ac:spMkLst>
+            <pc:docMk/>
+            <pc:sldMk cId="4013977043" sldId="266"/>
+            <ac:spMk id="62" creationId="{2F3F1674-F657-49ED-A096-6790C37C2AB4}"/>
+          </ac:spMkLst>
+        </pc:spChg>
+        <pc:spChg chg="add del mod">
+          <ac:chgData name="Erik Lang" userId="fcda1394-fb4c-479d-a032-4e18d41d6aae" providerId="ADAL" clId="{662F89B0-CC33-4D65-BAFF-A3DBC474FB93}" dt="2022-04-21T20:43:49.276" v="110"/>
+          <ac:spMkLst>
+            <pc:docMk/>
+            <pc:sldMk cId="4013977043" sldId="266"/>
+            <ac:spMk id="66" creationId="{B0CA498F-B7D7-4805-AE4F-152DD891ECDB}"/>
+          </ac:spMkLst>
+        </pc:spChg>
+        <pc:spChg chg="add del mod">
+          <ac:chgData name="Erik Lang" userId="fcda1394-fb4c-479d-a032-4e18d41d6aae" providerId="ADAL" clId="{662F89B0-CC33-4D65-BAFF-A3DBC474FB93}" dt="2022-04-21T20:43:49.276" v="110"/>
+          <ac:spMkLst>
+            <pc:docMk/>
+            <pc:sldMk cId="4013977043" sldId="266"/>
+            <ac:spMk id="74" creationId="{D90BFAD7-A4BA-41E8-B9C1-5A24FD9B5118}"/>
+          </ac:spMkLst>
+        </pc:spChg>
+        <pc:picChg chg="del">
+          <ac:chgData name="Erik Lang" userId="fcda1394-fb4c-479d-a032-4e18d41d6aae" providerId="ADAL" clId="{662F89B0-CC33-4D65-BAFF-A3DBC474FB93}" dt="2022-04-21T20:43:31.214" v="107" actId="478"/>
+          <ac:picMkLst>
+            <pc:docMk/>
+            <pc:sldMk cId="4013977043" sldId="266"/>
+            <ac:picMk id="5" creationId="{291AB5B7-856B-4542-8704-A0D119241E75}"/>
+          </ac:picMkLst>
+        </pc:picChg>
+        <pc:picChg chg="del">
+          <ac:chgData name="Erik Lang" userId="fcda1394-fb4c-479d-a032-4e18d41d6aae" providerId="ADAL" clId="{662F89B0-CC33-4D65-BAFF-A3DBC474FB93}" dt="2022-04-21T20:43:31.214" v="107" actId="478"/>
+          <ac:picMkLst>
+            <pc:docMk/>
+            <pc:sldMk cId="4013977043" sldId="266"/>
+            <ac:picMk id="7" creationId="{FAF669D4-4BD9-4BAD-B5DA-82BCB5809656}"/>
+          </ac:picMkLst>
+        </pc:picChg>
+        <pc:picChg chg="del">
+          <ac:chgData name="Erik Lang" userId="fcda1394-fb4c-479d-a032-4e18d41d6aae" providerId="ADAL" clId="{662F89B0-CC33-4D65-BAFF-A3DBC474FB93}" dt="2022-04-21T20:43:31.214" v="107" actId="478"/>
+          <ac:picMkLst>
+            <pc:docMk/>
+            <pc:sldMk cId="4013977043" sldId="266"/>
+            <ac:picMk id="37" creationId="{B244B784-BE62-4BF3-B363-ABD3730F87F8}"/>
+          </ac:picMkLst>
+        </pc:picChg>
+        <pc:picChg chg="add del mod">
+          <ac:chgData name="Erik Lang" userId="fcda1394-fb4c-479d-a032-4e18d41d6aae" providerId="ADAL" clId="{662F89B0-CC33-4D65-BAFF-A3DBC474FB93}" dt="2022-04-21T20:43:49.276" v="110"/>
+          <ac:picMkLst>
+            <pc:docMk/>
+            <pc:sldMk cId="4013977043" sldId="266"/>
+            <ac:picMk id="39" creationId="{D6730778-B798-4E03-80EE-AE1B25798738}"/>
+          </ac:picMkLst>
+        </pc:picChg>
+        <pc:picChg chg="add del mod">
+          <ac:chgData name="Erik Lang" userId="fcda1394-fb4c-479d-a032-4e18d41d6aae" providerId="ADAL" clId="{662F89B0-CC33-4D65-BAFF-A3DBC474FB93}" dt="2022-04-21T20:43:49.276" v="110"/>
+          <ac:picMkLst>
+            <pc:docMk/>
+            <pc:sldMk cId="4013977043" sldId="266"/>
+            <ac:picMk id="51" creationId="{5B16D5E8-EB02-46BE-890C-C46381FF5FD2}"/>
+          </ac:picMkLst>
+        </pc:picChg>
+        <pc:cxnChg chg="del">
+          <ac:chgData name="Erik Lang" userId="fcda1394-fb4c-479d-a032-4e18d41d6aae" providerId="ADAL" clId="{662F89B0-CC33-4D65-BAFF-A3DBC474FB93}" dt="2022-04-21T20:43:31.214" v="107" actId="478"/>
+          <ac:cxnSpMkLst>
+            <pc:docMk/>
+            <pc:sldMk cId="4013977043" sldId="266"/>
+            <ac:cxnSpMk id="11" creationId="{F646BE35-0B02-4077-A667-86D63672F682}"/>
+          </ac:cxnSpMkLst>
+        </pc:cxnChg>
+        <pc:cxnChg chg="del">
+          <ac:chgData name="Erik Lang" userId="fcda1394-fb4c-479d-a032-4e18d41d6aae" providerId="ADAL" clId="{662F89B0-CC33-4D65-BAFF-A3DBC474FB93}" dt="2022-04-21T20:43:31.214" v="107" actId="478"/>
+          <ac:cxnSpMkLst>
+            <pc:docMk/>
+            <pc:sldMk cId="4013977043" sldId="266"/>
+            <ac:cxnSpMk id="30" creationId="{A99DA6B2-59AC-478B-80E6-AFE50FF793CD}"/>
+          </ac:cxnSpMkLst>
+        </pc:cxnChg>
+        <pc:cxnChg chg="del">
+          <ac:chgData name="Erik Lang" userId="fcda1394-fb4c-479d-a032-4e18d41d6aae" providerId="ADAL" clId="{662F89B0-CC33-4D65-BAFF-A3DBC474FB93}" dt="2022-04-21T20:43:31.214" v="107" actId="478"/>
+          <ac:cxnSpMkLst>
+            <pc:docMk/>
+            <pc:sldMk cId="4013977043" sldId="266"/>
+            <ac:cxnSpMk id="34" creationId="{80042E66-820C-4084-B94A-FA04B9232B57}"/>
+          </ac:cxnSpMkLst>
+        </pc:cxnChg>
+        <pc:cxnChg chg="del">
+          <ac:chgData name="Erik Lang" userId="fcda1394-fb4c-479d-a032-4e18d41d6aae" providerId="ADAL" clId="{662F89B0-CC33-4D65-BAFF-A3DBC474FB93}" dt="2022-04-21T20:43:31.214" v="107" actId="478"/>
+          <ac:cxnSpMkLst>
+            <pc:docMk/>
+            <pc:sldMk cId="4013977043" sldId="266"/>
+            <ac:cxnSpMk id="35" creationId="{D169CD8E-C28A-43CB-B2E0-FDCE65B9B796}"/>
+          </ac:cxnSpMkLst>
+        </pc:cxnChg>
+        <pc:cxnChg chg="del">
+          <ac:chgData name="Erik Lang" userId="fcda1394-fb4c-479d-a032-4e18d41d6aae" providerId="ADAL" clId="{662F89B0-CC33-4D65-BAFF-A3DBC474FB93}" dt="2022-04-21T20:43:31.214" v="107" actId="478"/>
+          <ac:cxnSpMkLst>
+            <pc:docMk/>
+            <pc:sldMk cId="4013977043" sldId="266"/>
+            <ac:cxnSpMk id="36" creationId="{72C596CD-A0EF-422F-831E-EBF02EE1511A}"/>
+          </ac:cxnSpMkLst>
+        </pc:cxnChg>
+        <pc:cxnChg chg="add del mod">
+          <ac:chgData name="Erik Lang" userId="fcda1394-fb4c-479d-a032-4e18d41d6aae" providerId="ADAL" clId="{662F89B0-CC33-4D65-BAFF-A3DBC474FB93}" dt="2022-04-21T20:43:49.276" v="110"/>
+          <ac:cxnSpMkLst>
+            <pc:docMk/>
+            <pc:sldMk cId="4013977043" sldId="266"/>
+            <ac:cxnSpMk id="41" creationId="{31BCFE6D-E668-42D7-98AC-EC6D683597A4}"/>
+          </ac:cxnSpMkLst>
+        </pc:cxnChg>
+        <pc:cxnChg chg="del">
+          <ac:chgData name="Erik Lang" userId="fcda1394-fb4c-479d-a032-4e18d41d6aae" providerId="ADAL" clId="{662F89B0-CC33-4D65-BAFF-A3DBC474FB93}" dt="2022-04-21T20:43:31.214" v="107" actId="478"/>
+          <ac:cxnSpMkLst>
+            <pc:docMk/>
+            <pc:sldMk cId="4013977043" sldId="266"/>
+            <ac:cxnSpMk id="43" creationId="{D60E27BF-F165-4E91-92F7-9C97B99CA21D}"/>
+          </ac:cxnSpMkLst>
+        </pc:cxnChg>
+        <pc:cxnChg chg="add del mod">
+          <ac:chgData name="Erik Lang" userId="fcda1394-fb4c-479d-a032-4e18d41d6aae" providerId="ADAL" clId="{662F89B0-CC33-4D65-BAFF-A3DBC474FB93}" dt="2022-04-21T20:43:49.276" v="110"/>
+          <ac:cxnSpMkLst>
+            <pc:docMk/>
+            <pc:sldMk cId="4013977043" sldId="266"/>
+            <ac:cxnSpMk id="46" creationId="{B33C5D3E-F3D8-4B22-B528-B24EA3562523}"/>
+          </ac:cxnSpMkLst>
+        </pc:cxnChg>
+        <pc:cxnChg chg="add del mod">
+          <ac:chgData name="Erik Lang" userId="fcda1394-fb4c-479d-a032-4e18d41d6aae" providerId="ADAL" clId="{662F89B0-CC33-4D65-BAFF-A3DBC474FB93}" dt="2022-04-21T20:43:49.276" v="110"/>
+          <ac:cxnSpMkLst>
+            <pc:docMk/>
+            <pc:sldMk cId="4013977043" sldId="266"/>
+            <ac:cxnSpMk id="49" creationId="{DEF905B1-0A7B-44B4-9843-B3CDD28423C1}"/>
+          </ac:cxnSpMkLst>
+        </pc:cxnChg>
+        <pc:cxnChg chg="del">
+          <ac:chgData name="Erik Lang" userId="fcda1394-fb4c-479d-a032-4e18d41d6aae" providerId="ADAL" clId="{662F89B0-CC33-4D65-BAFF-A3DBC474FB93}" dt="2022-04-21T20:43:31.214" v="107" actId="478"/>
+          <ac:cxnSpMkLst>
+            <pc:docMk/>
+            <pc:sldMk cId="4013977043" sldId="266"/>
+            <ac:cxnSpMk id="52" creationId="{11B4736F-61FE-4975-B68C-627FCDF8A946}"/>
+          </ac:cxnSpMkLst>
+        </pc:cxnChg>
+        <pc:cxnChg chg="add del mod">
+          <ac:chgData name="Erik Lang" userId="fcda1394-fb4c-479d-a032-4e18d41d6aae" providerId="ADAL" clId="{662F89B0-CC33-4D65-BAFF-A3DBC474FB93}" dt="2022-04-21T20:43:49.276" v="110"/>
+          <ac:cxnSpMkLst>
+            <pc:docMk/>
+            <pc:sldMk cId="4013977043" sldId="266"/>
+            <ac:cxnSpMk id="55" creationId="{266D3A7D-7459-4504-A30E-41529BA0BAD3}"/>
+          </ac:cxnSpMkLst>
+        </pc:cxnChg>
+        <pc:cxnChg chg="del">
+          <ac:chgData name="Erik Lang" userId="fcda1394-fb4c-479d-a032-4e18d41d6aae" providerId="ADAL" clId="{662F89B0-CC33-4D65-BAFF-A3DBC474FB93}" dt="2022-04-21T20:43:31.214" v="107" actId="478"/>
+          <ac:cxnSpMkLst>
+            <pc:docMk/>
+            <pc:sldMk cId="4013977043" sldId="266"/>
+            <ac:cxnSpMk id="57" creationId="{C196B4D5-CF13-4FCB-B826-688158303FDF}"/>
+          </ac:cxnSpMkLst>
+        </pc:cxnChg>
+        <pc:cxnChg chg="add del mod">
+          <ac:chgData name="Erik Lang" userId="fcda1394-fb4c-479d-a032-4e18d41d6aae" providerId="ADAL" clId="{662F89B0-CC33-4D65-BAFF-A3DBC474FB93}" dt="2022-04-21T20:43:49.276" v="110"/>
+          <ac:cxnSpMkLst>
+            <pc:docMk/>
+            <pc:sldMk cId="4013977043" sldId="266"/>
+            <ac:cxnSpMk id="58" creationId="{3343FC85-15EA-4BCC-8930-82EFF61BB38A}"/>
+          </ac:cxnSpMkLst>
+        </pc:cxnChg>
+        <pc:cxnChg chg="del">
+          <ac:chgData name="Erik Lang" userId="fcda1394-fb4c-479d-a032-4e18d41d6aae" providerId="ADAL" clId="{662F89B0-CC33-4D65-BAFF-A3DBC474FB93}" dt="2022-04-21T20:43:31.214" v="107" actId="478"/>
+          <ac:cxnSpMkLst>
+            <pc:docMk/>
+            <pc:sldMk cId="4013977043" sldId="266"/>
+            <ac:cxnSpMk id="59" creationId="{64B0880B-CA4E-45D7-AF73-F06C974EC0D3}"/>
+          </ac:cxnSpMkLst>
+        </pc:cxnChg>
+        <pc:cxnChg chg="del">
+          <ac:chgData name="Erik Lang" userId="fcda1394-fb4c-479d-a032-4e18d41d6aae" providerId="ADAL" clId="{662F89B0-CC33-4D65-BAFF-A3DBC474FB93}" dt="2022-04-21T20:43:31.214" v="107" actId="478"/>
+          <ac:cxnSpMkLst>
+            <pc:docMk/>
+            <pc:sldMk cId="4013977043" sldId="266"/>
+            <ac:cxnSpMk id="60" creationId="{DF7E4693-34EA-49FB-B20C-BE4C9E81A8D2}"/>
+          </ac:cxnSpMkLst>
+        </pc:cxnChg>
+        <pc:cxnChg chg="del mod">
+          <ac:chgData name="Erik Lang" userId="fcda1394-fb4c-479d-a032-4e18d41d6aae" providerId="ADAL" clId="{662F89B0-CC33-4D65-BAFF-A3DBC474FB93}" dt="2022-04-21T20:43:31.214" v="107" actId="478"/>
+          <ac:cxnSpMkLst>
+            <pc:docMk/>
+            <pc:sldMk cId="4013977043" sldId="266"/>
+            <ac:cxnSpMk id="61" creationId="{B74F4C75-A997-4097-B9A2-CAC273608019}"/>
+          </ac:cxnSpMkLst>
+        </pc:cxnChg>
+        <pc:cxnChg chg="del">
+          <ac:chgData name="Erik Lang" userId="fcda1394-fb4c-479d-a032-4e18d41d6aae" providerId="ADAL" clId="{662F89B0-CC33-4D65-BAFF-A3DBC474FB93}" dt="2022-04-21T20:43:31.214" v="107" actId="478"/>
+          <ac:cxnSpMkLst>
+            <pc:docMk/>
+            <pc:sldMk cId="4013977043" sldId="266"/>
+            <ac:cxnSpMk id="63" creationId="{83E93AB7-7F2F-4A8E-898B-AA1A8811B363}"/>
+          </ac:cxnSpMkLst>
+        </pc:cxnChg>
+        <pc:cxnChg chg="del">
+          <ac:chgData name="Erik Lang" userId="fcda1394-fb4c-479d-a032-4e18d41d6aae" providerId="ADAL" clId="{662F89B0-CC33-4D65-BAFF-A3DBC474FB93}" dt="2022-04-21T20:43:31.214" v="107" actId="478"/>
+          <ac:cxnSpMkLst>
+            <pc:docMk/>
+            <pc:sldMk cId="4013977043" sldId="266"/>
+            <ac:cxnSpMk id="64" creationId="{101BA365-D57F-4EA2-9955-C3D5A3305987}"/>
+          </ac:cxnSpMkLst>
+        </pc:cxnChg>
+        <pc:cxnChg chg="del">
+          <ac:chgData name="Erik Lang" userId="fcda1394-fb4c-479d-a032-4e18d41d6aae" providerId="ADAL" clId="{662F89B0-CC33-4D65-BAFF-A3DBC474FB93}" dt="2022-04-21T20:43:31.214" v="107" actId="478"/>
+          <ac:cxnSpMkLst>
+            <pc:docMk/>
+            <pc:sldMk cId="4013977043" sldId="266"/>
+            <ac:cxnSpMk id="67" creationId="{0845D397-9D66-4C67-9ECA-F0E7A421B3C2}"/>
+          </ac:cxnSpMkLst>
+        </pc:cxnChg>
+        <pc:cxnChg chg="del">
+          <ac:chgData name="Erik Lang" userId="fcda1394-fb4c-479d-a032-4e18d41d6aae" providerId="ADAL" clId="{662F89B0-CC33-4D65-BAFF-A3DBC474FB93}" dt="2022-04-21T20:43:31.214" v="107" actId="478"/>
+          <ac:cxnSpMkLst>
+            <pc:docMk/>
+            <pc:sldMk cId="4013977043" sldId="266"/>
+            <ac:cxnSpMk id="68" creationId="{69124B3B-EA4D-48D5-B40B-B71233E9CF2C}"/>
+          </ac:cxnSpMkLst>
+        </pc:cxnChg>
+        <pc:cxnChg chg="del">
+          <ac:chgData name="Erik Lang" userId="fcda1394-fb4c-479d-a032-4e18d41d6aae" providerId="ADAL" clId="{662F89B0-CC33-4D65-BAFF-A3DBC474FB93}" dt="2022-04-21T20:43:31.214" v="107" actId="478"/>
+          <ac:cxnSpMkLst>
+            <pc:docMk/>
+            <pc:sldMk cId="4013977043" sldId="266"/>
+            <ac:cxnSpMk id="69" creationId="{BAD8158C-B34F-4716-A688-BA6361B6CC1A}"/>
+          </ac:cxnSpMkLst>
+        </pc:cxnChg>
+        <pc:cxnChg chg="del">
+          <ac:chgData name="Erik Lang" userId="fcda1394-fb4c-479d-a032-4e18d41d6aae" providerId="ADAL" clId="{662F89B0-CC33-4D65-BAFF-A3DBC474FB93}" dt="2022-04-21T20:43:31.214" v="107" actId="478"/>
+          <ac:cxnSpMkLst>
+            <pc:docMk/>
+            <pc:sldMk cId="4013977043" sldId="266"/>
+            <ac:cxnSpMk id="70" creationId="{4F3A34BE-78C0-47DB-A820-DAB7BC66EA33}"/>
+          </ac:cxnSpMkLst>
+        </pc:cxnChg>
+        <pc:cxnChg chg="del">
+          <ac:chgData name="Erik Lang" userId="fcda1394-fb4c-479d-a032-4e18d41d6aae" providerId="ADAL" clId="{662F89B0-CC33-4D65-BAFF-A3DBC474FB93}" dt="2022-04-21T20:43:31.214" v="107" actId="478"/>
+          <ac:cxnSpMkLst>
+            <pc:docMk/>
+            <pc:sldMk cId="4013977043" sldId="266"/>
+            <ac:cxnSpMk id="71" creationId="{F0C1FD12-3E9A-434C-A1FA-F9F46827C9CB}"/>
+          </ac:cxnSpMkLst>
+        </pc:cxnChg>
+        <pc:cxnChg chg="add del mod">
+          <ac:chgData name="Erik Lang" userId="fcda1394-fb4c-479d-a032-4e18d41d6aae" providerId="ADAL" clId="{662F89B0-CC33-4D65-BAFF-A3DBC474FB93}" dt="2022-04-21T20:43:49.276" v="110"/>
+          <ac:cxnSpMkLst>
+            <pc:docMk/>
+            <pc:sldMk cId="4013977043" sldId="266"/>
+            <ac:cxnSpMk id="72" creationId="{8732086E-9B18-42B6-8A2C-B2F0AA4B0F3F}"/>
+          </ac:cxnSpMkLst>
+        </pc:cxnChg>
+        <pc:cxnChg chg="add del mod">
+          <ac:chgData name="Erik Lang" userId="fcda1394-fb4c-479d-a032-4e18d41d6aae" providerId="ADAL" clId="{662F89B0-CC33-4D65-BAFF-A3DBC474FB93}" dt="2022-04-21T20:43:49.276" v="110"/>
+          <ac:cxnSpMkLst>
+            <pc:docMk/>
+            <pc:sldMk cId="4013977043" sldId="266"/>
+            <ac:cxnSpMk id="73" creationId="{749D89BA-8D5D-4728-8B1D-069722794BEE}"/>
+          </ac:cxnSpMkLst>
+        </pc:cxnChg>
+        <pc:cxnChg chg="add del mod">
+          <ac:chgData name="Erik Lang" userId="fcda1394-fb4c-479d-a032-4e18d41d6aae" providerId="ADAL" clId="{662F89B0-CC33-4D65-BAFF-A3DBC474FB93}" dt="2022-04-21T20:43:49.276" v="110"/>
+          <ac:cxnSpMkLst>
+            <pc:docMk/>
+            <pc:sldMk cId="4013977043" sldId="266"/>
+            <ac:cxnSpMk id="75" creationId="{983B9D04-A56E-4ADE-8E17-A787BC9DDB42}"/>
+          </ac:cxnSpMkLst>
+        </pc:cxnChg>
+        <pc:cxnChg chg="add del mod">
+          <ac:chgData name="Erik Lang" userId="fcda1394-fb4c-479d-a032-4e18d41d6aae" providerId="ADAL" clId="{662F89B0-CC33-4D65-BAFF-A3DBC474FB93}" dt="2022-04-21T20:43:49.276" v="110"/>
+          <ac:cxnSpMkLst>
+            <pc:docMk/>
+            <pc:sldMk cId="4013977043" sldId="266"/>
+            <ac:cxnSpMk id="76" creationId="{77D173E8-2909-41A8-8A56-F0749C9D5A9A}"/>
+          </ac:cxnSpMkLst>
+        </pc:cxnChg>
+        <pc:cxnChg chg="add del mod">
+          <ac:chgData name="Erik Lang" userId="fcda1394-fb4c-479d-a032-4e18d41d6aae" providerId="ADAL" clId="{662F89B0-CC33-4D65-BAFF-A3DBC474FB93}" dt="2022-04-21T20:43:49.276" v="110"/>
+          <ac:cxnSpMkLst>
+            <pc:docMk/>
+            <pc:sldMk cId="4013977043" sldId="266"/>
+            <ac:cxnSpMk id="77" creationId="{F898DD35-890D-4CE5-9123-47AA0ED28174}"/>
+          </ac:cxnSpMkLst>
+        </pc:cxnChg>
+        <pc:cxnChg chg="add del mod">
+          <ac:chgData name="Erik Lang" userId="fcda1394-fb4c-479d-a032-4e18d41d6aae" providerId="ADAL" clId="{662F89B0-CC33-4D65-BAFF-A3DBC474FB93}" dt="2022-04-21T20:43:49.276" v="110"/>
+          <ac:cxnSpMkLst>
+            <pc:docMk/>
+            <pc:sldMk cId="4013977043" sldId="266"/>
+            <ac:cxnSpMk id="78" creationId="{37F84FB6-8228-4548-BBE3-49A56A453C26}"/>
+          </ac:cxnSpMkLst>
+        </pc:cxnChg>
+        <pc:cxnChg chg="add del mod">
+          <ac:chgData name="Erik Lang" userId="fcda1394-fb4c-479d-a032-4e18d41d6aae" providerId="ADAL" clId="{662F89B0-CC33-4D65-BAFF-A3DBC474FB93}" dt="2022-04-21T20:43:49.276" v="110"/>
+          <ac:cxnSpMkLst>
+            <pc:docMk/>
+            <pc:sldMk cId="4013977043" sldId="266"/>
+            <ac:cxnSpMk id="79" creationId="{B1BE84F6-8771-4D20-BAB8-FF69DA479989}"/>
+          </ac:cxnSpMkLst>
+        </pc:cxnChg>
+        <pc:cxnChg chg="add del mod">
+          <ac:chgData name="Erik Lang" userId="fcda1394-fb4c-479d-a032-4e18d41d6aae" providerId="ADAL" clId="{662F89B0-CC33-4D65-BAFF-A3DBC474FB93}" dt="2022-04-21T20:43:49.276" v="110"/>
+          <ac:cxnSpMkLst>
+            <pc:docMk/>
+            <pc:sldMk cId="4013977043" sldId="266"/>
+            <ac:cxnSpMk id="80" creationId="{07578B2C-E244-4D7E-A63A-B05CA694EC36}"/>
+          </ac:cxnSpMkLst>
+        </pc:cxnChg>
+      </pc:sldChg>
+      <pc:sldChg chg="add">
+        <pc:chgData name="Erik Lang" userId="fcda1394-fb4c-479d-a032-4e18d41d6aae" providerId="ADAL" clId="{662F89B0-CC33-4D65-BAFF-A3DBC474FB93}" dt="2022-04-21T20:43:57.959" v="111" actId="2890"/>
+        <pc:sldMkLst>
+          <pc:docMk/>
+          <pc:sldMk cId="4003158186" sldId="267"/>
         </pc:sldMkLst>
       </pc:sldChg>
     </pc:docChg>
@@ -4129,19 +5079,16 @@
           <p:nvPr/>
         </p:nvCxnSpPr>
         <p:spPr>
-          <a:xfrm>
-            <a:off x="3465004" y="1157240"/>
-            <a:ext cx="9371" cy="9226377"/>
+          <a:xfrm flipH="1">
+            <a:off x="3462523" y="1157240"/>
+            <a:ext cx="2481" cy="9338911"/>
           </a:xfrm>
           <a:prstGeom prst="straightConnector1">
             <a:avLst/>
           </a:prstGeom>
-          <a:ln w="63500">
+          <a:ln w="95250">
             <a:solidFill>
-              <a:schemeClr val="tx1">
-                <a:lumMod val="50000"/>
-                <a:lumOff val="50000"/>
-              </a:schemeClr>
+              <a:schemeClr val="accent3"/>
             </a:solidFill>
             <a:tailEnd type="triangle"/>
           </a:ln>
@@ -4185,9 +5132,7 @@
             <a:schemeClr val="accent3"/>
           </a:solidFill>
           <a:ln>
-            <a:solidFill>
-              <a:schemeClr val="accent3"/>
-            </a:solidFill>
+            <a:noFill/>
           </a:ln>
         </p:spPr>
         <p:style>
@@ -4432,7 +5377,7 @@
         </p:nvSpPr>
         <p:spPr>
           <a:xfrm>
-            <a:off x="5169728" y="6712360"/>
+            <a:off x="9332499" y="2876593"/>
             <a:ext cx="1279780" cy="1024000"/>
           </a:xfrm>
           <a:prstGeom prst="roundRect">
@@ -4491,7 +5436,7 @@
         </p:nvCxnSpPr>
         <p:spPr>
           <a:xfrm>
-            <a:off x="2081249" y="9176520"/>
+            <a:off x="-1382261" y="9444822"/>
             <a:ext cx="307921" cy="0"/>
           </a:xfrm>
           <a:prstGeom prst="straightConnector1">
@@ -4499,10 +5444,7 @@
           </a:prstGeom>
           <a:ln w="63500">
             <a:solidFill>
-              <a:schemeClr val="tx1">
-                <a:lumMod val="50000"/>
-                <a:lumOff val="50000"/>
-              </a:schemeClr>
+              <a:schemeClr val="accent3"/>
             </a:solidFill>
             <a:tailEnd type="triangle"/>
           </a:ln>
@@ -4847,7 +5789,7 @@
         </p:nvSpPr>
         <p:spPr>
           <a:xfrm>
-            <a:off x="188641" y="8488999"/>
+            <a:off x="4876928" y="8508488"/>
             <a:ext cx="1892608" cy="958819"/>
           </a:xfrm>
           <a:prstGeom prst="roundRect">
@@ -4913,7 +5855,7 @@
         </p:nvCxnSpPr>
         <p:spPr>
           <a:xfrm flipH="1">
-            <a:off x="2081249" y="8832304"/>
+            <a:off x="-1365098" y="10776520"/>
             <a:ext cx="327640" cy="1"/>
           </a:xfrm>
           <a:prstGeom prst="straightConnector1">
@@ -4921,10 +5863,7 @@
           </a:prstGeom>
           <a:ln w="63500">
             <a:solidFill>
-              <a:schemeClr val="tx1">
-                <a:lumMod val="50000"/>
-                <a:lumOff val="50000"/>
-              </a:schemeClr>
+              <a:schemeClr val="accent3"/>
             </a:solidFill>
             <a:tailEnd type="triangle"/>
           </a:ln>
@@ -5043,13 +5982,12 @@
           </p:cNvPr>
           <p:cNvCxnSpPr>
             <a:cxnSpLocks/>
-            <a:stCxn id="31" idx="3"/>
           </p:cNvCxnSpPr>
           <p:nvPr/>
         </p:nvCxnSpPr>
         <p:spPr>
           <a:xfrm flipV="1">
-            <a:off x="4496889" y="8965413"/>
+            <a:off x="-1884491" y="10107367"/>
             <a:ext cx="354310" cy="2995"/>
           </a:xfrm>
           <a:prstGeom prst="straightConnector1">
@@ -5057,10 +5995,7 @@
           </a:prstGeom>
           <a:ln w="63500">
             <a:solidFill>
-              <a:schemeClr val="tx1">
-                <a:lumMod val="50000"/>
-                <a:lumOff val="50000"/>
-              </a:schemeClr>
+              <a:schemeClr val="accent3"/>
             </a:solidFill>
             <a:tailEnd type="triangle"/>
           </a:ln>
@@ -5094,7 +6029,7 @@
         </p:nvSpPr>
         <p:spPr>
           <a:xfrm>
-            <a:off x="4839424" y="8502808"/>
+            <a:off x="116632" y="8555166"/>
             <a:ext cx="1916838" cy="925210"/>
           </a:xfrm>
           <a:prstGeom prst="roundRect">
@@ -5248,7 +6183,7 @@
         </p:nvCxnSpPr>
         <p:spPr>
           <a:xfrm>
-            <a:off x="7533456" y="5211907"/>
+            <a:off x="7794530" y="4513187"/>
             <a:ext cx="648072" cy="315173"/>
           </a:xfrm>
           <a:prstGeom prst="straightConnector1">
@@ -5322,10 +6257,10 @@
       </p:cxnSp>
       <p:cxnSp>
         <p:nvCxnSpPr>
-          <p:cNvPr id="43" name="Straight Arrow Connector 42">
-            <a:extLst>
-              <a:ext uri="{FF2B5EF4-FFF2-40B4-BE49-F238E27FC236}">
-                <a16:creationId xmlns:a16="http://schemas.microsoft.com/office/drawing/2014/main" id="{D60E27BF-F165-4E91-92F7-9C97B99CA21D}"/>
+          <p:cNvPr id="36" name="Connector: Elbow 35">
+            <a:extLst>
+              <a:ext uri="{FF2B5EF4-FFF2-40B4-BE49-F238E27FC236}">
+                <a16:creationId xmlns:a16="http://schemas.microsoft.com/office/drawing/2014/main" id="{72C596CD-A0EF-422F-831E-EBF02EE1511A}"/>
               </a:ext>
             </a:extLst>
           </p:cNvPr>
@@ -5335,69 +6270,18 @@
           <p:nvPr/>
         </p:nvCxnSpPr>
         <p:spPr>
-          <a:xfrm>
-            <a:off x="4543568" y="7104112"/>
-            <a:ext cx="626160" cy="0"/>
-          </a:xfrm>
-          <a:prstGeom prst="straightConnector1">
-            <a:avLst/>
-          </a:prstGeom>
-          <a:ln w="38100">
-            <a:solidFill>
-              <a:schemeClr val="tx1">
-                <a:lumMod val="50000"/>
-                <a:lumOff val="50000"/>
-              </a:schemeClr>
-            </a:solidFill>
-            <a:headEnd type="triangle"/>
-            <a:tailEnd type="none"/>
-          </a:ln>
-        </p:spPr>
-        <p:style>
-          <a:lnRef idx="1">
-            <a:schemeClr val="accent1"/>
-          </a:lnRef>
-          <a:fillRef idx="0">
-            <a:schemeClr val="accent1"/>
-          </a:fillRef>
-          <a:effectRef idx="0">
-            <a:schemeClr val="accent1"/>
-          </a:effectRef>
-          <a:fontRef idx="minor">
-            <a:schemeClr val="tx1"/>
-          </a:fontRef>
-        </p:style>
-      </p:cxnSp>
-      <p:cxnSp>
-        <p:nvCxnSpPr>
-          <p:cNvPr id="36" name="Connector: Elbow 35">
-            <a:extLst>
-              <a:ext uri="{FF2B5EF4-FFF2-40B4-BE49-F238E27FC236}">
-                <a16:creationId xmlns:a16="http://schemas.microsoft.com/office/drawing/2014/main" id="{72C596CD-A0EF-422F-831E-EBF02EE1511A}"/>
-              </a:ext>
-            </a:extLst>
-          </p:cNvPr>
-          <p:cNvCxnSpPr>
-            <a:cxnSpLocks/>
-          </p:cNvCxnSpPr>
-          <p:nvPr/>
-        </p:nvCxnSpPr>
-        <p:spPr>
           <a:xfrm rot="10800000" flipV="1">
-            <a:off x="3474375" y="9428013"/>
-            <a:ext cx="2402900" cy="569541"/>
+            <a:off x="7624572" y="10750105"/>
+            <a:ext cx="2402900" cy="503714"/>
           </a:xfrm>
           <a:prstGeom prst="bentConnector3">
             <a:avLst>
-              <a:gd name="adj1" fmla="val 1164"/>
+              <a:gd name="adj1" fmla="val 530"/>
             </a:avLst>
           </a:prstGeom>
           <a:ln w="63500">
             <a:solidFill>
-              <a:schemeClr val="tx1">
-                <a:lumMod val="50000"/>
-                <a:lumOff val="50000"/>
-              </a:schemeClr>
+              <a:schemeClr val="accent3"/>
             </a:solidFill>
             <a:tailEnd type="none"/>
           </a:ln>
@@ -5467,10 +6351,10 @@
       </p:cxnSp>
       <p:cxnSp>
         <p:nvCxnSpPr>
-          <p:cNvPr id="67" name="Straight Arrow Connector 66">
-            <a:extLst>
-              <a:ext uri="{FF2B5EF4-FFF2-40B4-BE49-F238E27FC236}">
-                <a16:creationId xmlns:a16="http://schemas.microsoft.com/office/drawing/2014/main" id="{0845D397-9D66-4C67-9ECA-F0E7A421B3C2}"/>
+          <p:cNvPr id="39" name="Straight Arrow Connector 38">
+            <a:extLst>
+              <a:ext uri="{FF2B5EF4-FFF2-40B4-BE49-F238E27FC236}">
+                <a16:creationId xmlns:a16="http://schemas.microsoft.com/office/drawing/2014/main" id="{0FDF761A-41FB-406F-B6E4-1E872CD519A4}"/>
               </a:ext>
             </a:extLst>
           </p:cNvPr>
@@ -5480,14 +6364,14 @@
           <p:nvPr/>
         </p:nvCxnSpPr>
         <p:spPr>
-          <a:xfrm flipH="1" flipV="1">
-            <a:off x="4618876" y="6365941"/>
-            <a:ext cx="436528" cy="420828"/>
+          <a:xfrm rot="5400000" flipH="1">
+            <a:off x="-1637154" y="5741531"/>
+            <a:ext cx="533917" cy="591711"/>
           </a:xfrm>
           <a:prstGeom prst="straightConnector1">
             <a:avLst/>
           </a:prstGeom>
-          <a:ln w="38100">
+          <a:ln w="63500">
             <a:solidFill>
               <a:schemeClr val="tx1">
                 <a:lumMod val="50000"/>
@@ -5495,7 +6379,7 @@
               </a:schemeClr>
             </a:solidFill>
             <a:headEnd type="triangle"/>
-            <a:tailEnd type="none"/>
+            <a:tailEnd type="triangle"/>
           </a:ln>
         </p:spPr>
         <p:style>
@@ -5515,10 +6399,10 @@
       </p:cxnSp>
       <p:cxnSp>
         <p:nvCxnSpPr>
-          <p:cNvPr id="68" name="Straight Arrow Connector 67">
-            <a:extLst>
-              <a:ext uri="{FF2B5EF4-FFF2-40B4-BE49-F238E27FC236}">
-                <a16:creationId xmlns:a16="http://schemas.microsoft.com/office/drawing/2014/main" id="{69124B3B-EA4D-48D5-B40B-B71233E9CF2C}"/>
+          <p:cNvPr id="40" name="Straight Arrow Connector 39">
+            <a:extLst>
+              <a:ext uri="{FF2B5EF4-FFF2-40B4-BE49-F238E27FC236}">
+                <a16:creationId xmlns:a16="http://schemas.microsoft.com/office/drawing/2014/main" id="{7138908A-DF9C-43A8-98F8-8702776BBDCD}"/>
               </a:ext>
             </a:extLst>
           </p:cNvPr>
@@ -5529,20 +6413,17 @@
         </p:nvCxnSpPr>
         <p:spPr>
           <a:xfrm flipH="1">
-            <a:off x="4653136" y="7634876"/>
-            <a:ext cx="372522" cy="419104"/>
+            <a:off x="-2263661" y="8123533"/>
+            <a:ext cx="692558" cy="549957"/>
           </a:xfrm>
           <a:prstGeom prst="straightConnector1">
             <a:avLst/>
           </a:prstGeom>
-          <a:ln w="38100">
+          <a:ln w="63500">
             <a:solidFill>
-              <a:schemeClr val="tx1">
-                <a:lumMod val="50000"/>
-                <a:lumOff val="50000"/>
-              </a:schemeClr>
+              <a:schemeClr val="accent3"/>
             </a:solidFill>
-            <a:headEnd type="none"/>
+            <a:headEnd type="triangle"/>
             <a:tailEnd type="triangle"/>
           </a:ln>
         </p:spPr>
@@ -5563,10 +6444,10 @@
       </p:cxnSp>
       <p:cxnSp>
         <p:nvCxnSpPr>
-          <p:cNvPr id="69" name="Straight Arrow Connector 68">
-            <a:extLst>
-              <a:ext uri="{FF2B5EF4-FFF2-40B4-BE49-F238E27FC236}">
-                <a16:creationId xmlns:a16="http://schemas.microsoft.com/office/drawing/2014/main" id="{BAD8158C-B34F-4716-A688-BA6361B6CC1A}"/>
+          <p:cNvPr id="41" name="Straight Arrow Connector 40">
+            <a:extLst>
+              <a:ext uri="{FF2B5EF4-FFF2-40B4-BE49-F238E27FC236}">
+                <a16:creationId xmlns:a16="http://schemas.microsoft.com/office/drawing/2014/main" id="{CCA52C5A-6FC9-45CA-B65B-B1F951A48866}"/>
               </a:ext>
             </a:extLst>
           </p:cNvPr>
@@ -5577,21 +6458,119 @@
         </p:nvCxnSpPr>
         <p:spPr>
           <a:xfrm flipH="1">
-            <a:off x="4759023" y="7821954"/>
-            <a:ext cx="393391" cy="422580"/>
+            <a:off x="-1074340" y="7195080"/>
+            <a:ext cx="660608" cy="0"/>
           </a:xfrm>
           <a:prstGeom prst="straightConnector1">
             <a:avLst/>
           </a:prstGeom>
-          <a:ln w="38100">
+          <a:ln w="63500">
             <a:solidFill>
-              <a:schemeClr val="tx1">
-                <a:lumMod val="50000"/>
-                <a:lumOff val="50000"/>
-              </a:schemeClr>
+              <a:schemeClr val="accent3"/>
             </a:solidFill>
             <a:headEnd type="triangle"/>
-            <a:tailEnd type="none"/>
+            <a:tailEnd type="triangle"/>
+          </a:ln>
+        </p:spPr>
+        <p:style>
+          <a:lnRef idx="1">
+            <a:schemeClr val="accent1"/>
+          </a:lnRef>
+          <a:fillRef idx="0">
+            <a:schemeClr val="accent1"/>
+          </a:fillRef>
+          <a:effectRef idx="0">
+            <a:schemeClr val="accent1"/>
+          </a:effectRef>
+          <a:fontRef idx="minor">
+            <a:schemeClr val="tx1"/>
+          </a:fontRef>
+        </p:style>
+      </p:cxnSp>
+      <p:sp>
+        <p:nvSpPr>
+          <p:cNvPr id="55" name="Rectangle: Rounded Corners 54">
+            <a:extLst>
+              <a:ext uri="{FF2B5EF4-FFF2-40B4-BE49-F238E27FC236}">
+                <a16:creationId xmlns:a16="http://schemas.microsoft.com/office/drawing/2014/main" id="{EBAAE6B7-A379-46CE-AA84-95647624413A}"/>
+              </a:ext>
+            </a:extLst>
+          </p:cNvPr>
+          <p:cNvSpPr/>
+          <p:nvPr/>
+        </p:nvSpPr>
+        <p:spPr>
+          <a:xfrm>
+            <a:off x="4858130" y="6802882"/>
+            <a:ext cx="1916838" cy="925210"/>
+          </a:xfrm>
+          <a:prstGeom prst="roundRect">
+            <a:avLst/>
+          </a:prstGeom>
+          <a:solidFill>
+            <a:schemeClr val="accent3"/>
+          </a:solidFill>
+          <a:ln>
+            <a:solidFill>
+              <a:schemeClr val="accent3"/>
+            </a:solidFill>
+          </a:ln>
+        </p:spPr>
+        <p:style>
+          <a:lnRef idx="2">
+            <a:schemeClr val="accent1">
+              <a:shade val="50000"/>
+            </a:schemeClr>
+          </a:lnRef>
+          <a:fillRef idx="1">
+            <a:schemeClr val="accent1"/>
+          </a:fillRef>
+          <a:effectRef idx="0">
+            <a:schemeClr val="accent1"/>
+          </a:effectRef>
+          <a:fontRef idx="minor">
+            <a:schemeClr val="lt1"/>
+          </a:fontRef>
+        </p:style>
+        <p:txBody>
+          <a:bodyPr rtlCol="0" anchor="ctr"/>
+          <a:lstStyle/>
+          <a:p>
+            <a:pPr algn="ctr"/>
+            <a:r>
+              <a:rPr lang="en-GB" sz="2844" dirty="0"/>
+              <a:t>E.D.A.</a:t>
+            </a:r>
+          </a:p>
+        </p:txBody>
+      </p:sp>
+      <p:cxnSp>
+        <p:nvCxnSpPr>
+          <p:cNvPr id="58" name="Straight Arrow Connector 57">
+            <a:extLst>
+              <a:ext uri="{FF2B5EF4-FFF2-40B4-BE49-F238E27FC236}">
+                <a16:creationId xmlns:a16="http://schemas.microsoft.com/office/drawing/2014/main" id="{F3624483-0F91-4A48-AD7B-65BB49917A2E}"/>
+              </a:ext>
+            </a:extLst>
+          </p:cNvPr>
+          <p:cNvCxnSpPr>
+            <a:cxnSpLocks/>
+          </p:cNvCxnSpPr>
+          <p:nvPr/>
+        </p:nvCxnSpPr>
+        <p:spPr>
+          <a:xfrm>
+            <a:off x="4509120" y="7392144"/>
+            <a:ext cx="307921" cy="0"/>
+          </a:xfrm>
+          <a:prstGeom prst="straightConnector1">
+            <a:avLst/>
+          </a:prstGeom>
+          <a:ln w="63500">
+            <a:solidFill>
+              <a:schemeClr val="accent3"/>
+            </a:solidFill>
+            <a:tailEnd type="triangle"/>
           </a:ln>
         </p:spPr>
         <p:style>
@@ -5611,10 +6590,10 @@
       </p:cxnSp>
       <p:cxnSp>
         <p:nvCxnSpPr>
-          <p:cNvPr id="70" name="Straight Arrow Connector 69">
-            <a:extLst>
-              <a:ext uri="{FF2B5EF4-FFF2-40B4-BE49-F238E27FC236}">
-                <a16:creationId xmlns:a16="http://schemas.microsoft.com/office/drawing/2014/main" id="{4F3A34BE-78C0-47DB-A820-DAB7BC66EA33}"/>
+          <p:cNvPr id="66" name="Straight Arrow Connector 65">
+            <a:extLst>
+              <a:ext uri="{FF2B5EF4-FFF2-40B4-BE49-F238E27FC236}">
+                <a16:creationId xmlns:a16="http://schemas.microsoft.com/office/drawing/2014/main" id="{C3076062-485D-4C00-BE73-B4117ED515EB}"/>
               </a:ext>
             </a:extLst>
           </p:cNvPr>
@@ -5624,21 +6603,17 @@
           <p:nvPr/>
         </p:nvCxnSpPr>
         <p:spPr>
-          <a:xfrm flipH="1" flipV="1">
-            <a:off x="4653136" y="6096001"/>
-            <a:ext cx="508244" cy="458601"/>
+          <a:xfrm flipH="1">
+            <a:off x="4550209" y="7045725"/>
+            <a:ext cx="359511" cy="0"/>
           </a:xfrm>
           <a:prstGeom prst="straightConnector1">
             <a:avLst/>
           </a:prstGeom>
-          <a:ln w="38100">
+          <a:ln w="63500">
             <a:solidFill>
-              <a:schemeClr val="tx1">
-                <a:lumMod val="50000"/>
-                <a:lumOff val="50000"/>
-              </a:schemeClr>
+              <a:schemeClr val="accent3"/>
             </a:solidFill>
-            <a:headEnd type="none"/>
             <a:tailEnd type="triangle"/>
           </a:ln>
         </p:spPr>
@@ -5659,10 +6634,10 @@
       </p:cxnSp>
       <p:cxnSp>
         <p:nvCxnSpPr>
-          <p:cNvPr id="71" name="Straight Arrow Connector 70">
-            <a:extLst>
-              <a:ext uri="{FF2B5EF4-FFF2-40B4-BE49-F238E27FC236}">
-                <a16:creationId xmlns:a16="http://schemas.microsoft.com/office/drawing/2014/main" id="{F0C1FD12-3E9A-434C-A1FA-F9F46827C9CB}"/>
+          <p:cNvPr id="72" name="Straight Arrow Connector 71">
+            <a:extLst>
+              <a:ext uri="{FF2B5EF4-FFF2-40B4-BE49-F238E27FC236}">
+                <a16:creationId xmlns:a16="http://schemas.microsoft.com/office/drawing/2014/main" id="{E0220448-456A-4F11-AD49-E58D64CB7622}"/>
               </a:ext>
             </a:extLst>
           </p:cNvPr>
@@ -5673,21 +6648,284 @@
         </p:nvCxnSpPr>
         <p:spPr>
           <a:xfrm>
-            <a:off x="4509120" y="7320136"/>
-            <a:ext cx="546284" cy="0"/>
+            <a:off x="4482734" y="9178723"/>
+            <a:ext cx="341797" cy="0"/>
           </a:xfrm>
           <a:prstGeom prst="straightConnector1">
             <a:avLst/>
           </a:prstGeom>
-          <a:ln w="38100">
+          <a:ln w="63500">
             <a:solidFill>
-              <a:schemeClr val="tx1">
-                <a:lumMod val="50000"/>
-                <a:lumOff val="50000"/>
-              </a:schemeClr>
+              <a:schemeClr val="accent3"/>
             </a:solidFill>
-            <a:headEnd type="none"/>
             <a:tailEnd type="triangle"/>
+          </a:ln>
+        </p:spPr>
+        <p:style>
+          <a:lnRef idx="1">
+            <a:schemeClr val="accent1"/>
+          </a:lnRef>
+          <a:fillRef idx="0">
+            <a:schemeClr val="accent1"/>
+          </a:fillRef>
+          <a:effectRef idx="0">
+            <a:schemeClr val="accent1"/>
+          </a:effectRef>
+          <a:fontRef idx="minor">
+            <a:schemeClr val="tx1"/>
+          </a:fontRef>
+        </p:style>
+      </p:cxnSp>
+      <p:cxnSp>
+        <p:nvCxnSpPr>
+          <p:cNvPr id="73" name="Straight Arrow Connector 72">
+            <a:extLst>
+              <a:ext uri="{FF2B5EF4-FFF2-40B4-BE49-F238E27FC236}">
+                <a16:creationId xmlns:a16="http://schemas.microsoft.com/office/drawing/2014/main" id="{7C7BF96B-8BF8-4894-A0FF-2125943FDF25}"/>
+              </a:ext>
+            </a:extLst>
+          </p:cNvPr>
+          <p:cNvCxnSpPr>
+            <a:cxnSpLocks/>
+          </p:cNvCxnSpPr>
+          <p:nvPr/>
+        </p:nvCxnSpPr>
+        <p:spPr>
+          <a:xfrm flipH="1">
+            <a:off x="4523823" y="8832304"/>
+            <a:ext cx="359511" cy="0"/>
+          </a:xfrm>
+          <a:prstGeom prst="straightConnector1">
+            <a:avLst/>
+          </a:prstGeom>
+          <a:ln w="63500">
+            <a:solidFill>
+              <a:schemeClr val="accent3"/>
+            </a:solidFill>
+            <a:tailEnd type="triangle"/>
+          </a:ln>
+        </p:spPr>
+        <p:style>
+          <a:lnRef idx="1">
+            <a:schemeClr val="accent1"/>
+          </a:lnRef>
+          <a:fillRef idx="0">
+            <a:schemeClr val="accent1"/>
+          </a:fillRef>
+          <a:effectRef idx="0">
+            <a:schemeClr val="accent1"/>
+          </a:effectRef>
+          <a:fontRef idx="minor">
+            <a:schemeClr val="tx1"/>
+          </a:fontRef>
+        </p:style>
+      </p:cxnSp>
+      <p:cxnSp>
+        <p:nvCxnSpPr>
+          <p:cNvPr id="74" name="Straight Arrow Connector 73">
+            <a:extLst>
+              <a:ext uri="{FF2B5EF4-FFF2-40B4-BE49-F238E27FC236}">
+                <a16:creationId xmlns:a16="http://schemas.microsoft.com/office/drawing/2014/main" id="{05B76500-631F-4A32-91EE-F50E11E77EE5}"/>
+              </a:ext>
+            </a:extLst>
+          </p:cNvPr>
+          <p:cNvCxnSpPr>
+            <a:cxnSpLocks/>
+          </p:cNvCxnSpPr>
+          <p:nvPr/>
+        </p:nvCxnSpPr>
+        <p:spPr>
+          <a:xfrm flipH="1">
+            <a:off x="10470010" y="7270675"/>
+            <a:ext cx="1296982" cy="335245"/>
+          </a:xfrm>
+          <a:prstGeom prst="straightConnector1">
+            <a:avLst/>
+          </a:prstGeom>
+          <a:ln w="63500">
+            <a:solidFill>
+              <a:schemeClr val="accent3"/>
+            </a:solidFill>
+            <a:headEnd type="triangle"/>
+            <a:tailEnd type="triangle"/>
+          </a:ln>
+        </p:spPr>
+        <p:style>
+          <a:lnRef idx="1">
+            <a:schemeClr val="accent1"/>
+          </a:lnRef>
+          <a:fillRef idx="0">
+            <a:schemeClr val="accent1"/>
+          </a:fillRef>
+          <a:effectRef idx="0">
+            <a:schemeClr val="accent1"/>
+          </a:effectRef>
+          <a:fontRef idx="minor">
+            <a:schemeClr val="tx1"/>
+          </a:fontRef>
+        </p:style>
+      </p:cxnSp>
+      <p:cxnSp>
+        <p:nvCxnSpPr>
+          <p:cNvPr id="75" name="Straight Arrow Connector 74">
+            <a:extLst>
+              <a:ext uri="{FF2B5EF4-FFF2-40B4-BE49-F238E27FC236}">
+                <a16:creationId xmlns:a16="http://schemas.microsoft.com/office/drawing/2014/main" id="{29D59836-B209-418C-9F9B-0F38919B67A9}"/>
+              </a:ext>
+            </a:extLst>
+          </p:cNvPr>
+          <p:cNvCxnSpPr>
+            <a:cxnSpLocks/>
+          </p:cNvCxnSpPr>
+          <p:nvPr/>
+        </p:nvCxnSpPr>
+        <p:spPr>
+          <a:xfrm flipH="1">
+            <a:off x="2049378" y="9017771"/>
+            <a:ext cx="359511" cy="0"/>
+          </a:xfrm>
+          <a:prstGeom prst="straightConnector1">
+            <a:avLst/>
+          </a:prstGeom>
+          <a:ln w="63500">
+            <a:solidFill>
+              <a:schemeClr val="accent3"/>
+            </a:solidFill>
+            <a:tailEnd type="triangle"/>
+          </a:ln>
+        </p:spPr>
+        <p:style>
+          <a:lnRef idx="1">
+            <a:schemeClr val="accent1"/>
+          </a:lnRef>
+          <a:fillRef idx="0">
+            <a:schemeClr val="accent1"/>
+          </a:fillRef>
+          <a:effectRef idx="0">
+            <a:schemeClr val="accent1"/>
+          </a:effectRef>
+          <a:fontRef idx="minor">
+            <a:schemeClr val="tx1"/>
+          </a:fontRef>
+        </p:style>
+      </p:cxnSp>
+      <p:cxnSp>
+        <p:nvCxnSpPr>
+          <p:cNvPr id="76" name="Straight Arrow Connector 75">
+            <a:extLst>
+              <a:ext uri="{FF2B5EF4-FFF2-40B4-BE49-F238E27FC236}">
+                <a16:creationId xmlns:a16="http://schemas.microsoft.com/office/drawing/2014/main" id="{EAE7FDFF-5AAF-42C3-A37B-B0914FD3FC4D}"/>
+              </a:ext>
+            </a:extLst>
+          </p:cNvPr>
+          <p:cNvCxnSpPr>
+            <a:cxnSpLocks/>
+          </p:cNvCxnSpPr>
+          <p:nvPr/>
+        </p:nvCxnSpPr>
+        <p:spPr>
+          <a:xfrm flipV="1">
+            <a:off x="4488201" y="7817410"/>
+            <a:ext cx="567386" cy="668476"/>
+          </a:xfrm>
+          <a:prstGeom prst="straightConnector1">
+            <a:avLst/>
+          </a:prstGeom>
+          <a:ln w="63500">
+            <a:solidFill>
+              <a:schemeClr val="accent3"/>
+            </a:solidFill>
+            <a:tailEnd type="triangle"/>
+          </a:ln>
+        </p:spPr>
+        <p:style>
+          <a:lnRef idx="1">
+            <a:schemeClr val="accent1"/>
+          </a:lnRef>
+          <a:fillRef idx="0">
+            <a:schemeClr val="accent1"/>
+          </a:fillRef>
+          <a:effectRef idx="0">
+            <a:schemeClr val="accent1"/>
+          </a:effectRef>
+          <a:fontRef idx="minor">
+            <a:schemeClr val="tx1"/>
+          </a:fontRef>
+        </p:style>
+      </p:cxnSp>
+      <p:cxnSp>
+        <p:nvCxnSpPr>
+          <p:cNvPr id="77" name="Straight Arrow Connector 76">
+            <a:extLst>
+              <a:ext uri="{FF2B5EF4-FFF2-40B4-BE49-F238E27FC236}">
+                <a16:creationId xmlns:a16="http://schemas.microsoft.com/office/drawing/2014/main" id="{90E47530-3771-46E8-A95D-00D826FC32D5}"/>
+              </a:ext>
+            </a:extLst>
+          </p:cNvPr>
+          <p:cNvCxnSpPr>
+            <a:cxnSpLocks/>
+          </p:cNvCxnSpPr>
+          <p:nvPr/>
+        </p:nvCxnSpPr>
+        <p:spPr>
+          <a:xfrm flipH="1">
+            <a:off x="4482734" y="7699783"/>
+            <a:ext cx="426986" cy="497519"/>
+          </a:xfrm>
+          <a:prstGeom prst="straightConnector1">
+            <a:avLst/>
+          </a:prstGeom>
+          <a:ln w="63500">
+            <a:solidFill>
+              <a:schemeClr val="accent3"/>
+            </a:solidFill>
+            <a:tailEnd type="triangle"/>
+          </a:ln>
+        </p:spPr>
+        <p:style>
+          <a:lnRef idx="1">
+            <a:schemeClr val="accent1"/>
+          </a:lnRef>
+          <a:fillRef idx="0">
+            <a:schemeClr val="accent1"/>
+          </a:fillRef>
+          <a:effectRef idx="0">
+            <a:schemeClr val="accent1"/>
+          </a:effectRef>
+          <a:fontRef idx="minor">
+            <a:schemeClr val="tx1"/>
+          </a:fontRef>
+        </p:style>
+      </p:cxnSp>
+      <p:cxnSp>
+        <p:nvCxnSpPr>
+          <p:cNvPr id="79" name="Connector: Elbow 78">
+            <a:extLst>
+              <a:ext uri="{FF2B5EF4-FFF2-40B4-BE49-F238E27FC236}">
+                <a16:creationId xmlns:a16="http://schemas.microsoft.com/office/drawing/2014/main" id="{20499B6E-F9A2-4384-A64B-E8EF61CE7C21}"/>
+              </a:ext>
+            </a:extLst>
+          </p:cNvPr>
+          <p:cNvCxnSpPr>
+            <a:cxnSpLocks/>
+          </p:cNvCxnSpPr>
+          <p:nvPr/>
+        </p:nvCxnSpPr>
+        <p:spPr>
+          <a:xfrm>
+            <a:off x="1008012" y="9467307"/>
+            <a:ext cx="2477325" cy="525868"/>
+          </a:xfrm>
+          <a:prstGeom prst="bentConnector3">
+            <a:avLst>
+              <a:gd name="adj1" fmla="val -1060"/>
+            </a:avLst>
+          </a:prstGeom>
+          <a:ln w="88900">
+            <a:solidFill>
+              <a:schemeClr val="accent3"/>
+            </a:solidFill>
+            <a:tailEnd type="none"/>
           </a:ln>
         </p:spPr>
         <p:style>
@@ -5866,14 +7104,13 @@
           </p:cNvPr>
           <p:cNvCxnSpPr>
             <a:cxnSpLocks/>
-            <a:endCxn id="9" idx="0"/>
           </p:cNvCxnSpPr>
           <p:nvPr/>
         </p:nvCxnSpPr>
         <p:spPr>
-          <a:xfrm flipH="1">
-            <a:off x="3452890" y="1157240"/>
-            <a:ext cx="12114" cy="290155"/>
+          <a:xfrm>
+            <a:off x="3465004" y="1157240"/>
+            <a:ext cx="9371" cy="9226377"/>
           </a:xfrm>
           <a:prstGeom prst="straightConnector1">
             <a:avLst/>
@@ -6103,26 +7340,138 @@
           </a:p>
         </p:txBody>
       </p:sp>
+      <p:sp>
+        <p:nvSpPr>
+          <p:cNvPr id="9" name="Rectangle: Rounded Corners 8">
+            <a:extLst>
+              <a:ext uri="{FF2B5EF4-FFF2-40B4-BE49-F238E27FC236}">
+                <a16:creationId xmlns:a16="http://schemas.microsoft.com/office/drawing/2014/main" id="{3C2E1F3B-D591-49FD-BB29-036A5BDA170C}"/>
+              </a:ext>
+            </a:extLst>
+          </p:cNvPr>
+          <p:cNvSpPr/>
+          <p:nvPr/>
+        </p:nvSpPr>
+        <p:spPr>
+          <a:xfrm>
+            <a:off x="2081249" y="1447395"/>
+            <a:ext cx="2743282" cy="1336237"/>
+          </a:xfrm>
+          <a:prstGeom prst="roundRect">
+            <a:avLst/>
+          </a:prstGeom>
+          <a:solidFill>
+            <a:schemeClr val="accent3"/>
+          </a:solidFill>
+          <a:ln>
+            <a:solidFill>
+              <a:schemeClr val="accent3"/>
+            </a:solidFill>
+          </a:ln>
+        </p:spPr>
+        <p:style>
+          <a:lnRef idx="2">
+            <a:schemeClr val="accent1">
+              <a:shade val="50000"/>
+            </a:schemeClr>
+          </a:lnRef>
+          <a:fillRef idx="1">
+            <a:schemeClr val="accent1"/>
+          </a:fillRef>
+          <a:effectRef idx="0">
+            <a:schemeClr val="accent1"/>
+          </a:effectRef>
+          <a:fontRef idx="minor">
+            <a:schemeClr val="lt1"/>
+          </a:fontRef>
+        </p:style>
+        <p:txBody>
+          <a:bodyPr rtlCol="0" anchor="ctr"/>
+          <a:lstStyle/>
+          <a:p>
+            <a:pPr algn="ctr"/>
+            <a:r>
+              <a:rPr lang="en-GB" sz="2844" dirty="0"/>
+              <a:t>Scrape, filter and clean subreddit data</a:t>
+            </a:r>
+          </a:p>
+        </p:txBody>
+      </p:sp>
+      <p:sp>
+        <p:nvSpPr>
+          <p:cNvPr id="24" name="Rectangle: Rounded Corners 23">
+            <a:extLst>
+              <a:ext uri="{FF2B5EF4-FFF2-40B4-BE49-F238E27FC236}">
+                <a16:creationId xmlns:a16="http://schemas.microsoft.com/office/drawing/2014/main" id="{05DF0D61-A44E-4B6E-8928-DF84C41CF173}"/>
+              </a:ext>
+            </a:extLst>
+          </p:cNvPr>
+          <p:cNvSpPr/>
+          <p:nvPr/>
+        </p:nvSpPr>
+        <p:spPr>
+          <a:xfrm>
+            <a:off x="5169728" y="6712360"/>
+            <a:ext cx="1279780" cy="1024000"/>
+          </a:xfrm>
+          <a:prstGeom prst="roundRect">
+            <a:avLst/>
+          </a:prstGeom>
+          <a:solidFill>
+            <a:schemeClr val="accent3"/>
+          </a:solidFill>
+          <a:ln>
+            <a:solidFill>
+              <a:schemeClr val="accent3"/>
+            </a:solidFill>
+          </a:ln>
+        </p:spPr>
+        <p:style>
+          <a:lnRef idx="2">
+            <a:schemeClr val="accent1">
+              <a:shade val="50000"/>
+            </a:schemeClr>
+          </a:lnRef>
+          <a:fillRef idx="1">
+            <a:schemeClr val="accent1"/>
+          </a:fillRef>
+          <a:effectRef idx="0">
+            <a:schemeClr val="accent1"/>
+          </a:effectRef>
+          <a:fontRef idx="minor">
+            <a:schemeClr val="lt1"/>
+          </a:fontRef>
+        </p:style>
+        <p:txBody>
+          <a:bodyPr rtlCol="0" anchor="ctr"/>
+          <a:lstStyle/>
+          <a:p>
+            <a:pPr algn="ctr"/>
+            <a:r>
+              <a:rPr lang="en-GB" sz="2844" dirty="0"/>
+              <a:t>EDA</a:t>
+            </a:r>
+          </a:p>
+        </p:txBody>
+      </p:sp>
       <p:cxnSp>
         <p:nvCxnSpPr>
-          <p:cNvPr id="19" name="Straight Arrow Connector 18">
-            <a:extLst>
-              <a:ext uri="{FF2B5EF4-FFF2-40B4-BE49-F238E27FC236}">
-                <a16:creationId xmlns:a16="http://schemas.microsoft.com/office/drawing/2014/main" id="{EC63C599-DDFC-42FC-BD25-EC3F3822B061}"/>
+          <p:cNvPr id="30" name="Straight Arrow Connector 29">
+            <a:extLst>
+              <a:ext uri="{FF2B5EF4-FFF2-40B4-BE49-F238E27FC236}">
+                <a16:creationId xmlns:a16="http://schemas.microsoft.com/office/drawing/2014/main" id="{A99DA6B2-59AC-478B-80E6-AFE50FF793CD}"/>
               </a:ext>
             </a:extLst>
           </p:cNvPr>
           <p:cNvCxnSpPr>
             <a:cxnSpLocks/>
-            <a:stCxn id="9" idx="2"/>
-            <a:endCxn id="13" idx="0"/>
           </p:cNvCxnSpPr>
           <p:nvPr/>
         </p:nvCxnSpPr>
         <p:spPr>
-          <a:xfrm flipH="1">
-            <a:off x="3433170" y="2783632"/>
-            <a:ext cx="19720" cy="434676"/>
+          <a:xfrm>
+            <a:off x="2081249" y="9176520"/>
+            <a:ext cx="307921" cy="0"/>
           </a:xfrm>
           <a:prstGeom prst="straightConnector1">
             <a:avLst/>
@@ -6154,10 +7503,10 @@
       </p:cxnSp>
       <p:sp>
         <p:nvSpPr>
-          <p:cNvPr id="9" name="Rectangle: Rounded Corners 8">
-            <a:extLst>
-              <a:ext uri="{FF2B5EF4-FFF2-40B4-BE49-F238E27FC236}">
-                <a16:creationId xmlns:a16="http://schemas.microsoft.com/office/drawing/2014/main" id="{3C2E1F3B-D591-49FD-BB29-036A5BDA170C}"/>
+          <p:cNvPr id="31" name="Rectangle: Rounded Corners 30">
+            <a:extLst>
+              <a:ext uri="{FF2B5EF4-FFF2-40B4-BE49-F238E27FC236}">
+                <a16:creationId xmlns:a16="http://schemas.microsoft.com/office/drawing/2014/main" id="{2486B789-7E90-46B7-9134-C52784B282FF}"/>
               </a:ext>
             </a:extLst>
           </p:cNvPr>
@@ -6166,8 +7515,8 @@
         </p:nvSpPr>
         <p:spPr>
           <a:xfrm>
-            <a:off x="2081249" y="1447395"/>
-            <a:ext cx="2743282" cy="1336237"/>
+            <a:off x="2408889" y="8168408"/>
+            <a:ext cx="2088000" cy="1600000"/>
           </a:xfrm>
           <a:prstGeom prst="roundRect">
             <a:avLst/>
@@ -6204,17 +7553,106 @@
             <a:pPr algn="ctr"/>
             <a:r>
               <a:rPr lang="en-GB" sz="2844" dirty="0"/>
-              <a:t>Scrape, filter and clean subreddit data</a:t>
+              <a:t>Modelling</a:t>
+            </a:r>
+          </a:p>
+          <a:p>
+            <a:pPr algn="ctr"/>
+            <a:r>
+              <a:rPr lang="en-GB" sz="2844" dirty="0"/>
+              <a:t>Inference &amp; evaluation</a:t>
+            </a:r>
+          </a:p>
+        </p:txBody>
+      </p:sp>
+      <p:pic>
+        <p:nvPicPr>
+          <p:cNvPr id="37" name="Graphic 36" descr="Internet outline">
+            <a:extLst>
+              <a:ext uri="{FF2B5EF4-FFF2-40B4-BE49-F238E27FC236}">
+                <a16:creationId xmlns:a16="http://schemas.microsoft.com/office/drawing/2014/main" id="{B244B784-BE62-4BF3-B363-ABD3730F87F8}"/>
+              </a:ext>
+            </a:extLst>
+          </p:cNvPr>
+          <p:cNvPicPr>
+            <a:picLocks noChangeAspect="1"/>
+          </p:cNvPicPr>
+          <p:nvPr/>
+        </p:nvPicPr>
+        <p:blipFill>
+          <a:blip r:embed="rId4">
+            <a:extLst>
+              <a:ext uri="{28A0092B-C50C-407E-A947-70E740481C1C}">
+                <a14:useLocalDpi xmlns:a14="http://schemas.microsoft.com/office/drawing/2010/main" val="0"/>
+              </a:ext>
+              <a:ext uri="{96DAC541-7B7A-43D3-8B79-37D633B846F1}">
+                <asvg:svgBlip xmlns:asvg="http://schemas.microsoft.com/office/drawing/2016/SVG/main" r:embed="rId5"/>
+              </a:ext>
+            </a:extLst>
+          </a:blip>
+          <a:stretch>
+            <a:fillRect/>
+          </a:stretch>
+        </p:blipFill>
+        <p:spPr>
+          <a:xfrm>
+            <a:off x="2629000" y="10184632"/>
+            <a:ext cx="1600000" cy="1600000"/>
+          </a:xfrm>
+          <a:prstGeom prst="rect">
+            <a:avLst/>
+          </a:prstGeom>
+        </p:spPr>
+      </p:pic>
+      <p:sp>
+        <p:nvSpPr>
+          <p:cNvPr id="38" name="TextBox 37">
+            <a:extLst>
+              <a:ext uri="{FF2B5EF4-FFF2-40B4-BE49-F238E27FC236}">
+                <a16:creationId xmlns:a16="http://schemas.microsoft.com/office/drawing/2014/main" id="{F4C75ED3-033F-4D70-9932-2ACA54657ABD}"/>
+              </a:ext>
+            </a:extLst>
+          </p:cNvPr>
+          <p:cNvSpPr txBox="1"/>
+          <p:nvPr/>
+        </p:nvSpPr>
+        <p:spPr>
+          <a:xfrm>
+            <a:off x="-605818" y="10496151"/>
+            <a:ext cx="4608512" cy="1077218"/>
+          </a:xfrm>
+          <a:prstGeom prst="rect">
+            <a:avLst/>
+          </a:prstGeom>
+          <a:noFill/>
+        </p:spPr>
+        <p:txBody>
+          <a:bodyPr wrap="square" rtlCol="0">
+            <a:spAutoFit/>
+          </a:bodyPr>
+          <a:lstStyle/>
+          <a:p>
+            <a:pPr algn="ctr"/>
+            <a:r>
+              <a:rPr lang="en-GB" sz="3556" dirty="0"/>
+              <a:t>Streamlit /</a:t>
+            </a:r>
+          </a:p>
+          <a:p>
+            <a:pPr algn="ctr"/>
+            <a:r>
+              <a:rPr lang="en-GB" sz="2844" dirty="0"/>
+              <a:t>blog</a:t>
             </a:r>
           </a:p>
         </p:txBody>
       </p:sp>
       <p:sp>
         <p:nvSpPr>
-          <p:cNvPr id="24" name="Rectangle: Rounded Corners 23">
-            <a:extLst>
-              <a:ext uri="{FF2B5EF4-FFF2-40B4-BE49-F238E27FC236}">
-                <a16:creationId xmlns:a16="http://schemas.microsoft.com/office/drawing/2014/main" id="{05DF0D61-A44E-4B6E-8928-DF84C41CF173}"/>
+          <p:cNvPr id="26" name="Rectangle: Rounded Corners 25">
+            <a:extLst>
+              <a:ext uri="{FF2B5EF4-FFF2-40B4-BE49-F238E27FC236}">
+                <a16:creationId xmlns:a16="http://schemas.microsoft.com/office/drawing/2014/main" id="{9A4694FF-738E-42A8-9DBF-E8A33BF984E2}"/>
               </a:ext>
             </a:extLst>
           </p:cNvPr>
@@ -6223,8 +7661,8 @@
         </p:nvSpPr>
         <p:spPr>
           <a:xfrm>
-            <a:off x="5169728" y="6712360"/>
-            <a:ext cx="1279780" cy="1024000"/>
+            <a:off x="2421120" y="5341941"/>
+            <a:ext cx="2088000" cy="1024000"/>
           </a:xfrm>
           <a:prstGeom prst="roundRect">
             <a:avLst/>
@@ -6261,17 +7699,81 @@
             <a:pPr algn="ctr"/>
             <a:r>
               <a:rPr lang="en-GB" sz="2844" dirty="0"/>
-              <a:t>EDA</a:t>
+              <a:t>Clean “toxicity”</a:t>
+            </a:r>
+          </a:p>
+        </p:txBody>
+      </p:sp>
+      <p:sp>
+        <p:nvSpPr>
+          <p:cNvPr id="27" name="Rectangle: Rounded Corners 26">
+            <a:extLst>
+              <a:ext uri="{FF2B5EF4-FFF2-40B4-BE49-F238E27FC236}">
+                <a16:creationId xmlns:a16="http://schemas.microsoft.com/office/drawing/2014/main" id="{30AE98DC-3C2E-460C-A288-B6C5DBDF068C}"/>
+              </a:ext>
+            </a:extLst>
+          </p:cNvPr>
+          <p:cNvSpPr/>
+          <p:nvPr/>
+        </p:nvSpPr>
+        <p:spPr>
+          <a:xfrm>
+            <a:off x="2421120" y="6712360"/>
+            <a:ext cx="2088000" cy="1024000"/>
+          </a:xfrm>
+          <a:prstGeom prst="roundRect">
+            <a:avLst/>
+          </a:prstGeom>
+          <a:solidFill>
+            <a:schemeClr val="accent3"/>
+          </a:solidFill>
+          <a:ln>
+            <a:solidFill>
+              <a:schemeClr val="accent3"/>
+            </a:solidFill>
+          </a:ln>
+        </p:spPr>
+        <p:style>
+          <a:lnRef idx="2">
+            <a:schemeClr val="accent1">
+              <a:shade val="50000"/>
+            </a:schemeClr>
+          </a:lnRef>
+          <a:fillRef idx="1">
+            <a:schemeClr val="accent1"/>
+          </a:fillRef>
+          <a:effectRef idx="0">
+            <a:schemeClr val="accent1"/>
+          </a:effectRef>
+          <a:fontRef idx="minor">
+            <a:schemeClr val="lt1"/>
+          </a:fontRef>
+        </p:style>
+        <p:txBody>
+          <a:bodyPr rtlCol="0" anchor="ctr"/>
+          <a:lstStyle/>
+          <a:p>
+            <a:pPr algn="ctr"/>
+            <a:r>
+              <a:rPr lang="en-GB" sz="2844" dirty="0"/>
+              <a:t>Engineer </a:t>
+            </a:r>
+          </a:p>
+          <a:p>
+            <a:pPr algn="ctr"/>
+            <a:r>
+              <a:rPr lang="en-GB" sz="2844" dirty="0"/>
+              <a:t>Features</a:t>
             </a:r>
           </a:p>
         </p:txBody>
       </p:sp>
       <p:cxnSp>
         <p:nvCxnSpPr>
-          <p:cNvPr id="30" name="Straight Arrow Connector 29">
-            <a:extLst>
-              <a:ext uri="{FF2B5EF4-FFF2-40B4-BE49-F238E27FC236}">
-                <a16:creationId xmlns:a16="http://schemas.microsoft.com/office/drawing/2014/main" id="{A99DA6B2-59AC-478B-80E6-AFE50FF793CD}"/>
+          <p:cNvPr id="52" name="Straight Arrow Connector 51">
+            <a:extLst>
+              <a:ext uri="{FF2B5EF4-FFF2-40B4-BE49-F238E27FC236}">
+                <a16:creationId xmlns:a16="http://schemas.microsoft.com/office/drawing/2014/main" id="{11B4736F-61FE-4975-B68C-627FCDF8A946}"/>
               </a:ext>
             </a:extLst>
           </p:cNvPr>
@@ -6281,9 +7783,117 @@
           <p:nvPr/>
         </p:nvCxnSpPr>
         <p:spPr>
-          <a:xfrm>
-            <a:off x="2081249" y="9176520"/>
-            <a:ext cx="307921" cy="0"/>
+          <a:xfrm flipV="1">
+            <a:off x="7800646" y="7678813"/>
+            <a:ext cx="635841" cy="183079"/>
+          </a:xfrm>
+          <a:prstGeom prst="straightConnector1">
+            <a:avLst/>
+          </a:prstGeom>
+          <a:ln w="63500">
+            <a:solidFill>
+              <a:schemeClr val="tx1"/>
+            </a:solidFill>
+            <a:tailEnd type="triangle"/>
+          </a:ln>
+        </p:spPr>
+        <p:style>
+          <a:lnRef idx="1">
+            <a:schemeClr val="accent1"/>
+          </a:lnRef>
+          <a:fillRef idx="0">
+            <a:schemeClr val="accent1"/>
+          </a:fillRef>
+          <a:effectRef idx="0">
+            <a:schemeClr val="accent1"/>
+          </a:effectRef>
+          <a:fontRef idx="minor">
+            <a:schemeClr val="tx1"/>
+          </a:fontRef>
+        </p:style>
+      </p:cxnSp>
+      <p:sp>
+        <p:nvSpPr>
+          <p:cNvPr id="56" name="Rectangle: Rounded Corners 55">
+            <a:extLst>
+              <a:ext uri="{FF2B5EF4-FFF2-40B4-BE49-F238E27FC236}">
+                <a16:creationId xmlns:a16="http://schemas.microsoft.com/office/drawing/2014/main" id="{883E64A3-FF3C-4EF3-8B03-03A933794F04}"/>
+              </a:ext>
+            </a:extLst>
+          </p:cNvPr>
+          <p:cNvSpPr/>
+          <p:nvPr/>
+        </p:nvSpPr>
+        <p:spPr>
+          <a:xfrm>
+            <a:off x="188641" y="8488999"/>
+            <a:ext cx="1892608" cy="958819"/>
+          </a:xfrm>
+          <a:prstGeom prst="roundRect">
+            <a:avLst/>
+          </a:prstGeom>
+          <a:solidFill>
+            <a:schemeClr val="accent3"/>
+          </a:solidFill>
+          <a:ln>
+            <a:solidFill>
+              <a:schemeClr val="accent3"/>
+            </a:solidFill>
+          </a:ln>
+        </p:spPr>
+        <p:style>
+          <a:lnRef idx="2">
+            <a:schemeClr val="accent1">
+              <a:shade val="50000"/>
+            </a:schemeClr>
+          </a:lnRef>
+          <a:fillRef idx="1">
+            <a:schemeClr val="accent1"/>
+          </a:fillRef>
+          <a:effectRef idx="0">
+            <a:schemeClr val="accent1"/>
+          </a:effectRef>
+          <a:fontRef idx="minor">
+            <a:schemeClr val="lt1"/>
+          </a:fontRef>
+        </p:style>
+        <p:txBody>
+          <a:bodyPr rtlCol="0" anchor="ctr"/>
+          <a:lstStyle/>
+          <a:p>
+            <a:pPr algn="ctr"/>
+            <a:r>
+              <a:rPr lang="en-GB" sz="2844" dirty="0"/>
+              <a:t>Parameter </a:t>
+            </a:r>
+          </a:p>
+          <a:p>
+            <a:pPr algn="ctr"/>
+            <a:r>
+              <a:rPr lang="en-GB" sz="2844" dirty="0"/>
+              <a:t>Tuning</a:t>
+            </a:r>
+          </a:p>
+        </p:txBody>
+      </p:sp>
+      <p:cxnSp>
+        <p:nvCxnSpPr>
+          <p:cNvPr id="57" name="Straight Arrow Connector 56">
+            <a:extLst>
+              <a:ext uri="{FF2B5EF4-FFF2-40B4-BE49-F238E27FC236}">
+                <a16:creationId xmlns:a16="http://schemas.microsoft.com/office/drawing/2014/main" id="{C196B4D5-CF13-4FCB-B826-688158303FDF}"/>
+              </a:ext>
+            </a:extLst>
+          </p:cNvPr>
+          <p:cNvCxnSpPr>
+            <a:cxnSpLocks/>
+          </p:cNvCxnSpPr>
+          <p:nvPr/>
+        </p:nvCxnSpPr>
+        <p:spPr>
+          <a:xfrm flipH="1">
+            <a:off x="2081249" y="8832304"/>
+            <a:ext cx="327640" cy="1"/>
           </a:xfrm>
           <a:prstGeom prst="straightConnector1">
             <a:avLst/>
@@ -6313,293 +7923,113 @@
           </a:fontRef>
         </p:style>
       </p:cxnSp>
-      <p:sp>
-        <p:nvSpPr>
-          <p:cNvPr id="31" name="Rectangle: Rounded Corners 30">
-            <a:extLst>
-              <a:ext uri="{FF2B5EF4-FFF2-40B4-BE49-F238E27FC236}">
-                <a16:creationId xmlns:a16="http://schemas.microsoft.com/office/drawing/2014/main" id="{2486B789-7E90-46B7-9134-C52784B282FF}"/>
-              </a:ext>
-            </a:extLst>
-          </p:cNvPr>
-          <p:cNvSpPr/>
-          <p:nvPr/>
-        </p:nvSpPr>
-        <p:spPr>
-          <a:xfrm>
-            <a:off x="2408889" y="8168408"/>
-            <a:ext cx="2088000" cy="1600000"/>
-          </a:xfrm>
-          <a:prstGeom prst="roundRect">
-            <a:avLst/>
-          </a:prstGeom>
-          <a:solidFill>
-            <a:schemeClr val="accent3"/>
-          </a:solidFill>
-          <a:ln>
+      <p:cxnSp>
+        <p:nvCxnSpPr>
+          <p:cNvPr id="59" name="Straight Arrow Connector 58">
+            <a:extLst>
+              <a:ext uri="{FF2B5EF4-FFF2-40B4-BE49-F238E27FC236}">
+                <a16:creationId xmlns:a16="http://schemas.microsoft.com/office/drawing/2014/main" id="{64B0880B-CA4E-45D7-AF73-F06C974EC0D3}"/>
+              </a:ext>
+            </a:extLst>
+          </p:cNvPr>
+          <p:cNvCxnSpPr>
+            <a:cxnSpLocks/>
+          </p:cNvCxnSpPr>
+          <p:nvPr/>
+        </p:nvCxnSpPr>
+        <p:spPr>
+          <a:xfrm>
+            <a:off x="9002195" y="6440152"/>
+            <a:ext cx="660608" cy="0"/>
+          </a:xfrm>
+          <a:prstGeom prst="straightConnector1">
+            <a:avLst/>
+          </a:prstGeom>
+          <a:ln w="63500">
             <a:solidFill>
-              <a:schemeClr val="accent3"/>
+              <a:schemeClr val="tx1"/>
             </a:solidFill>
+            <a:tailEnd type="triangle"/>
           </a:ln>
         </p:spPr>
         <p:style>
-          <a:lnRef idx="2">
-            <a:schemeClr val="accent1">
-              <a:shade val="50000"/>
-            </a:schemeClr>
+          <a:lnRef idx="1">
+            <a:schemeClr val="accent1"/>
           </a:lnRef>
-          <a:fillRef idx="1">
+          <a:fillRef idx="0">
             <a:schemeClr val="accent1"/>
           </a:fillRef>
           <a:effectRef idx="0">
             <a:schemeClr val="accent1"/>
           </a:effectRef>
           <a:fontRef idx="minor">
-            <a:schemeClr val="lt1"/>
+            <a:schemeClr val="tx1"/>
           </a:fontRef>
         </p:style>
-        <p:txBody>
-          <a:bodyPr rtlCol="0" anchor="ctr"/>
-          <a:lstStyle/>
-          <a:p>
-            <a:pPr algn="ctr"/>
-            <a:r>
-              <a:rPr lang="en-GB" sz="2844" dirty="0"/>
-              <a:t>Modelling</a:t>
-            </a:r>
-          </a:p>
-          <a:p>
-            <a:pPr algn="ctr"/>
-            <a:r>
-              <a:rPr lang="en-GB" sz="2844" dirty="0"/>
-              <a:t>Inference &amp; evaluation</a:t>
-            </a:r>
-          </a:p>
-        </p:txBody>
-      </p:sp>
-      <p:pic>
-        <p:nvPicPr>
-          <p:cNvPr id="37" name="Graphic 36" descr="Internet outline">
-            <a:extLst>
-              <a:ext uri="{FF2B5EF4-FFF2-40B4-BE49-F238E27FC236}">
-                <a16:creationId xmlns:a16="http://schemas.microsoft.com/office/drawing/2014/main" id="{B244B784-BE62-4BF3-B363-ABD3730F87F8}"/>
-              </a:ext>
-            </a:extLst>
-          </p:cNvPr>
-          <p:cNvPicPr>
-            <a:picLocks noChangeAspect="1"/>
-          </p:cNvPicPr>
-          <p:nvPr/>
-        </p:nvPicPr>
-        <p:blipFill>
-          <a:blip r:embed="rId4">
-            <a:extLst>
-              <a:ext uri="{28A0092B-C50C-407E-A947-70E740481C1C}">
-                <a14:useLocalDpi xmlns:a14="http://schemas.microsoft.com/office/drawing/2010/main" val="0"/>
-              </a:ext>
-              <a:ext uri="{96DAC541-7B7A-43D3-8B79-37D633B846F1}">
-                <asvg:svgBlip xmlns:asvg="http://schemas.microsoft.com/office/drawing/2016/SVG/main" r:embed="rId5"/>
-              </a:ext>
-            </a:extLst>
-          </a:blip>
-          <a:stretch>
-            <a:fillRect/>
-          </a:stretch>
-        </p:blipFill>
-        <p:spPr>
-          <a:xfrm>
-            <a:off x="2629000" y="10184632"/>
-            <a:ext cx="1600000" cy="1600000"/>
-          </a:xfrm>
-          <a:prstGeom prst="rect">
-            <a:avLst/>
-          </a:prstGeom>
-        </p:spPr>
-      </p:pic>
-      <p:sp>
-        <p:nvSpPr>
-          <p:cNvPr id="38" name="TextBox 37">
-            <a:extLst>
-              <a:ext uri="{FF2B5EF4-FFF2-40B4-BE49-F238E27FC236}">
-                <a16:creationId xmlns:a16="http://schemas.microsoft.com/office/drawing/2014/main" id="{F4C75ED3-033F-4D70-9932-2ACA54657ABD}"/>
-              </a:ext>
-            </a:extLst>
-          </p:cNvPr>
-          <p:cNvSpPr txBox="1"/>
-          <p:nvPr/>
-        </p:nvSpPr>
-        <p:spPr>
-          <a:xfrm>
-            <a:off x="-605818" y="10496151"/>
-            <a:ext cx="4608512" cy="1077218"/>
-          </a:xfrm>
-          <a:prstGeom prst="rect">
-            <a:avLst/>
-          </a:prstGeom>
-          <a:noFill/>
-        </p:spPr>
-        <p:txBody>
-          <a:bodyPr wrap="square" rtlCol="0">
-            <a:spAutoFit/>
-          </a:bodyPr>
-          <a:lstStyle/>
-          <a:p>
-            <a:pPr algn="ctr"/>
-            <a:r>
-              <a:rPr lang="en-GB" sz="3556" dirty="0"/>
-              <a:t>Streamlit /</a:t>
-            </a:r>
-          </a:p>
-          <a:p>
-            <a:pPr algn="ctr"/>
-            <a:r>
-              <a:rPr lang="en-GB" sz="2844" dirty="0"/>
-              <a:t>blog</a:t>
-            </a:r>
-          </a:p>
-        </p:txBody>
-      </p:sp>
-      <p:sp>
-        <p:nvSpPr>
-          <p:cNvPr id="26" name="Rectangle: Rounded Corners 25">
-            <a:extLst>
-              <a:ext uri="{FF2B5EF4-FFF2-40B4-BE49-F238E27FC236}">
-                <a16:creationId xmlns:a16="http://schemas.microsoft.com/office/drawing/2014/main" id="{9A4694FF-738E-42A8-9DBF-E8A33BF984E2}"/>
-              </a:ext>
-            </a:extLst>
-          </p:cNvPr>
-          <p:cNvSpPr/>
-          <p:nvPr/>
-        </p:nvSpPr>
-        <p:spPr>
-          <a:xfrm>
-            <a:off x="2421120" y="5341941"/>
-            <a:ext cx="2088000" cy="1024000"/>
-          </a:xfrm>
-          <a:prstGeom prst="roundRect">
-            <a:avLst/>
-          </a:prstGeom>
-          <a:solidFill>
-            <a:schemeClr val="accent3"/>
-          </a:solidFill>
-          <a:ln>
+      </p:cxnSp>
+      <p:cxnSp>
+        <p:nvCxnSpPr>
+          <p:cNvPr id="60" name="Straight Arrow Connector 59">
+            <a:extLst>
+              <a:ext uri="{FF2B5EF4-FFF2-40B4-BE49-F238E27FC236}">
+                <a16:creationId xmlns:a16="http://schemas.microsoft.com/office/drawing/2014/main" id="{DF7E4693-34EA-49FB-B20C-BE4C9E81A8D2}"/>
+              </a:ext>
+            </a:extLst>
+          </p:cNvPr>
+          <p:cNvCxnSpPr>
+            <a:cxnSpLocks/>
+          </p:cNvCxnSpPr>
+          <p:nvPr/>
+        </p:nvCxnSpPr>
+        <p:spPr>
+          <a:xfrm flipH="1" flipV="1">
+            <a:off x="7851376" y="6802882"/>
+            <a:ext cx="534383" cy="3836"/>
+          </a:xfrm>
+          <a:prstGeom prst="straightConnector1">
+            <a:avLst/>
+          </a:prstGeom>
+          <a:ln w="63500">
             <a:solidFill>
-              <a:schemeClr val="accent3"/>
+              <a:schemeClr val="tx1"/>
             </a:solidFill>
+            <a:tailEnd type="triangle"/>
           </a:ln>
         </p:spPr>
         <p:style>
-          <a:lnRef idx="2">
-            <a:schemeClr val="accent1">
-              <a:shade val="50000"/>
-            </a:schemeClr>
+          <a:lnRef idx="1">
+            <a:schemeClr val="accent1"/>
           </a:lnRef>
-          <a:fillRef idx="1">
+          <a:fillRef idx="0">
             <a:schemeClr val="accent1"/>
           </a:fillRef>
           <a:effectRef idx="0">
             <a:schemeClr val="accent1"/>
           </a:effectRef>
           <a:fontRef idx="minor">
-            <a:schemeClr val="lt1"/>
+            <a:schemeClr val="tx1"/>
           </a:fontRef>
         </p:style>
-        <p:txBody>
-          <a:bodyPr rtlCol="0" anchor="ctr"/>
-          <a:lstStyle/>
-          <a:p>
-            <a:pPr algn="ctr"/>
-            <a:r>
-              <a:rPr lang="en-GB" sz="2844" dirty="0"/>
-              <a:t>Clean “toxicity”</a:t>
-            </a:r>
-          </a:p>
-        </p:txBody>
-      </p:sp>
-      <p:sp>
-        <p:nvSpPr>
-          <p:cNvPr id="27" name="Rectangle: Rounded Corners 26">
-            <a:extLst>
-              <a:ext uri="{FF2B5EF4-FFF2-40B4-BE49-F238E27FC236}">
-                <a16:creationId xmlns:a16="http://schemas.microsoft.com/office/drawing/2014/main" id="{30AE98DC-3C2E-460C-A288-B6C5DBDF068C}"/>
-              </a:ext>
-            </a:extLst>
-          </p:cNvPr>
-          <p:cNvSpPr/>
-          <p:nvPr/>
-        </p:nvSpPr>
-        <p:spPr>
-          <a:xfrm>
-            <a:off x="2421120" y="6712360"/>
-            <a:ext cx="2088000" cy="1024000"/>
-          </a:xfrm>
-          <a:prstGeom prst="roundRect">
-            <a:avLst/>
-          </a:prstGeom>
-          <a:solidFill>
-            <a:schemeClr val="accent3"/>
-          </a:solidFill>
-          <a:ln>
-            <a:solidFill>
-              <a:schemeClr val="accent3"/>
-            </a:solidFill>
-          </a:ln>
-        </p:spPr>
-        <p:style>
-          <a:lnRef idx="2">
-            <a:schemeClr val="accent1">
-              <a:shade val="50000"/>
-            </a:schemeClr>
-          </a:lnRef>
-          <a:fillRef idx="1">
-            <a:schemeClr val="accent1"/>
-          </a:fillRef>
-          <a:effectRef idx="0">
-            <a:schemeClr val="accent1"/>
-          </a:effectRef>
-          <a:fontRef idx="minor">
-            <a:schemeClr val="lt1"/>
-          </a:fontRef>
-        </p:style>
-        <p:txBody>
-          <a:bodyPr rtlCol="0" anchor="ctr"/>
-          <a:lstStyle/>
-          <a:p>
-            <a:pPr algn="ctr"/>
-            <a:r>
-              <a:rPr lang="en-GB" sz="2844" dirty="0"/>
-              <a:t>Engineer </a:t>
-            </a:r>
-          </a:p>
-          <a:p>
-            <a:pPr algn="ctr"/>
-            <a:r>
-              <a:rPr lang="en-GB" sz="2844" dirty="0"/>
-              <a:t>Features</a:t>
-            </a:r>
-          </a:p>
-        </p:txBody>
-      </p:sp>
+      </p:cxnSp>
       <p:cxnSp>
         <p:nvCxnSpPr>
-          <p:cNvPr id="28" name="Straight Arrow Connector 27">
-            <a:extLst>
-              <a:ext uri="{FF2B5EF4-FFF2-40B4-BE49-F238E27FC236}">
-                <a16:creationId xmlns:a16="http://schemas.microsoft.com/office/drawing/2014/main" id="{F6131C7F-E316-4465-9D9E-29B4C6485AF5}"/>
+          <p:cNvPr id="61" name="Straight Arrow Connector 60">
+            <a:extLst>
+              <a:ext uri="{FF2B5EF4-FFF2-40B4-BE49-F238E27FC236}">
+                <a16:creationId xmlns:a16="http://schemas.microsoft.com/office/drawing/2014/main" id="{B74F4C75-A997-4097-B9A2-CAC273608019}"/>
               </a:ext>
             </a:extLst>
           </p:cNvPr>
           <p:cNvCxnSpPr>
             <a:cxnSpLocks/>
-            <a:stCxn id="13" idx="2"/>
-            <a:endCxn id="26" idx="0"/>
+            <a:stCxn id="31" idx="3"/>
           </p:cNvCxnSpPr>
           <p:nvPr/>
         </p:nvCxnSpPr>
         <p:spPr>
-          <a:xfrm>
-            <a:off x="3433170" y="4735430"/>
-            <a:ext cx="31950" cy="606511"/>
+          <a:xfrm flipV="1">
+            <a:off x="4496889" y="8965413"/>
+            <a:ext cx="354310" cy="2995"/>
           </a:xfrm>
           <a:prstGeom prst="straightConnector1">
             <a:avLst/>
@@ -6629,346 +8059,6 @@
           </a:fontRef>
         </p:style>
       </p:cxnSp>
-      <p:cxnSp>
-        <p:nvCxnSpPr>
-          <p:cNvPr id="51" name="Straight Arrow Connector 50">
-            <a:extLst>
-              <a:ext uri="{FF2B5EF4-FFF2-40B4-BE49-F238E27FC236}">
-                <a16:creationId xmlns:a16="http://schemas.microsoft.com/office/drawing/2014/main" id="{BB0E9BAE-39E7-4732-8767-3332A1BB1C11}"/>
-              </a:ext>
-            </a:extLst>
-          </p:cNvPr>
-          <p:cNvCxnSpPr>
-            <a:cxnSpLocks/>
-            <a:stCxn id="27" idx="2"/>
-            <a:endCxn id="31" idx="0"/>
-          </p:cNvCxnSpPr>
-          <p:nvPr/>
-        </p:nvCxnSpPr>
-        <p:spPr>
-          <a:xfrm flipH="1">
-            <a:off x="3452889" y="7736360"/>
-            <a:ext cx="12231" cy="432048"/>
-          </a:xfrm>
-          <a:prstGeom prst="straightConnector1">
-            <a:avLst/>
-          </a:prstGeom>
-          <a:ln w="63500">
-            <a:solidFill>
-              <a:schemeClr val="tx1">
-                <a:lumMod val="50000"/>
-                <a:lumOff val="50000"/>
-              </a:schemeClr>
-            </a:solidFill>
-            <a:tailEnd type="triangle"/>
-          </a:ln>
-        </p:spPr>
-        <p:style>
-          <a:lnRef idx="1">
-            <a:schemeClr val="accent1"/>
-          </a:lnRef>
-          <a:fillRef idx="0">
-            <a:schemeClr val="accent1"/>
-          </a:fillRef>
-          <a:effectRef idx="0">
-            <a:schemeClr val="accent1"/>
-          </a:effectRef>
-          <a:fontRef idx="minor">
-            <a:schemeClr val="tx1"/>
-          </a:fontRef>
-        </p:style>
-      </p:cxnSp>
-      <p:cxnSp>
-        <p:nvCxnSpPr>
-          <p:cNvPr id="52" name="Straight Arrow Connector 51">
-            <a:extLst>
-              <a:ext uri="{FF2B5EF4-FFF2-40B4-BE49-F238E27FC236}">
-                <a16:creationId xmlns:a16="http://schemas.microsoft.com/office/drawing/2014/main" id="{11B4736F-61FE-4975-B68C-627FCDF8A946}"/>
-              </a:ext>
-            </a:extLst>
-          </p:cNvPr>
-          <p:cNvCxnSpPr>
-            <a:cxnSpLocks/>
-          </p:cNvCxnSpPr>
-          <p:nvPr/>
-        </p:nvCxnSpPr>
-        <p:spPr>
-          <a:xfrm flipV="1">
-            <a:off x="7800646" y="7678813"/>
-            <a:ext cx="635841" cy="183079"/>
-          </a:xfrm>
-          <a:prstGeom prst="straightConnector1">
-            <a:avLst/>
-          </a:prstGeom>
-          <a:ln w="63500">
-            <a:solidFill>
-              <a:schemeClr val="tx1"/>
-            </a:solidFill>
-            <a:tailEnd type="triangle"/>
-          </a:ln>
-        </p:spPr>
-        <p:style>
-          <a:lnRef idx="1">
-            <a:schemeClr val="accent1"/>
-          </a:lnRef>
-          <a:fillRef idx="0">
-            <a:schemeClr val="accent1"/>
-          </a:fillRef>
-          <a:effectRef idx="0">
-            <a:schemeClr val="accent1"/>
-          </a:effectRef>
-          <a:fontRef idx="minor">
-            <a:schemeClr val="tx1"/>
-          </a:fontRef>
-        </p:style>
-      </p:cxnSp>
-      <p:sp>
-        <p:nvSpPr>
-          <p:cNvPr id="56" name="Rectangle: Rounded Corners 55">
-            <a:extLst>
-              <a:ext uri="{FF2B5EF4-FFF2-40B4-BE49-F238E27FC236}">
-                <a16:creationId xmlns:a16="http://schemas.microsoft.com/office/drawing/2014/main" id="{883E64A3-FF3C-4EF3-8B03-03A933794F04}"/>
-              </a:ext>
-            </a:extLst>
-          </p:cNvPr>
-          <p:cNvSpPr/>
-          <p:nvPr/>
-        </p:nvSpPr>
-        <p:spPr>
-          <a:xfrm>
-            <a:off x="188641" y="8488999"/>
-            <a:ext cx="1892608" cy="958819"/>
-          </a:xfrm>
-          <a:prstGeom prst="roundRect">
-            <a:avLst/>
-          </a:prstGeom>
-          <a:solidFill>
-            <a:schemeClr val="accent3"/>
-          </a:solidFill>
-          <a:ln>
-            <a:solidFill>
-              <a:schemeClr val="accent3"/>
-            </a:solidFill>
-          </a:ln>
-        </p:spPr>
-        <p:style>
-          <a:lnRef idx="2">
-            <a:schemeClr val="accent1">
-              <a:shade val="50000"/>
-            </a:schemeClr>
-          </a:lnRef>
-          <a:fillRef idx="1">
-            <a:schemeClr val="accent1"/>
-          </a:fillRef>
-          <a:effectRef idx="0">
-            <a:schemeClr val="accent1"/>
-          </a:effectRef>
-          <a:fontRef idx="minor">
-            <a:schemeClr val="lt1"/>
-          </a:fontRef>
-        </p:style>
-        <p:txBody>
-          <a:bodyPr rtlCol="0" anchor="ctr"/>
-          <a:lstStyle/>
-          <a:p>
-            <a:pPr algn="ctr"/>
-            <a:r>
-              <a:rPr lang="en-GB" sz="2844" dirty="0"/>
-              <a:t>Parameter </a:t>
-            </a:r>
-          </a:p>
-          <a:p>
-            <a:pPr algn="ctr"/>
-            <a:r>
-              <a:rPr lang="en-GB" sz="2844" dirty="0"/>
-              <a:t>Tuning</a:t>
-            </a:r>
-          </a:p>
-        </p:txBody>
-      </p:sp>
-      <p:cxnSp>
-        <p:nvCxnSpPr>
-          <p:cNvPr id="57" name="Straight Arrow Connector 56">
-            <a:extLst>
-              <a:ext uri="{FF2B5EF4-FFF2-40B4-BE49-F238E27FC236}">
-                <a16:creationId xmlns:a16="http://schemas.microsoft.com/office/drawing/2014/main" id="{C196B4D5-CF13-4FCB-B826-688158303FDF}"/>
-              </a:ext>
-            </a:extLst>
-          </p:cNvPr>
-          <p:cNvCxnSpPr>
-            <a:cxnSpLocks/>
-          </p:cNvCxnSpPr>
-          <p:nvPr/>
-        </p:nvCxnSpPr>
-        <p:spPr>
-          <a:xfrm flipH="1">
-            <a:off x="2081249" y="8832304"/>
-            <a:ext cx="327640" cy="1"/>
-          </a:xfrm>
-          <a:prstGeom prst="straightConnector1">
-            <a:avLst/>
-          </a:prstGeom>
-          <a:ln w="63500">
-            <a:solidFill>
-              <a:schemeClr val="tx1">
-                <a:lumMod val="50000"/>
-                <a:lumOff val="50000"/>
-              </a:schemeClr>
-            </a:solidFill>
-            <a:tailEnd type="triangle"/>
-          </a:ln>
-        </p:spPr>
-        <p:style>
-          <a:lnRef idx="1">
-            <a:schemeClr val="accent1"/>
-          </a:lnRef>
-          <a:fillRef idx="0">
-            <a:schemeClr val="accent1"/>
-          </a:fillRef>
-          <a:effectRef idx="0">
-            <a:schemeClr val="accent1"/>
-          </a:effectRef>
-          <a:fontRef idx="minor">
-            <a:schemeClr val="tx1"/>
-          </a:fontRef>
-        </p:style>
-      </p:cxnSp>
-      <p:cxnSp>
-        <p:nvCxnSpPr>
-          <p:cNvPr id="59" name="Straight Arrow Connector 58">
-            <a:extLst>
-              <a:ext uri="{FF2B5EF4-FFF2-40B4-BE49-F238E27FC236}">
-                <a16:creationId xmlns:a16="http://schemas.microsoft.com/office/drawing/2014/main" id="{64B0880B-CA4E-45D7-AF73-F06C974EC0D3}"/>
-              </a:ext>
-            </a:extLst>
-          </p:cNvPr>
-          <p:cNvCxnSpPr>
-            <a:cxnSpLocks/>
-          </p:cNvCxnSpPr>
-          <p:nvPr/>
-        </p:nvCxnSpPr>
-        <p:spPr>
-          <a:xfrm>
-            <a:off x="9002195" y="6440152"/>
-            <a:ext cx="660608" cy="0"/>
-          </a:xfrm>
-          <a:prstGeom prst="straightConnector1">
-            <a:avLst/>
-          </a:prstGeom>
-          <a:ln w="63500">
-            <a:solidFill>
-              <a:schemeClr val="tx1"/>
-            </a:solidFill>
-            <a:tailEnd type="triangle"/>
-          </a:ln>
-        </p:spPr>
-        <p:style>
-          <a:lnRef idx="1">
-            <a:schemeClr val="accent1"/>
-          </a:lnRef>
-          <a:fillRef idx="0">
-            <a:schemeClr val="accent1"/>
-          </a:fillRef>
-          <a:effectRef idx="0">
-            <a:schemeClr val="accent1"/>
-          </a:effectRef>
-          <a:fontRef idx="minor">
-            <a:schemeClr val="tx1"/>
-          </a:fontRef>
-        </p:style>
-      </p:cxnSp>
-      <p:cxnSp>
-        <p:nvCxnSpPr>
-          <p:cNvPr id="60" name="Straight Arrow Connector 59">
-            <a:extLst>
-              <a:ext uri="{FF2B5EF4-FFF2-40B4-BE49-F238E27FC236}">
-                <a16:creationId xmlns:a16="http://schemas.microsoft.com/office/drawing/2014/main" id="{DF7E4693-34EA-49FB-B20C-BE4C9E81A8D2}"/>
-              </a:ext>
-            </a:extLst>
-          </p:cNvPr>
-          <p:cNvCxnSpPr>
-            <a:cxnSpLocks/>
-          </p:cNvCxnSpPr>
-          <p:nvPr/>
-        </p:nvCxnSpPr>
-        <p:spPr>
-          <a:xfrm flipH="1" flipV="1">
-            <a:off x="7851376" y="6802882"/>
-            <a:ext cx="534383" cy="3836"/>
-          </a:xfrm>
-          <a:prstGeom prst="straightConnector1">
-            <a:avLst/>
-          </a:prstGeom>
-          <a:ln w="63500">
-            <a:solidFill>
-              <a:schemeClr val="tx1"/>
-            </a:solidFill>
-            <a:tailEnd type="triangle"/>
-          </a:ln>
-        </p:spPr>
-        <p:style>
-          <a:lnRef idx="1">
-            <a:schemeClr val="accent1"/>
-          </a:lnRef>
-          <a:fillRef idx="0">
-            <a:schemeClr val="accent1"/>
-          </a:fillRef>
-          <a:effectRef idx="0">
-            <a:schemeClr val="accent1"/>
-          </a:effectRef>
-          <a:fontRef idx="minor">
-            <a:schemeClr val="tx1"/>
-          </a:fontRef>
-        </p:style>
-      </p:cxnSp>
-      <p:cxnSp>
-        <p:nvCxnSpPr>
-          <p:cNvPr id="61" name="Straight Arrow Connector 60">
-            <a:extLst>
-              <a:ext uri="{FF2B5EF4-FFF2-40B4-BE49-F238E27FC236}">
-                <a16:creationId xmlns:a16="http://schemas.microsoft.com/office/drawing/2014/main" id="{B74F4C75-A997-4097-B9A2-CAC273608019}"/>
-              </a:ext>
-            </a:extLst>
-          </p:cNvPr>
-          <p:cNvCxnSpPr>
-            <a:cxnSpLocks/>
-            <a:stCxn id="31" idx="3"/>
-          </p:cNvCxnSpPr>
-          <p:nvPr/>
-        </p:nvCxnSpPr>
-        <p:spPr>
-          <a:xfrm flipV="1">
-            <a:off x="4496889" y="8965413"/>
-            <a:ext cx="354310" cy="2995"/>
-          </a:xfrm>
-          <a:prstGeom prst="straightConnector1">
-            <a:avLst/>
-          </a:prstGeom>
-          <a:ln w="63500">
-            <a:solidFill>
-              <a:schemeClr val="tx1">
-                <a:lumMod val="50000"/>
-                <a:lumOff val="50000"/>
-              </a:schemeClr>
-            </a:solidFill>
-            <a:tailEnd type="triangle"/>
-          </a:ln>
-        </p:spPr>
-        <p:style>
-          <a:lnRef idx="1">
-            <a:schemeClr val="accent1"/>
-          </a:lnRef>
-          <a:fillRef idx="0">
-            <a:schemeClr val="accent1"/>
-          </a:fillRef>
-          <a:effectRef idx="0">
-            <a:schemeClr val="accent1"/>
-          </a:effectRef>
-          <a:fontRef idx="minor">
-            <a:schemeClr val="tx1"/>
-          </a:fontRef>
-        </p:style>
-      </p:cxnSp>
       <p:sp>
         <p:nvSpPr>
           <p:cNvPr id="62" name="Rectangle: Rounded Corners 61">
@@ -7123,55 +8213,6 @@
       </p:cxnSp>
       <p:cxnSp>
         <p:nvCxnSpPr>
-          <p:cNvPr id="58" name="Straight Arrow Connector 57">
-            <a:extLst>
-              <a:ext uri="{FF2B5EF4-FFF2-40B4-BE49-F238E27FC236}">
-                <a16:creationId xmlns:a16="http://schemas.microsoft.com/office/drawing/2014/main" id="{8BA46A61-C3CC-48F8-AB8A-0C4966AD0D0D}"/>
-              </a:ext>
-            </a:extLst>
-          </p:cNvPr>
-          <p:cNvCxnSpPr>
-            <a:cxnSpLocks/>
-            <a:stCxn id="26" idx="2"/>
-            <a:endCxn id="27" idx="0"/>
-          </p:cNvCxnSpPr>
-          <p:nvPr/>
-        </p:nvCxnSpPr>
-        <p:spPr>
-          <a:xfrm>
-            <a:off x="3465120" y="6365941"/>
-            <a:ext cx="0" cy="346419"/>
-          </a:xfrm>
-          <a:prstGeom prst="straightConnector1">
-            <a:avLst/>
-          </a:prstGeom>
-          <a:ln w="63500">
-            <a:solidFill>
-              <a:schemeClr val="tx1">
-                <a:lumMod val="50000"/>
-                <a:lumOff val="50000"/>
-              </a:schemeClr>
-            </a:solidFill>
-            <a:tailEnd type="triangle"/>
-          </a:ln>
-        </p:spPr>
-        <p:style>
-          <a:lnRef idx="1">
-            <a:schemeClr val="accent1"/>
-          </a:lnRef>
-          <a:fillRef idx="0">
-            <a:schemeClr val="accent1"/>
-          </a:fillRef>
-          <a:effectRef idx="0">
-            <a:schemeClr val="accent1"/>
-          </a:effectRef>
-          <a:fontRef idx="minor">
-            <a:schemeClr val="tx1"/>
-          </a:fontRef>
-        </p:style>
-      </p:cxnSp>
-      <p:cxnSp>
-        <p:nvCxnSpPr>
           <p:cNvPr id="34" name="Straight Arrow Connector 33">
             <a:extLst>
               <a:ext uri="{FF2B5EF4-FFF2-40B4-BE49-F238E27FC236}">
@@ -7274,8 +8315,8 @@
         </p:nvCxnSpPr>
         <p:spPr>
           <a:xfrm>
-            <a:off x="4509120" y="7176120"/>
-            <a:ext cx="660608" cy="0"/>
+            <a:off x="4543568" y="7104112"/>
+            <a:ext cx="626160" cy="0"/>
           </a:xfrm>
           <a:prstGeom prst="straightConnector1">
             <a:avLst/>
@@ -7308,10 +8349,10 @@
       </p:cxnSp>
       <p:cxnSp>
         <p:nvCxnSpPr>
-          <p:cNvPr id="49" name="Straight Arrow Connector 48">
-            <a:extLst>
-              <a:ext uri="{FF2B5EF4-FFF2-40B4-BE49-F238E27FC236}">
-                <a16:creationId xmlns:a16="http://schemas.microsoft.com/office/drawing/2014/main" id="{AD7FB1F1-F8C2-40AA-AEE8-BCCFE36D0308}"/>
+          <p:cNvPr id="36" name="Connector: Elbow 35">
+            <a:extLst>
+              <a:ext uri="{FF2B5EF4-FFF2-40B4-BE49-F238E27FC236}">
+                <a16:creationId xmlns:a16="http://schemas.microsoft.com/office/drawing/2014/main" id="{72C596CD-A0EF-422F-831E-EBF02EE1511A}"/>
               </a:ext>
             </a:extLst>
           </p:cNvPr>
@@ -7321,60 +8362,14 @@
           <p:nvPr/>
         </p:nvCxnSpPr>
         <p:spPr>
-          <a:xfrm>
-            <a:off x="3379348" y="9768408"/>
-            <a:ext cx="0" cy="727743"/>
-          </a:xfrm>
-          <a:prstGeom prst="straightConnector1">
-            <a:avLst/>
-          </a:prstGeom>
-          <a:ln w="63500">
-            <a:solidFill>
-              <a:schemeClr val="tx1">
-                <a:lumMod val="50000"/>
-                <a:lumOff val="50000"/>
-              </a:schemeClr>
-            </a:solidFill>
-            <a:tailEnd type="triangle"/>
-          </a:ln>
-        </p:spPr>
-        <p:style>
-          <a:lnRef idx="1">
-            <a:schemeClr val="accent1"/>
-          </a:lnRef>
-          <a:fillRef idx="0">
-            <a:schemeClr val="accent1"/>
-          </a:fillRef>
-          <a:effectRef idx="0">
-            <a:schemeClr val="accent1"/>
-          </a:effectRef>
-          <a:fontRef idx="minor">
-            <a:schemeClr val="tx1"/>
-          </a:fontRef>
-        </p:style>
-      </p:cxnSp>
-      <p:cxnSp>
-        <p:nvCxnSpPr>
-          <p:cNvPr id="36" name="Connector: Elbow 35">
-            <a:extLst>
-              <a:ext uri="{FF2B5EF4-FFF2-40B4-BE49-F238E27FC236}">
-                <a16:creationId xmlns:a16="http://schemas.microsoft.com/office/drawing/2014/main" id="{72C596CD-A0EF-422F-831E-EBF02EE1511A}"/>
-              </a:ext>
-            </a:extLst>
-          </p:cNvPr>
-          <p:cNvCxnSpPr>
-            <a:cxnSpLocks/>
-            <a:stCxn id="62" idx="2"/>
-          </p:cNvCxnSpPr>
-          <p:nvPr/>
-        </p:nvCxnSpPr>
-        <p:spPr>
-          <a:xfrm rot="5400000">
-            <a:off x="4294235" y="8513132"/>
-            <a:ext cx="588723" cy="2418495"/>
-          </a:xfrm>
-          <a:prstGeom prst="bentConnector2">
-            <a:avLst/>
+          <a:xfrm rot="10800000" flipV="1">
+            <a:off x="3474375" y="9428013"/>
+            <a:ext cx="2402900" cy="569541"/>
+          </a:xfrm>
+          <a:prstGeom prst="bentConnector3">
+            <a:avLst>
+              <a:gd name="adj1" fmla="val 1164"/>
+            </a:avLst>
           </a:prstGeom>
           <a:ln w="63500">
             <a:solidFill>
@@ -7464,9 +8459,9 @@
           <p:nvPr/>
         </p:nvCxnSpPr>
         <p:spPr>
-          <a:xfrm rot="5400000" flipH="1">
-            <a:off x="4572465" y="6298700"/>
-            <a:ext cx="533917" cy="591711"/>
+          <a:xfrm flipH="1" flipV="1">
+            <a:off x="4618876" y="6365941"/>
+            <a:ext cx="436528" cy="420828"/>
           </a:xfrm>
           <a:prstGeom prst="straightConnector1">
             <a:avLst/>
@@ -7513,8 +8508,8 @@
         </p:nvCxnSpPr>
         <p:spPr>
           <a:xfrm flipH="1">
-            <a:off x="4521487" y="7608168"/>
-            <a:ext cx="533917" cy="591711"/>
+            <a:off x="4653136" y="7634876"/>
+            <a:ext cx="372522" cy="419104"/>
           </a:xfrm>
           <a:prstGeom prst="straightConnector1">
             <a:avLst/>
@@ -7561,8 +8556,8 @@
         </p:nvCxnSpPr>
         <p:spPr>
           <a:xfrm flipH="1">
-            <a:off x="4673887" y="7760568"/>
-            <a:ext cx="533917" cy="591711"/>
+            <a:off x="4759023" y="7821954"/>
+            <a:ext cx="393391" cy="422580"/>
           </a:xfrm>
           <a:prstGeom prst="straightConnector1">
             <a:avLst/>
@@ -7608,9 +8603,9 @@
           <p:nvPr/>
         </p:nvCxnSpPr>
         <p:spPr>
-          <a:xfrm rot="5400000" flipH="1">
-            <a:off x="4738394" y="6109250"/>
-            <a:ext cx="533917" cy="591711"/>
+          <a:xfrm flipH="1" flipV="1">
+            <a:off x="4653136" y="6096001"/>
+            <a:ext cx="508244" cy="458601"/>
           </a:xfrm>
           <a:prstGeom prst="straightConnector1">
             <a:avLst/>
@@ -7657,8 +8652,8 @@
         </p:nvCxnSpPr>
         <p:spPr>
           <a:xfrm>
-            <a:off x="4509120" y="7376760"/>
-            <a:ext cx="660608" cy="0"/>
+            <a:off x="4509120" y="7320136"/>
+            <a:ext cx="546284" cy="0"/>
           </a:xfrm>
           <a:prstGeom prst="straightConnector1">
             <a:avLst/>
@@ -7671,6 +8666,1846 @@
               </a:schemeClr>
             </a:solidFill>
             <a:headEnd type="none"/>
+            <a:tailEnd type="triangle"/>
+          </a:ln>
+        </p:spPr>
+        <p:style>
+          <a:lnRef idx="1">
+            <a:schemeClr val="accent1"/>
+          </a:lnRef>
+          <a:fillRef idx="0">
+            <a:schemeClr val="accent1"/>
+          </a:fillRef>
+          <a:effectRef idx="0">
+            <a:schemeClr val="accent1"/>
+          </a:effectRef>
+          <a:fontRef idx="minor">
+            <a:schemeClr val="tx1"/>
+          </a:fontRef>
+        </p:style>
+      </p:cxnSp>
+    </p:spTree>
+    <p:extLst>
+      <p:ext uri="{BB962C8B-B14F-4D97-AF65-F5344CB8AC3E}">
+        <p14:creationId xmlns:p14="http://schemas.microsoft.com/office/powerpoint/2010/main" val="4003158186"/>
+      </p:ext>
+    </p:extLst>
+  </p:cSld>
+  <p:clrMapOvr>
+    <a:masterClrMapping/>
+  </p:clrMapOvr>
+</p:sld>
+</file>
+
+<file path=ppt/slides/slide3.xml><?xml version="1.0" encoding="utf-8"?>
+<p:sld xmlns:a="http://schemas.openxmlformats.org/drawingml/2006/main" xmlns:r="http://schemas.openxmlformats.org/officeDocument/2006/relationships" xmlns:p="http://schemas.openxmlformats.org/presentationml/2006/main" showMasterSp="0">
+  <p:cSld>
+    <p:spTree>
+      <p:nvGrpSpPr>
+        <p:cNvPr id="1" name=""/>
+        <p:cNvGrpSpPr/>
+        <p:nvPr/>
+      </p:nvGrpSpPr>
+      <p:grpSpPr>
+        <a:xfrm>
+          <a:off x="0" y="0"/>
+          <a:ext cx="0" cy="0"/>
+          <a:chOff x="0" y="0"/>
+          <a:chExt cx="0" cy="0"/>
+        </a:xfrm>
+      </p:grpSpPr>
+      <p:pic>
+        <p:nvPicPr>
+          <p:cNvPr id="5" name="Content Placeholder 4" descr="Database outline">
+            <a:extLst>
+              <a:ext uri="{FF2B5EF4-FFF2-40B4-BE49-F238E27FC236}">
+                <a16:creationId xmlns:a16="http://schemas.microsoft.com/office/drawing/2014/main" id="{291AB5B7-856B-4542-8704-A0D119241E75}"/>
+              </a:ext>
+            </a:extLst>
+          </p:cNvPr>
+          <p:cNvPicPr>
+            <a:picLocks noGrp="1" noChangeAspect="1"/>
+          </p:cNvPicPr>
+          <p:nvPr>
+            <p:ph idx="1"/>
+          </p:nvPr>
+        </p:nvPicPr>
+        <p:blipFill>
+          <a:blip r:embed="rId2">
+            <a:extLst>
+              <a:ext uri="{28A0092B-C50C-407E-A947-70E740481C1C}">
+                <a14:useLocalDpi xmlns:a14="http://schemas.microsoft.com/office/drawing/2010/main" val="0"/>
+              </a:ext>
+              <a:ext uri="{96DAC541-7B7A-43D3-8B79-37D633B846F1}">
+                <asvg:svgBlip xmlns:asvg="http://schemas.microsoft.com/office/drawing/2016/SVG/main" r:embed="rId3"/>
+              </a:ext>
+            </a:extLst>
+          </a:blip>
+          <a:stretch>
+            <a:fillRect/>
+          </a:stretch>
+        </p:blipFill>
+        <p:spPr>
+          <a:xfrm>
+            <a:off x="692696" y="2663040"/>
+            <a:ext cx="5744275" cy="2400627"/>
+          </a:xfrm>
+        </p:spPr>
+      </p:pic>
+      <p:pic>
+        <p:nvPicPr>
+          <p:cNvPr id="7" name="Graphic 6" descr="Internet outline">
+            <a:extLst>
+              <a:ext uri="{FF2B5EF4-FFF2-40B4-BE49-F238E27FC236}">
+                <a16:creationId xmlns:a16="http://schemas.microsoft.com/office/drawing/2014/main" id="{FAF669D4-4BD9-4BAD-B5DA-82BCB5809656}"/>
+              </a:ext>
+            </a:extLst>
+          </p:cNvPr>
+          <p:cNvPicPr>
+            <a:picLocks noChangeAspect="1"/>
+          </p:cNvPicPr>
+          <p:nvPr/>
+        </p:nvPicPr>
+        <p:blipFill>
+          <a:blip r:embed="rId4">
+            <a:extLst>
+              <a:ext uri="{28A0092B-C50C-407E-A947-70E740481C1C}">
+                <a14:useLocalDpi xmlns:a14="http://schemas.microsoft.com/office/drawing/2010/main" val="0"/>
+              </a:ext>
+              <a:ext uri="{96DAC541-7B7A-43D3-8B79-37D633B846F1}">
+                <asvg:svgBlip xmlns:asvg="http://schemas.microsoft.com/office/drawing/2016/SVG/main" r:embed="rId5"/>
+              </a:ext>
+            </a:extLst>
+          </a:blip>
+          <a:stretch>
+            <a:fillRect/>
+          </a:stretch>
+        </p:blipFill>
+        <p:spPr>
+          <a:xfrm>
+            <a:off x="2611155" y="-152605"/>
+            <a:ext cx="1600000" cy="1600000"/>
+          </a:xfrm>
+          <a:prstGeom prst="rect">
+            <a:avLst/>
+          </a:prstGeom>
+        </p:spPr>
+      </p:pic>
+      <p:sp>
+        <p:nvSpPr>
+          <p:cNvPr id="8" name="TextBox 7">
+            <a:extLst>
+              <a:ext uri="{FF2B5EF4-FFF2-40B4-BE49-F238E27FC236}">
+                <a16:creationId xmlns:a16="http://schemas.microsoft.com/office/drawing/2014/main" id="{297B8997-2236-4B23-94D7-5BD5EBD4EA04}"/>
+              </a:ext>
+            </a:extLst>
+          </p:cNvPr>
+          <p:cNvSpPr txBox="1"/>
+          <p:nvPr/>
+        </p:nvSpPr>
+        <p:spPr>
+          <a:xfrm>
+            <a:off x="759926" y="108786"/>
+            <a:ext cx="1877024" cy="1077218"/>
+          </a:xfrm>
+          <a:prstGeom prst="rect">
+            <a:avLst/>
+          </a:prstGeom>
+          <a:noFill/>
+        </p:spPr>
+        <p:txBody>
+          <a:bodyPr wrap="square" rtlCol="0">
+            <a:spAutoFit/>
+          </a:bodyPr>
+          <a:lstStyle/>
+          <a:p>
+            <a:pPr algn="ctr"/>
+            <a:r>
+              <a:rPr lang="en-GB" sz="3556" dirty="0"/>
+              <a:t>Reddit /</a:t>
+            </a:r>
+          </a:p>
+          <a:p>
+            <a:pPr algn="ctr"/>
+            <a:r>
+              <a:rPr lang="en-GB" sz="2844" dirty="0"/>
+              <a:t>subredditt</a:t>
+            </a:r>
+          </a:p>
+        </p:txBody>
+      </p:sp>
+      <p:cxnSp>
+        <p:nvCxnSpPr>
+          <p:cNvPr id="11" name="Straight Arrow Connector 10">
+            <a:extLst>
+              <a:ext uri="{FF2B5EF4-FFF2-40B4-BE49-F238E27FC236}">
+                <a16:creationId xmlns:a16="http://schemas.microsoft.com/office/drawing/2014/main" id="{F646BE35-0B02-4077-A667-86D63672F682}"/>
+              </a:ext>
+            </a:extLst>
+          </p:cNvPr>
+          <p:cNvCxnSpPr>
+            <a:cxnSpLocks/>
+            <a:endCxn id="9" idx="0"/>
+          </p:cNvCxnSpPr>
+          <p:nvPr/>
+        </p:nvCxnSpPr>
+        <p:spPr>
+          <a:xfrm flipH="1">
+            <a:off x="3452890" y="1157240"/>
+            <a:ext cx="12114" cy="290155"/>
+          </a:xfrm>
+          <a:prstGeom prst="straightConnector1">
+            <a:avLst/>
+          </a:prstGeom>
+          <a:ln w="63500">
+            <a:solidFill>
+              <a:schemeClr val="tx1">
+                <a:lumMod val="50000"/>
+                <a:lumOff val="50000"/>
+              </a:schemeClr>
+            </a:solidFill>
+            <a:tailEnd type="triangle"/>
+          </a:ln>
+        </p:spPr>
+        <p:style>
+          <a:lnRef idx="1">
+            <a:schemeClr val="accent1"/>
+          </a:lnRef>
+          <a:fillRef idx="0">
+            <a:schemeClr val="accent1"/>
+          </a:fillRef>
+          <a:effectRef idx="0">
+            <a:schemeClr val="accent1"/>
+          </a:effectRef>
+          <a:fontRef idx="minor">
+            <a:schemeClr val="tx1"/>
+          </a:fontRef>
+        </p:style>
+      </p:cxnSp>
+      <p:sp>
+        <p:nvSpPr>
+          <p:cNvPr id="13" name="Rectangle: Rounded Corners 12">
+            <a:extLst>
+              <a:ext uri="{FF2B5EF4-FFF2-40B4-BE49-F238E27FC236}">
+                <a16:creationId xmlns:a16="http://schemas.microsoft.com/office/drawing/2014/main" id="{08F248BC-BCC0-4C88-BD7C-2A10C9F75E74}"/>
+              </a:ext>
+            </a:extLst>
+          </p:cNvPr>
+          <p:cNvSpPr/>
+          <p:nvPr/>
+        </p:nvSpPr>
+        <p:spPr>
+          <a:xfrm>
+            <a:off x="2389170" y="3218308"/>
+            <a:ext cx="2088000" cy="1517122"/>
+          </a:xfrm>
+          <a:prstGeom prst="roundRect">
+            <a:avLst/>
+          </a:prstGeom>
+          <a:solidFill>
+            <a:schemeClr val="accent3"/>
+          </a:solidFill>
+          <a:ln>
+            <a:solidFill>
+              <a:schemeClr val="accent3"/>
+            </a:solidFill>
+          </a:ln>
+        </p:spPr>
+        <p:style>
+          <a:lnRef idx="2">
+            <a:schemeClr val="accent1">
+              <a:shade val="50000"/>
+            </a:schemeClr>
+          </a:lnRef>
+          <a:fillRef idx="1">
+            <a:schemeClr val="accent1"/>
+          </a:fillRef>
+          <a:effectRef idx="0">
+            <a:schemeClr val="accent1"/>
+          </a:effectRef>
+          <a:fontRef idx="minor">
+            <a:schemeClr val="lt1"/>
+          </a:fontRef>
+        </p:style>
+        <p:txBody>
+          <a:bodyPr rtlCol="0" anchor="ctr"/>
+          <a:lstStyle/>
+          <a:p>
+            <a:pPr algn="ctr"/>
+            <a:r>
+              <a:rPr lang="en-GB" sz="2844" dirty="0"/>
+              <a:t>Load data to</a:t>
+            </a:r>
+          </a:p>
+          <a:p>
+            <a:pPr algn="ctr"/>
+            <a:r>
+              <a:rPr lang="en-GB" sz="2844" dirty="0"/>
+              <a:t>postgreSQL</a:t>
+            </a:r>
+          </a:p>
+        </p:txBody>
+      </p:sp>
+      <p:sp>
+        <p:nvSpPr>
+          <p:cNvPr id="14" name="TextBox 13">
+            <a:extLst>
+              <a:ext uri="{FF2B5EF4-FFF2-40B4-BE49-F238E27FC236}">
+                <a16:creationId xmlns:a16="http://schemas.microsoft.com/office/drawing/2014/main" id="{107B44D7-9EB7-4333-A9DB-40075E114504}"/>
+              </a:ext>
+            </a:extLst>
+          </p:cNvPr>
+          <p:cNvSpPr txBox="1"/>
+          <p:nvPr/>
+        </p:nvSpPr>
+        <p:spPr>
+          <a:xfrm>
+            <a:off x="4909720" y="926006"/>
+            <a:ext cx="1892608" cy="830997"/>
+          </a:xfrm>
+          <a:prstGeom prst="rect">
+            <a:avLst/>
+          </a:prstGeom>
+          <a:noFill/>
+        </p:spPr>
+        <p:txBody>
+          <a:bodyPr wrap="square" rtlCol="0">
+            <a:spAutoFit/>
+          </a:bodyPr>
+          <a:lstStyle/>
+          <a:p>
+            <a:pPr algn="ctr"/>
+            <a:r>
+              <a:rPr lang="en-GB" sz="1600" dirty="0"/>
+              <a:t>AWS</a:t>
+            </a:r>
+          </a:p>
+          <a:p>
+            <a:pPr algn="ctr"/>
+            <a:r>
+              <a:rPr lang="en-GB" sz="1600" dirty="0"/>
+              <a:t>Lambda – serverless compute</a:t>
+            </a:r>
+          </a:p>
+        </p:txBody>
+      </p:sp>
+      <p:sp>
+        <p:nvSpPr>
+          <p:cNvPr id="15" name="TextBox 14">
+            <a:extLst>
+              <a:ext uri="{FF2B5EF4-FFF2-40B4-BE49-F238E27FC236}">
+                <a16:creationId xmlns:a16="http://schemas.microsoft.com/office/drawing/2014/main" id="{770F28ED-4B30-4DAC-9F94-931ADD257974}"/>
+              </a:ext>
+            </a:extLst>
+          </p:cNvPr>
+          <p:cNvSpPr txBox="1"/>
+          <p:nvPr/>
+        </p:nvSpPr>
+        <p:spPr>
+          <a:xfrm>
+            <a:off x="4909720" y="1635078"/>
+            <a:ext cx="1892608" cy="1323439"/>
+          </a:xfrm>
+          <a:prstGeom prst="rect">
+            <a:avLst/>
+          </a:prstGeom>
+          <a:noFill/>
+        </p:spPr>
+        <p:txBody>
+          <a:bodyPr wrap="square" rtlCol="0">
+            <a:spAutoFit/>
+          </a:bodyPr>
+          <a:lstStyle/>
+          <a:p>
+            <a:pPr algn="ctr"/>
+            <a:r>
+              <a:rPr lang="en-GB" sz="1600" dirty="0"/>
+              <a:t>+</a:t>
+            </a:r>
+          </a:p>
+          <a:p>
+            <a:pPr algn="ctr"/>
+            <a:r>
+              <a:rPr lang="en-GB" sz="1600" dirty="0"/>
+              <a:t>AWS</a:t>
+            </a:r>
+          </a:p>
+          <a:p>
+            <a:pPr algn="ctr"/>
+            <a:r>
+              <a:rPr lang="en-GB" sz="1600" dirty="0"/>
+              <a:t>Eventbridge - Scheduled scraping at 1hr interval</a:t>
+            </a:r>
+          </a:p>
+        </p:txBody>
+      </p:sp>
+      <p:sp>
+        <p:nvSpPr>
+          <p:cNvPr id="16" name="TextBox 15">
+            <a:extLst>
+              <a:ext uri="{FF2B5EF4-FFF2-40B4-BE49-F238E27FC236}">
+                <a16:creationId xmlns:a16="http://schemas.microsoft.com/office/drawing/2014/main" id="{93F57C9F-8DCE-4A29-8652-0F7E69AEFE3C}"/>
+              </a:ext>
+            </a:extLst>
+          </p:cNvPr>
+          <p:cNvSpPr txBox="1"/>
+          <p:nvPr/>
+        </p:nvSpPr>
+        <p:spPr>
+          <a:xfrm>
+            <a:off x="-616522" y="3544473"/>
+            <a:ext cx="3763257" cy="830997"/>
+          </a:xfrm>
+          <a:prstGeom prst="rect">
+            <a:avLst/>
+          </a:prstGeom>
+          <a:noFill/>
+        </p:spPr>
+        <p:txBody>
+          <a:bodyPr wrap="square" rtlCol="0">
+            <a:spAutoFit/>
+          </a:bodyPr>
+          <a:lstStyle/>
+          <a:p>
+            <a:pPr algn="ctr"/>
+            <a:r>
+              <a:rPr lang="en-GB" sz="2400" dirty="0"/>
+              <a:t>AWS</a:t>
+            </a:r>
+          </a:p>
+          <a:p>
+            <a:pPr algn="ctr"/>
+            <a:r>
+              <a:rPr lang="en-GB" sz="2400" dirty="0"/>
+              <a:t>RDS</a:t>
+            </a:r>
+          </a:p>
+        </p:txBody>
+      </p:sp>
+      <p:cxnSp>
+        <p:nvCxnSpPr>
+          <p:cNvPr id="19" name="Straight Arrow Connector 18">
+            <a:extLst>
+              <a:ext uri="{FF2B5EF4-FFF2-40B4-BE49-F238E27FC236}">
+                <a16:creationId xmlns:a16="http://schemas.microsoft.com/office/drawing/2014/main" id="{EC63C599-DDFC-42FC-BD25-EC3F3822B061}"/>
+              </a:ext>
+            </a:extLst>
+          </p:cNvPr>
+          <p:cNvCxnSpPr>
+            <a:cxnSpLocks/>
+            <a:stCxn id="9" idx="2"/>
+            <a:endCxn id="13" idx="0"/>
+          </p:cNvCxnSpPr>
+          <p:nvPr/>
+        </p:nvCxnSpPr>
+        <p:spPr>
+          <a:xfrm flipH="1">
+            <a:off x="3433170" y="2783632"/>
+            <a:ext cx="19720" cy="434676"/>
+          </a:xfrm>
+          <a:prstGeom prst="straightConnector1">
+            <a:avLst/>
+          </a:prstGeom>
+          <a:ln w="63500">
+            <a:solidFill>
+              <a:schemeClr val="tx1">
+                <a:lumMod val="50000"/>
+                <a:lumOff val="50000"/>
+              </a:schemeClr>
+            </a:solidFill>
+            <a:tailEnd type="triangle"/>
+          </a:ln>
+        </p:spPr>
+        <p:style>
+          <a:lnRef idx="1">
+            <a:schemeClr val="accent1"/>
+          </a:lnRef>
+          <a:fillRef idx="0">
+            <a:schemeClr val="accent1"/>
+          </a:fillRef>
+          <a:effectRef idx="0">
+            <a:schemeClr val="accent1"/>
+          </a:effectRef>
+          <a:fontRef idx="minor">
+            <a:schemeClr val="tx1"/>
+          </a:fontRef>
+        </p:style>
+      </p:cxnSp>
+      <p:sp>
+        <p:nvSpPr>
+          <p:cNvPr id="9" name="Rectangle: Rounded Corners 8">
+            <a:extLst>
+              <a:ext uri="{FF2B5EF4-FFF2-40B4-BE49-F238E27FC236}">
+                <a16:creationId xmlns:a16="http://schemas.microsoft.com/office/drawing/2014/main" id="{3C2E1F3B-D591-49FD-BB29-036A5BDA170C}"/>
+              </a:ext>
+            </a:extLst>
+          </p:cNvPr>
+          <p:cNvSpPr/>
+          <p:nvPr/>
+        </p:nvSpPr>
+        <p:spPr>
+          <a:xfrm>
+            <a:off x="2081249" y="1447395"/>
+            <a:ext cx="2743282" cy="1336237"/>
+          </a:xfrm>
+          <a:prstGeom prst="roundRect">
+            <a:avLst/>
+          </a:prstGeom>
+          <a:solidFill>
+            <a:schemeClr val="accent3"/>
+          </a:solidFill>
+          <a:ln>
+            <a:solidFill>
+              <a:schemeClr val="accent3"/>
+            </a:solidFill>
+          </a:ln>
+        </p:spPr>
+        <p:style>
+          <a:lnRef idx="2">
+            <a:schemeClr val="accent1">
+              <a:shade val="50000"/>
+            </a:schemeClr>
+          </a:lnRef>
+          <a:fillRef idx="1">
+            <a:schemeClr val="accent1"/>
+          </a:fillRef>
+          <a:effectRef idx="0">
+            <a:schemeClr val="accent1"/>
+          </a:effectRef>
+          <a:fontRef idx="minor">
+            <a:schemeClr val="lt1"/>
+          </a:fontRef>
+        </p:style>
+        <p:txBody>
+          <a:bodyPr rtlCol="0" anchor="ctr"/>
+          <a:lstStyle/>
+          <a:p>
+            <a:pPr algn="ctr"/>
+            <a:r>
+              <a:rPr lang="en-GB" sz="2844" dirty="0"/>
+              <a:t>Scrape, filter and clean subreddit data</a:t>
+            </a:r>
+          </a:p>
+        </p:txBody>
+      </p:sp>
+      <p:sp>
+        <p:nvSpPr>
+          <p:cNvPr id="24" name="Rectangle: Rounded Corners 23">
+            <a:extLst>
+              <a:ext uri="{FF2B5EF4-FFF2-40B4-BE49-F238E27FC236}">
+                <a16:creationId xmlns:a16="http://schemas.microsoft.com/office/drawing/2014/main" id="{05DF0D61-A44E-4B6E-8928-DF84C41CF173}"/>
+              </a:ext>
+            </a:extLst>
+          </p:cNvPr>
+          <p:cNvSpPr/>
+          <p:nvPr/>
+        </p:nvSpPr>
+        <p:spPr>
+          <a:xfrm>
+            <a:off x="5169728" y="6712360"/>
+            <a:ext cx="1279780" cy="1024000"/>
+          </a:xfrm>
+          <a:prstGeom prst="roundRect">
+            <a:avLst/>
+          </a:prstGeom>
+          <a:solidFill>
+            <a:schemeClr val="accent3"/>
+          </a:solidFill>
+          <a:ln>
+            <a:solidFill>
+              <a:schemeClr val="accent3"/>
+            </a:solidFill>
+          </a:ln>
+        </p:spPr>
+        <p:style>
+          <a:lnRef idx="2">
+            <a:schemeClr val="accent1">
+              <a:shade val="50000"/>
+            </a:schemeClr>
+          </a:lnRef>
+          <a:fillRef idx="1">
+            <a:schemeClr val="accent1"/>
+          </a:fillRef>
+          <a:effectRef idx="0">
+            <a:schemeClr val="accent1"/>
+          </a:effectRef>
+          <a:fontRef idx="minor">
+            <a:schemeClr val="lt1"/>
+          </a:fontRef>
+        </p:style>
+        <p:txBody>
+          <a:bodyPr rtlCol="0" anchor="ctr"/>
+          <a:lstStyle/>
+          <a:p>
+            <a:pPr algn="ctr"/>
+            <a:r>
+              <a:rPr lang="en-GB" sz="2844" dirty="0"/>
+              <a:t>EDA</a:t>
+            </a:r>
+          </a:p>
+        </p:txBody>
+      </p:sp>
+      <p:cxnSp>
+        <p:nvCxnSpPr>
+          <p:cNvPr id="30" name="Straight Arrow Connector 29">
+            <a:extLst>
+              <a:ext uri="{FF2B5EF4-FFF2-40B4-BE49-F238E27FC236}">
+                <a16:creationId xmlns:a16="http://schemas.microsoft.com/office/drawing/2014/main" id="{A99DA6B2-59AC-478B-80E6-AFE50FF793CD}"/>
+              </a:ext>
+            </a:extLst>
+          </p:cNvPr>
+          <p:cNvCxnSpPr>
+            <a:cxnSpLocks/>
+          </p:cNvCxnSpPr>
+          <p:nvPr/>
+        </p:nvCxnSpPr>
+        <p:spPr>
+          <a:xfrm>
+            <a:off x="2081249" y="9176520"/>
+            <a:ext cx="307921" cy="0"/>
+          </a:xfrm>
+          <a:prstGeom prst="straightConnector1">
+            <a:avLst/>
+          </a:prstGeom>
+          <a:ln w="63500">
+            <a:solidFill>
+              <a:schemeClr val="tx1">
+                <a:lumMod val="50000"/>
+                <a:lumOff val="50000"/>
+              </a:schemeClr>
+            </a:solidFill>
+            <a:tailEnd type="triangle"/>
+          </a:ln>
+        </p:spPr>
+        <p:style>
+          <a:lnRef idx="1">
+            <a:schemeClr val="accent1"/>
+          </a:lnRef>
+          <a:fillRef idx="0">
+            <a:schemeClr val="accent1"/>
+          </a:fillRef>
+          <a:effectRef idx="0">
+            <a:schemeClr val="accent1"/>
+          </a:effectRef>
+          <a:fontRef idx="minor">
+            <a:schemeClr val="tx1"/>
+          </a:fontRef>
+        </p:style>
+      </p:cxnSp>
+      <p:sp>
+        <p:nvSpPr>
+          <p:cNvPr id="31" name="Rectangle: Rounded Corners 30">
+            <a:extLst>
+              <a:ext uri="{FF2B5EF4-FFF2-40B4-BE49-F238E27FC236}">
+                <a16:creationId xmlns:a16="http://schemas.microsoft.com/office/drawing/2014/main" id="{2486B789-7E90-46B7-9134-C52784B282FF}"/>
+              </a:ext>
+            </a:extLst>
+          </p:cNvPr>
+          <p:cNvSpPr/>
+          <p:nvPr/>
+        </p:nvSpPr>
+        <p:spPr>
+          <a:xfrm>
+            <a:off x="2408889" y="8168408"/>
+            <a:ext cx="2088000" cy="1600000"/>
+          </a:xfrm>
+          <a:prstGeom prst="roundRect">
+            <a:avLst/>
+          </a:prstGeom>
+          <a:solidFill>
+            <a:schemeClr val="accent3"/>
+          </a:solidFill>
+          <a:ln>
+            <a:solidFill>
+              <a:schemeClr val="accent3"/>
+            </a:solidFill>
+          </a:ln>
+        </p:spPr>
+        <p:style>
+          <a:lnRef idx="2">
+            <a:schemeClr val="accent1">
+              <a:shade val="50000"/>
+            </a:schemeClr>
+          </a:lnRef>
+          <a:fillRef idx="1">
+            <a:schemeClr val="accent1"/>
+          </a:fillRef>
+          <a:effectRef idx="0">
+            <a:schemeClr val="accent1"/>
+          </a:effectRef>
+          <a:fontRef idx="minor">
+            <a:schemeClr val="lt1"/>
+          </a:fontRef>
+        </p:style>
+        <p:txBody>
+          <a:bodyPr rtlCol="0" anchor="ctr"/>
+          <a:lstStyle/>
+          <a:p>
+            <a:pPr algn="ctr"/>
+            <a:r>
+              <a:rPr lang="en-GB" sz="2844" dirty="0"/>
+              <a:t>Modelling</a:t>
+            </a:r>
+          </a:p>
+          <a:p>
+            <a:pPr algn="ctr"/>
+            <a:r>
+              <a:rPr lang="en-GB" sz="2844" dirty="0"/>
+              <a:t>Inference &amp; evaluation</a:t>
+            </a:r>
+          </a:p>
+        </p:txBody>
+      </p:sp>
+      <p:pic>
+        <p:nvPicPr>
+          <p:cNvPr id="37" name="Graphic 36" descr="Internet outline">
+            <a:extLst>
+              <a:ext uri="{FF2B5EF4-FFF2-40B4-BE49-F238E27FC236}">
+                <a16:creationId xmlns:a16="http://schemas.microsoft.com/office/drawing/2014/main" id="{B244B784-BE62-4BF3-B363-ABD3730F87F8}"/>
+              </a:ext>
+            </a:extLst>
+          </p:cNvPr>
+          <p:cNvPicPr>
+            <a:picLocks noChangeAspect="1"/>
+          </p:cNvPicPr>
+          <p:nvPr/>
+        </p:nvPicPr>
+        <p:blipFill>
+          <a:blip r:embed="rId4">
+            <a:extLst>
+              <a:ext uri="{28A0092B-C50C-407E-A947-70E740481C1C}">
+                <a14:useLocalDpi xmlns:a14="http://schemas.microsoft.com/office/drawing/2010/main" val="0"/>
+              </a:ext>
+              <a:ext uri="{96DAC541-7B7A-43D3-8B79-37D633B846F1}">
+                <asvg:svgBlip xmlns:asvg="http://schemas.microsoft.com/office/drawing/2016/SVG/main" r:embed="rId5"/>
+              </a:ext>
+            </a:extLst>
+          </a:blip>
+          <a:stretch>
+            <a:fillRect/>
+          </a:stretch>
+        </p:blipFill>
+        <p:spPr>
+          <a:xfrm>
+            <a:off x="2629000" y="10184632"/>
+            <a:ext cx="1600000" cy="1600000"/>
+          </a:xfrm>
+          <a:prstGeom prst="rect">
+            <a:avLst/>
+          </a:prstGeom>
+        </p:spPr>
+      </p:pic>
+      <p:sp>
+        <p:nvSpPr>
+          <p:cNvPr id="38" name="TextBox 37">
+            <a:extLst>
+              <a:ext uri="{FF2B5EF4-FFF2-40B4-BE49-F238E27FC236}">
+                <a16:creationId xmlns:a16="http://schemas.microsoft.com/office/drawing/2014/main" id="{F4C75ED3-033F-4D70-9932-2ACA54657ABD}"/>
+              </a:ext>
+            </a:extLst>
+          </p:cNvPr>
+          <p:cNvSpPr txBox="1"/>
+          <p:nvPr/>
+        </p:nvSpPr>
+        <p:spPr>
+          <a:xfrm>
+            <a:off x="-605818" y="10496151"/>
+            <a:ext cx="4608512" cy="1077218"/>
+          </a:xfrm>
+          <a:prstGeom prst="rect">
+            <a:avLst/>
+          </a:prstGeom>
+          <a:noFill/>
+        </p:spPr>
+        <p:txBody>
+          <a:bodyPr wrap="square" rtlCol="0">
+            <a:spAutoFit/>
+          </a:bodyPr>
+          <a:lstStyle/>
+          <a:p>
+            <a:pPr algn="ctr"/>
+            <a:r>
+              <a:rPr lang="en-GB" sz="3556" dirty="0"/>
+              <a:t>Streamlit /</a:t>
+            </a:r>
+          </a:p>
+          <a:p>
+            <a:pPr algn="ctr"/>
+            <a:r>
+              <a:rPr lang="en-GB" sz="2844" dirty="0"/>
+              <a:t>blog</a:t>
+            </a:r>
+          </a:p>
+        </p:txBody>
+      </p:sp>
+      <p:sp>
+        <p:nvSpPr>
+          <p:cNvPr id="26" name="Rectangle: Rounded Corners 25">
+            <a:extLst>
+              <a:ext uri="{FF2B5EF4-FFF2-40B4-BE49-F238E27FC236}">
+                <a16:creationId xmlns:a16="http://schemas.microsoft.com/office/drawing/2014/main" id="{9A4694FF-738E-42A8-9DBF-E8A33BF984E2}"/>
+              </a:ext>
+            </a:extLst>
+          </p:cNvPr>
+          <p:cNvSpPr/>
+          <p:nvPr/>
+        </p:nvSpPr>
+        <p:spPr>
+          <a:xfrm>
+            <a:off x="2421120" y="5341941"/>
+            <a:ext cx="2088000" cy="1024000"/>
+          </a:xfrm>
+          <a:prstGeom prst="roundRect">
+            <a:avLst/>
+          </a:prstGeom>
+          <a:solidFill>
+            <a:schemeClr val="accent3"/>
+          </a:solidFill>
+          <a:ln>
+            <a:solidFill>
+              <a:schemeClr val="accent3"/>
+            </a:solidFill>
+          </a:ln>
+        </p:spPr>
+        <p:style>
+          <a:lnRef idx="2">
+            <a:schemeClr val="accent1">
+              <a:shade val="50000"/>
+            </a:schemeClr>
+          </a:lnRef>
+          <a:fillRef idx="1">
+            <a:schemeClr val="accent1"/>
+          </a:fillRef>
+          <a:effectRef idx="0">
+            <a:schemeClr val="accent1"/>
+          </a:effectRef>
+          <a:fontRef idx="minor">
+            <a:schemeClr val="lt1"/>
+          </a:fontRef>
+        </p:style>
+        <p:txBody>
+          <a:bodyPr rtlCol="0" anchor="ctr"/>
+          <a:lstStyle/>
+          <a:p>
+            <a:pPr algn="ctr"/>
+            <a:r>
+              <a:rPr lang="en-GB" sz="2844" dirty="0"/>
+              <a:t>Clean “toxicity”</a:t>
+            </a:r>
+          </a:p>
+        </p:txBody>
+      </p:sp>
+      <p:sp>
+        <p:nvSpPr>
+          <p:cNvPr id="27" name="Rectangle: Rounded Corners 26">
+            <a:extLst>
+              <a:ext uri="{FF2B5EF4-FFF2-40B4-BE49-F238E27FC236}">
+                <a16:creationId xmlns:a16="http://schemas.microsoft.com/office/drawing/2014/main" id="{30AE98DC-3C2E-460C-A288-B6C5DBDF068C}"/>
+              </a:ext>
+            </a:extLst>
+          </p:cNvPr>
+          <p:cNvSpPr/>
+          <p:nvPr/>
+        </p:nvSpPr>
+        <p:spPr>
+          <a:xfrm>
+            <a:off x="2421120" y="6712360"/>
+            <a:ext cx="2088000" cy="1024000"/>
+          </a:xfrm>
+          <a:prstGeom prst="roundRect">
+            <a:avLst/>
+          </a:prstGeom>
+          <a:solidFill>
+            <a:schemeClr val="accent3"/>
+          </a:solidFill>
+          <a:ln>
+            <a:solidFill>
+              <a:schemeClr val="accent3"/>
+            </a:solidFill>
+          </a:ln>
+        </p:spPr>
+        <p:style>
+          <a:lnRef idx="2">
+            <a:schemeClr val="accent1">
+              <a:shade val="50000"/>
+            </a:schemeClr>
+          </a:lnRef>
+          <a:fillRef idx="1">
+            <a:schemeClr val="accent1"/>
+          </a:fillRef>
+          <a:effectRef idx="0">
+            <a:schemeClr val="accent1"/>
+          </a:effectRef>
+          <a:fontRef idx="minor">
+            <a:schemeClr val="lt1"/>
+          </a:fontRef>
+        </p:style>
+        <p:txBody>
+          <a:bodyPr rtlCol="0" anchor="ctr"/>
+          <a:lstStyle/>
+          <a:p>
+            <a:pPr algn="ctr"/>
+            <a:r>
+              <a:rPr lang="en-GB" sz="2844" dirty="0"/>
+              <a:t>Engineer </a:t>
+            </a:r>
+          </a:p>
+          <a:p>
+            <a:pPr algn="ctr"/>
+            <a:r>
+              <a:rPr lang="en-GB" sz="2844" dirty="0"/>
+              <a:t>Features</a:t>
+            </a:r>
+          </a:p>
+        </p:txBody>
+      </p:sp>
+      <p:cxnSp>
+        <p:nvCxnSpPr>
+          <p:cNvPr id="28" name="Straight Arrow Connector 27">
+            <a:extLst>
+              <a:ext uri="{FF2B5EF4-FFF2-40B4-BE49-F238E27FC236}">
+                <a16:creationId xmlns:a16="http://schemas.microsoft.com/office/drawing/2014/main" id="{F6131C7F-E316-4465-9D9E-29B4C6485AF5}"/>
+              </a:ext>
+            </a:extLst>
+          </p:cNvPr>
+          <p:cNvCxnSpPr>
+            <a:cxnSpLocks/>
+            <a:stCxn id="13" idx="2"/>
+            <a:endCxn id="26" idx="0"/>
+          </p:cNvCxnSpPr>
+          <p:nvPr/>
+        </p:nvCxnSpPr>
+        <p:spPr>
+          <a:xfrm>
+            <a:off x="3433170" y="4735430"/>
+            <a:ext cx="31950" cy="606511"/>
+          </a:xfrm>
+          <a:prstGeom prst="straightConnector1">
+            <a:avLst/>
+          </a:prstGeom>
+          <a:ln w="63500">
+            <a:solidFill>
+              <a:schemeClr val="tx1">
+                <a:lumMod val="50000"/>
+                <a:lumOff val="50000"/>
+              </a:schemeClr>
+            </a:solidFill>
+            <a:tailEnd type="triangle"/>
+          </a:ln>
+        </p:spPr>
+        <p:style>
+          <a:lnRef idx="1">
+            <a:schemeClr val="accent1"/>
+          </a:lnRef>
+          <a:fillRef idx="0">
+            <a:schemeClr val="accent1"/>
+          </a:fillRef>
+          <a:effectRef idx="0">
+            <a:schemeClr val="accent1"/>
+          </a:effectRef>
+          <a:fontRef idx="minor">
+            <a:schemeClr val="tx1"/>
+          </a:fontRef>
+        </p:style>
+      </p:cxnSp>
+      <p:cxnSp>
+        <p:nvCxnSpPr>
+          <p:cNvPr id="51" name="Straight Arrow Connector 50">
+            <a:extLst>
+              <a:ext uri="{FF2B5EF4-FFF2-40B4-BE49-F238E27FC236}">
+                <a16:creationId xmlns:a16="http://schemas.microsoft.com/office/drawing/2014/main" id="{BB0E9BAE-39E7-4732-8767-3332A1BB1C11}"/>
+              </a:ext>
+            </a:extLst>
+          </p:cNvPr>
+          <p:cNvCxnSpPr>
+            <a:cxnSpLocks/>
+            <a:stCxn id="27" idx="2"/>
+            <a:endCxn id="31" idx="0"/>
+          </p:cNvCxnSpPr>
+          <p:nvPr/>
+        </p:nvCxnSpPr>
+        <p:spPr>
+          <a:xfrm flipH="1">
+            <a:off x="3452889" y="7736360"/>
+            <a:ext cx="12231" cy="432048"/>
+          </a:xfrm>
+          <a:prstGeom prst="straightConnector1">
+            <a:avLst/>
+          </a:prstGeom>
+          <a:ln w="63500">
+            <a:solidFill>
+              <a:schemeClr val="tx1">
+                <a:lumMod val="50000"/>
+                <a:lumOff val="50000"/>
+              </a:schemeClr>
+            </a:solidFill>
+            <a:tailEnd type="triangle"/>
+          </a:ln>
+        </p:spPr>
+        <p:style>
+          <a:lnRef idx="1">
+            <a:schemeClr val="accent1"/>
+          </a:lnRef>
+          <a:fillRef idx="0">
+            <a:schemeClr val="accent1"/>
+          </a:fillRef>
+          <a:effectRef idx="0">
+            <a:schemeClr val="accent1"/>
+          </a:effectRef>
+          <a:fontRef idx="minor">
+            <a:schemeClr val="tx1"/>
+          </a:fontRef>
+        </p:style>
+      </p:cxnSp>
+      <p:cxnSp>
+        <p:nvCxnSpPr>
+          <p:cNvPr id="52" name="Straight Arrow Connector 51">
+            <a:extLst>
+              <a:ext uri="{FF2B5EF4-FFF2-40B4-BE49-F238E27FC236}">
+                <a16:creationId xmlns:a16="http://schemas.microsoft.com/office/drawing/2014/main" id="{11B4736F-61FE-4975-B68C-627FCDF8A946}"/>
+              </a:ext>
+            </a:extLst>
+          </p:cNvPr>
+          <p:cNvCxnSpPr>
+            <a:cxnSpLocks/>
+          </p:cNvCxnSpPr>
+          <p:nvPr/>
+        </p:nvCxnSpPr>
+        <p:spPr>
+          <a:xfrm flipV="1">
+            <a:off x="7800646" y="7678813"/>
+            <a:ext cx="635841" cy="183079"/>
+          </a:xfrm>
+          <a:prstGeom prst="straightConnector1">
+            <a:avLst/>
+          </a:prstGeom>
+          <a:ln w="63500">
+            <a:solidFill>
+              <a:schemeClr val="tx1"/>
+            </a:solidFill>
+            <a:tailEnd type="triangle"/>
+          </a:ln>
+        </p:spPr>
+        <p:style>
+          <a:lnRef idx="1">
+            <a:schemeClr val="accent1"/>
+          </a:lnRef>
+          <a:fillRef idx="0">
+            <a:schemeClr val="accent1"/>
+          </a:fillRef>
+          <a:effectRef idx="0">
+            <a:schemeClr val="accent1"/>
+          </a:effectRef>
+          <a:fontRef idx="minor">
+            <a:schemeClr val="tx1"/>
+          </a:fontRef>
+        </p:style>
+      </p:cxnSp>
+      <p:sp>
+        <p:nvSpPr>
+          <p:cNvPr id="56" name="Rectangle: Rounded Corners 55">
+            <a:extLst>
+              <a:ext uri="{FF2B5EF4-FFF2-40B4-BE49-F238E27FC236}">
+                <a16:creationId xmlns:a16="http://schemas.microsoft.com/office/drawing/2014/main" id="{883E64A3-FF3C-4EF3-8B03-03A933794F04}"/>
+              </a:ext>
+            </a:extLst>
+          </p:cNvPr>
+          <p:cNvSpPr/>
+          <p:nvPr/>
+        </p:nvSpPr>
+        <p:spPr>
+          <a:xfrm>
+            <a:off x="188641" y="8488999"/>
+            <a:ext cx="1892608" cy="958819"/>
+          </a:xfrm>
+          <a:prstGeom prst="roundRect">
+            <a:avLst/>
+          </a:prstGeom>
+          <a:solidFill>
+            <a:schemeClr val="accent3"/>
+          </a:solidFill>
+          <a:ln>
+            <a:solidFill>
+              <a:schemeClr val="accent3"/>
+            </a:solidFill>
+          </a:ln>
+        </p:spPr>
+        <p:style>
+          <a:lnRef idx="2">
+            <a:schemeClr val="accent1">
+              <a:shade val="50000"/>
+            </a:schemeClr>
+          </a:lnRef>
+          <a:fillRef idx="1">
+            <a:schemeClr val="accent1"/>
+          </a:fillRef>
+          <a:effectRef idx="0">
+            <a:schemeClr val="accent1"/>
+          </a:effectRef>
+          <a:fontRef idx="minor">
+            <a:schemeClr val="lt1"/>
+          </a:fontRef>
+        </p:style>
+        <p:txBody>
+          <a:bodyPr rtlCol="0" anchor="ctr"/>
+          <a:lstStyle/>
+          <a:p>
+            <a:pPr algn="ctr"/>
+            <a:r>
+              <a:rPr lang="en-GB" sz="2844" dirty="0"/>
+              <a:t>Parameter </a:t>
+            </a:r>
+          </a:p>
+          <a:p>
+            <a:pPr algn="ctr"/>
+            <a:r>
+              <a:rPr lang="en-GB" sz="2844" dirty="0"/>
+              <a:t>Tuning</a:t>
+            </a:r>
+          </a:p>
+        </p:txBody>
+      </p:sp>
+      <p:cxnSp>
+        <p:nvCxnSpPr>
+          <p:cNvPr id="57" name="Straight Arrow Connector 56">
+            <a:extLst>
+              <a:ext uri="{FF2B5EF4-FFF2-40B4-BE49-F238E27FC236}">
+                <a16:creationId xmlns:a16="http://schemas.microsoft.com/office/drawing/2014/main" id="{C196B4D5-CF13-4FCB-B826-688158303FDF}"/>
+              </a:ext>
+            </a:extLst>
+          </p:cNvPr>
+          <p:cNvCxnSpPr>
+            <a:cxnSpLocks/>
+          </p:cNvCxnSpPr>
+          <p:nvPr/>
+        </p:nvCxnSpPr>
+        <p:spPr>
+          <a:xfrm flipH="1">
+            <a:off x="2081249" y="8832304"/>
+            <a:ext cx="327640" cy="1"/>
+          </a:xfrm>
+          <a:prstGeom prst="straightConnector1">
+            <a:avLst/>
+          </a:prstGeom>
+          <a:ln w="63500">
+            <a:solidFill>
+              <a:schemeClr val="tx1">
+                <a:lumMod val="50000"/>
+                <a:lumOff val="50000"/>
+              </a:schemeClr>
+            </a:solidFill>
+            <a:tailEnd type="triangle"/>
+          </a:ln>
+        </p:spPr>
+        <p:style>
+          <a:lnRef idx="1">
+            <a:schemeClr val="accent1"/>
+          </a:lnRef>
+          <a:fillRef idx="0">
+            <a:schemeClr val="accent1"/>
+          </a:fillRef>
+          <a:effectRef idx="0">
+            <a:schemeClr val="accent1"/>
+          </a:effectRef>
+          <a:fontRef idx="minor">
+            <a:schemeClr val="tx1"/>
+          </a:fontRef>
+        </p:style>
+      </p:cxnSp>
+      <p:cxnSp>
+        <p:nvCxnSpPr>
+          <p:cNvPr id="59" name="Straight Arrow Connector 58">
+            <a:extLst>
+              <a:ext uri="{FF2B5EF4-FFF2-40B4-BE49-F238E27FC236}">
+                <a16:creationId xmlns:a16="http://schemas.microsoft.com/office/drawing/2014/main" id="{64B0880B-CA4E-45D7-AF73-F06C974EC0D3}"/>
+              </a:ext>
+            </a:extLst>
+          </p:cNvPr>
+          <p:cNvCxnSpPr>
+            <a:cxnSpLocks/>
+          </p:cNvCxnSpPr>
+          <p:nvPr/>
+        </p:nvCxnSpPr>
+        <p:spPr>
+          <a:xfrm>
+            <a:off x="9002195" y="6440152"/>
+            <a:ext cx="660608" cy="0"/>
+          </a:xfrm>
+          <a:prstGeom prst="straightConnector1">
+            <a:avLst/>
+          </a:prstGeom>
+          <a:ln w="63500">
+            <a:solidFill>
+              <a:schemeClr val="tx1"/>
+            </a:solidFill>
+            <a:tailEnd type="triangle"/>
+          </a:ln>
+        </p:spPr>
+        <p:style>
+          <a:lnRef idx="1">
+            <a:schemeClr val="accent1"/>
+          </a:lnRef>
+          <a:fillRef idx="0">
+            <a:schemeClr val="accent1"/>
+          </a:fillRef>
+          <a:effectRef idx="0">
+            <a:schemeClr val="accent1"/>
+          </a:effectRef>
+          <a:fontRef idx="minor">
+            <a:schemeClr val="tx1"/>
+          </a:fontRef>
+        </p:style>
+      </p:cxnSp>
+      <p:cxnSp>
+        <p:nvCxnSpPr>
+          <p:cNvPr id="60" name="Straight Arrow Connector 59">
+            <a:extLst>
+              <a:ext uri="{FF2B5EF4-FFF2-40B4-BE49-F238E27FC236}">
+                <a16:creationId xmlns:a16="http://schemas.microsoft.com/office/drawing/2014/main" id="{DF7E4693-34EA-49FB-B20C-BE4C9E81A8D2}"/>
+              </a:ext>
+            </a:extLst>
+          </p:cNvPr>
+          <p:cNvCxnSpPr>
+            <a:cxnSpLocks/>
+          </p:cNvCxnSpPr>
+          <p:nvPr/>
+        </p:nvCxnSpPr>
+        <p:spPr>
+          <a:xfrm flipH="1" flipV="1">
+            <a:off x="7851376" y="6802882"/>
+            <a:ext cx="534383" cy="3836"/>
+          </a:xfrm>
+          <a:prstGeom prst="straightConnector1">
+            <a:avLst/>
+          </a:prstGeom>
+          <a:ln w="63500">
+            <a:solidFill>
+              <a:schemeClr val="tx1"/>
+            </a:solidFill>
+            <a:tailEnd type="triangle"/>
+          </a:ln>
+        </p:spPr>
+        <p:style>
+          <a:lnRef idx="1">
+            <a:schemeClr val="accent1"/>
+          </a:lnRef>
+          <a:fillRef idx="0">
+            <a:schemeClr val="accent1"/>
+          </a:fillRef>
+          <a:effectRef idx="0">
+            <a:schemeClr val="accent1"/>
+          </a:effectRef>
+          <a:fontRef idx="minor">
+            <a:schemeClr val="tx1"/>
+          </a:fontRef>
+        </p:style>
+      </p:cxnSp>
+      <p:cxnSp>
+        <p:nvCxnSpPr>
+          <p:cNvPr id="61" name="Straight Arrow Connector 60">
+            <a:extLst>
+              <a:ext uri="{FF2B5EF4-FFF2-40B4-BE49-F238E27FC236}">
+                <a16:creationId xmlns:a16="http://schemas.microsoft.com/office/drawing/2014/main" id="{B74F4C75-A997-4097-B9A2-CAC273608019}"/>
+              </a:ext>
+            </a:extLst>
+          </p:cNvPr>
+          <p:cNvCxnSpPr>
+            <a:cxnSpLocks/>
+            <a:stCxn id="31" idx="3"/>
+          </p:cNvCxnSpPr>
+          <p:nvPr/>
+        </p:nvCxnSpPr>
+        <p:spPr>
+          <a:xfrm flipV="1">
+            <a:off x="4496889" y="8965413"/>
+            <a:ext cx="354310" cy="2995"/>
+          </a:xfrm>
+          <a:prstGeom prst="straightConnector1">
+            <a:avLst/>
+          </a:prstGeom>
+          <a:ln w="63500">
+            <a:solidFill>
+              <a:schemeClr val="tx1">
+                <a:lumMod val="50000"/>
+                <a:lumOff val="50000"/>
+              </a:schemeClr>
+            </a:solidFill>
+            <a:tailEnd type="triangle"/>
+          </a:ln>
+        </p:spPr>
+        <p:style>
+          <a:lnRef idx="1">
+            <a:schemeClr val="accent1"/>
+          </a:lnRef>
+          <a:fillRef idx="0">
+            <a:schemeClr val="accent1"/>
+          </a:fillRef>
+          <a:effectRef idx="0">
+            <a:schemeClr val="accent1"/>
+          </a:effectRef>
+          <a:fontRef idx="minor">
+            <a:schemeClr val="tx1"/>
+          </a:fontRef>
+        </p:style>
+      </p:cxnSp>
+      <p:sp>
+        <p:nvSpPr>
+          <p:cNvPr id="62" name="Rectangle: Rounded Corners 61">
+            <a:extLst>
+              <a:ext uri="{FF2B5EF4-FFF2-40B4-BE49-F238E27FC236}">
+                <a16:creationId xmlns:a16="http://schemas.microsoft.com/office/drawing/2014/main" id="{2F3F1674-F657-49ED-A096-6790C37C2AB4}"/>
+              </a:ext>
+            </a:extLst>
+          </p:cNvPr>
+          <p:cNvSpPr/>
+          <p:nvPr/>
+        </p:nvSpPr>
+        <p:spPr>
+          <a:xfrm>
+            <a:off x="4839424" y="8502808"/>
+            <a:ext cx="1916838" cy="925210"/>
+          </a:xfrm>
+          <a:prstGeom prst="roundRect">
+            <a:avLst/>
+          </a:prstGeom>
+          <a:solidFill>
+            <a:schemeClr val="accent3"/>
+          </a:solidFill>
+          <a:ln>
+            <a:solidFill>
+              <a:schemeClr val="accent3"/>
+            </a:solidFill>
+          </a:ln>
+        </p:spPr>
+        <p:style>
+          <a:lnRef idx="2">
+            <a:schemeClr val="accent1">
+              <a:shade val="50000"/>
+            </a:schemeClr>
+          </a:lnRef>
+          <a:fillRef idx="1">
+            <a:schemeClr val="accent1"/>
+          </a:fillRef>
+          <a:effectRef idx="0">
+            <a:schemeClr val="accent1"/>
+          </a:effectRef>
+          <a:fontRef idx="minor">
+            <a:schemeClr val="lt1"/>
+          </a:fontRef>
+        </p:style>
+        <p:txBody>
+          <a:bodyPr rtlCol="0" anchor="ctr"/>
+          <a:lstStyle/>
+          <a:p>
+            <a:pPr algn="ctr"/>
+            <a:r>
+              <a:rPr lang="en-GB" sz="2844" dirty="0"/>
+              <a:t>Prediction </a:t>
+            </a:r>
+          </a:p>
+          <a:p>
+            <a:pPr algn="ctr"/>
+            <a:r>
+              <a:rPr lang="en-GB" sz="2844" dirty="0"/>
+              <a:t>Model</a:t>
+            </a:r>
+          </a:p>
+        </p:txBody>
+      </p:sp>
+      <p:cxnSp>
+        <p:nvCxnSpPr>
+          <p:cNvPr id="63" name="Straight Arrow Connector 62">
+            <a:extLst>
+              <a:ext uri="{FF2B5EF4-FFF2-40B4-BE49-F238E27FC236}">
+                <a16:creationId xmlns:a16="http://schemas.microsoft.com/office/drawing/2014/main" id="{83E93AB7-7F2F-4A8E-898B-AA1A8811B363}"/>
+              </a:ext>
+            </a:extLst>
+          </p:cNvPr>
+          <p:cNvCxnSpPr>
+            <a:cxnSpLocks/>
+          </p:cNvCxnSpPr>
+          <p:nvPr/>
+        </p:nvCxnSpPr>
+        <p:spPr>
+          <a:xfrm flipH="1">
+            <a:off x="7731707" y="9271349"/>
+            <a:ext cx="2353949" cy="1112268"/>
+          </a:xfrm>
+          <a:prstGeom prst="straightConnector1">
+            <a:avLst/>
+          </a:prstGeom>
+          <a:ln w="63500">
+            <a:solidFill>
+              <a:schemeClr val="tx1"/>
+            </a:solidFill>
+            <a:tailEnd type="triangle"/>
+          </a:ln>
+        </p:spPr>
+        <p:style>
+          <a:lnRef idx="1">
+            <a:schemeClr val="accent1"/>
+          </a:lnRef>
+          <a:fillRef idx="0">
+            <a:schemeClr val="accent1"/>
+          </a:fillRef>
+          <a:effectRef idx="0">
+            <a:schemeClr val="accent1"/>
+          </a:effectRef>
+          <a:fontRef idx="minor">
+            <a:schemeClr val="tx1"/>
+          </a:fontRef>
+        </p:style>
+      </p:cxnSp>
+      <p:cxnSp>
+        <p:nvCxnSpPr>
+          <p:cNvPr id="64" name="Straight Arrow Connector 63">
+            <a:extLst>
+              <a:ext uri="{FF2B5EF4-FFF2-40B4-BE49-F238E27FC236}">
+                <a16:creationId xmlns:a16="http://schemas.microsoft.com/office/drawing/2014/main" id="{101BA365-D57F-4EA2-9955-C3D5A3305987}"/>
+              </a:ext>
+            </a:extLst>
+          </p:cNvPr>
+          <p:cNvCxnSpPr>
+            <a:cxnSpLocks/>
+          </p:cNvCxnSpPr>
+          <p:nvPr/>
+        </p:nvCxnSpPr>
+        <p:spPr>
+          <a:xfrm flipH="1">
+            <a:off x="8469560" y="7821954"/>
+            <a:ext cx="532635" cy="301579"/>
+          </a:xfrm>
+          <a:prstGeom prst="straightConnector1">
+            <a:avLst/>
+          </a:prstGeom>
+          <a:ln w="63500">
+            <a:solidFill>
+              <a:schemeClr val="tx1"/>
+            </a:solidFill>
+            <a:tailEnd type="triangle"/>
+          </a:ln>
+        </p:spPr>
+        <p:style>
+          <a:lnRef idx="1">
+            <a:schemeClr val="accent1"/>
+          </a:lnRef>
+          <a:fillRef idx="0">
+            <a:schemeClr val="accent1"/>
+          </a:fillRef>
+          <a:effectRef idx="0">
+            <a:schemeClr val="accent1"/>
+          </a:effectRef>
+          <a:fontRef idx="minor">
+            <a:schemeClr val="tx1"/>
+          </a:fontRef>
+        </p:style>
+      </p:cxnSp>
+      <p:cxnSp>
+        <p:nvCxnSpPr>
+          <p:cNvPr id="58" name="Straight Arrow Connector 57">
+            <a:extLst>
+              <a:ext uri="{FF2B5EF4-FFF2-40B4-BE49-F238E27FC236}">
+                <a16:creationId xmlns:a16="http://schemas.microsoft.com/office/drawing/2014/main" id="{8BA46A61-C3CC-48F8-AB8A-0C4966AD0D0D}"/>
+              </a:ext>
+            </a:extLst>
+          </p:cNvPr>
+          <p:cNvCxnSpPr>
+            <a:cxnSpLocks/>
+            <a:stCxn id="26" idx="2"/>
+            <a:endCxn id="27" idx="0"/>
+          </p:cNvCxnSpPr>
+          <p:nvPr/>
+        </p:nvCxnSpPr>
+        <p:spPr>
+          <a:xfrm>
+            <a:off x="3465120" y="6365941"/>
+            <a:ext cx="0" cy="346419"/>
+          </a:xfrm>
+          <a:prstGeom prst="straightConnector1">
+            <a:avLst/>
+          </a:prstGeom>
+          <a:ln w="63500">
+            <a:solidFill>
+              <a:schemeClr val="tx1">
+                <a:lumMod val="50000"/>
+                <a:lumOff val="50000"/>
+              </a:schemeClr>
+            </a:solidFill>
+            <a:tailEnd type="triangle"/>
+          </a:ln>
+        </p:spPr>
+        <p:style>
+          <a:lnRef idx="1">
+            <a:schemeClr val="accent1"/>
+          </a:lnRef>
+          <a:fillRef idx="0">
+            <a:schemeClr val="accent1"/>
+          </a:fillRef>
+          <a:effectRef idx="0">
+            <a:schemeClr val="accent1"/>
+          </a:effectRef>
+          <a:fontRef idx="minor">
+            <a:schemeClr val="tx1"/>
+          </a:fontRef>
+        </p:style>
+      </p:cxnSp>
+      <p:cxnSp>
+        <p:nvCxnSpPr>
+          <p:cNvPr id="34" name="Straight Arrow Connector 33">
+            <a:extLst>
+              <a:ext uri="{FF2B5EF4-FFF2-40B4-BE49-F238E27FC236}">
+                <a16:creationId xmlns:a16="http://schemas.microsoft.com/office/drawing/2014/main" id="{80042E66-820C-4084-B94A-FA04B9232B57}"/>
+              </a:ext>
+            </a:extLst>
+          </p:cNvPr>
+          <p:cNvCxnSpPr>
+            <a:cxnSpLocks/>
+          </p:cNvCxnSpPr>
+          <p:nvPr/>
+        </p:nvCxnSpPr>
+        <p:spPr>
+          <a:xfrm>
+            <a:off x="7533456" y="5211907"/>
+            <a:ext cx="648072" cy="315173"/>
+          </a:xfrm>
+          <a:prstGeom prst="straightConnector1">
+            <a:avLst/>
+          </a:prstGeom>
+          <a:ln w="63500">
+            <a:solidFill>
+              <a:schemeClr val="tx1"/>
+            </a:solidFill>
+            <a:tailEnd type="triangle"/>
+          </a:ln>
+        </p:spPr>
+        <p:style>
+          <a:lnRef idx="1">
+            <a:schemeClr val="accent1"/>
+          </a:lnRef>
+          <a:fillRef idx="0">
+            <a:schemeClr val="accent1"/>
+          </a:fillRef>
+          <a:effectRef idx="0">
+            <a:schemeClr val="accent1"/>
+          </a:effectRef>
+          <a:fontRef idx="minor">
+            <a:schemeClr val="tx1"/>
+          </a:fontRef>
+        </p:style>
+      </p:cxnSp>
+      <p:cxnSp>
+        <p:nvCxnSpPr>
+          <p:cNvPr id="35" name="Straight Arrow Connector 34">
+            <a:extLst>
+              <a:ext uri="{FF2B5EF4-FFF2-40B4-BE49-F238E27FC236}">
+                <a16:creationId xmlns:a16="http://schemas.microsoft.com/office/drawing/2014/main" id="{D169CD8E-C28A-43CB-B2E0-FDCE65B9B796}"/>
+              </a:ext>
+            </a:extLst>
+          </p:cNvPr>
+          <p:cNvCxnSpPr>
+            <a:cxnSpLocks/>
+          </p:cNvCxnSpPr>
+          <p:nvPr/>
+        </p:nvCxnSpPr>
+        <p:spPr>
+          <a:xfrm flipH="1" flipV="1">
+            <a:off x="7533456" y="5447928"/>
+            <a:ext cx="635841" cy="269913"/>
+          </a:xfrm>
+          <a:prstGeom prst="straightConnector1">
+            <a:avLst/>
+          </a:prstGeom>
+          <a:ln w="63500">
+            <a:solidFill>
+              <a:schemeClr val="tx1"/>
+            </a:solidFill>
+            <a:tailEnd type="triangle"/>
+          </a:ln>
+        </p:spPr>
+        <p:style>
+          <a:lnRef idx="1">
+            <a:schemeClr val="accent1"/>
+          </a:lnRef>
+          <a:fillRef idx="0">
+            <a:schemeClr val="accent1"/>
+          </a:fillRef>
+          <a:effectRef idx="0">
+            <a:schemeClr val="accent1"/>
+          </a:effectRef>
+          <a:fontRef idx="minor">
+            <a:schemeClr val="tx1"/>
+          </a:fontRef>
+        </p:style>
+      </p:cxnSp>
+      <p:cxnSp>
+        <p:nvCxnSpPr>
+          <p:cNvPr id="49" name="Straight Arrow Connector 48">
+            <a:extLst>
+              <a:ext uri="{FF2B5EF4-FFF2-40B4-BE49-F238E27FC236}">
+                <a16:creationId xmlns:a16="http://schemas.microsoft.com/office/drawing/2014/main" id="{AD7FB1F1-F8C2-40AA-AEE8-BCCFE36D0308}"/>
+              </a:ext>
+            </a:extLst>
+          </p:cNvPr>
+          <p:cNvCxnSpPr>
+            <a:cxnSpLocks/>
+          </p:cNvCxnSpPr>
+          <p:nvPr/>
+        </p:nvCxnSpPr>
+        <p:spPr>
+          <a:xfrm>
+            <a:off x="3379348" y="9768408"/>
+            <a:ext cx="0" cy="727743"/>
+          </a:xfrm>
+          <a:prstGeom prst="straightConnector1">
+            <a:avLst/>
+          </a:prstGeom>
+          <a:ln w="63500">
+            <a:solidFill>
+              <a:schemeClr val="tx1">
+                <a:lumMod val="50000"/>
+                <a:lumOff val="50000"/>
+              </a:schemeClr>
+            </a:solidFill>
+            <a:tailEnd type="triangle"/>
+          </a:ln>
+        </p:spPr>
+        <p:style>
+          <a:lnRef idx="1">
+            <a:schemeClr val="accent1"/>
+          </a:lnRef>
+          <a:fillRef idx="0">
+            <a:schemeClr val="accent1"/>
+          </a:fillRef>
+          <a:effectRef idx="0">
+            <a:schemeClr val="accent1"/>
+          </a:effectRef>
+          <a:fontRef idx="minor">
+            <a:schemeClr val="tx1"/>
+          </a:fontRef>
+        </p:style>
+      </p:cxnSp>
+      <p:cxnSp>
+        <p:nvCxnSpPr>
+          <p:cNvPr id="36" name="Connector: Elbow 35">
+            <a:extLst>
+              <a:ext uri="{FF2B5EF4-FFF2-40B4-BE49-F238E27FC236}">
+                <a16:creationId xmlns:a16="http://schemas.microsoft.com/office/drawing/2014/main" id="{72C596CD-A0EF-422F-831E-EBF02EE1511A}"/>
+              </a:ext>
+            </a:extLst>
+          </p:cNvPr>
+          <p:cNvCxnSpPr>
+            <a:cxnSpLocks/>
+            <a:stCxn id="62" idx="2"/>
+          </p:cNvCxnSpPr>
+          <p:nvPr/>
+        </p:nvCxnSpPr>
+        <p:spPr>
+          <a:xfrm rot="5400000">
+            <a:off x="4294235" y="8513132"/>
+            <a:ext cx="588723" cy="2418495"/>
+          </a:xfrm>
+          <a:prstGeom prst="bentConnector2">
+            <a:avLst/>
+          </a:prstGeom>
+          <a:ln w="63500">
+            <a:solidFill>
+              <a:schemeClr val="tx1">
+                <a:lumMod val="50000"/>
+                <a:lumOff val="50000"/>
+              </a:schemeClr>
+            </a:solidFill>
+            <a:tailEnd type="none"/>
+          </a:ln>
+        </p:spPr>
+        <p:style>
+          <a:lnRef idx="1">
+            <a:schemeClr val="accent1"/>
+          </a:lnRef>
+          <a:fillRef idx="0">
+            <a:schemeClr val="accent1"/>
+          </a:fillRef>
+          <a:effectRef idx="0">
+            <a:schemeClr val="accent1"/>
+          </a:effectRef>
+          <a:fontRef idx="minor">
+            <a:schemeClr val="tx1"/>
+          </a:fontRef>
+        </p:style>
+      </p:cxnSp>
+      <p:cxnSp>
+        <p:nvCxnSpPr>
+          <p:cNvPr id="65" name="Straight Arrow Connector 64">
+            <a:extLst>
+              <a:ext uri="{FF2B5EF4-FFF2-40B4-BE49-F238E27FC236}">
+                <a16:creationId xmlns:a16="http://schemas.microsoft.com/office/drawing/2014/main" id="{D8A63C21-A249-4E7B-A245-3D46DBF2E0AC}"/>
+              </a:ext>
+            </a:extLst>
+          </p:cNvPr>
+          <p:cNvCxnSpPr>
+            <a:cxnSpLocks/>
+          </p:cNvCxnSpPr>
+          <p:nvPr/>
+        </p:nvCxnSpPr>
+        <p:spPr>
+          <a:xfrm flipH="1">
+            <a:off x="-4059832" y="7925032"/>
+            <a:ext cx="533917" cy="591711"/>
+          </a:xfrm>
+          <a:prstGeom prst="straightConnector1">
+            <a:avLst/>
+          </a:prstGeom>
+          <a:ln w="63500">
+            <a:solidFill>
+              <a:schemeClr val="tx1">
+                <a:lumMod val="50000"/>
+                <a:lumOff val="50000"/>
+              </a:schemeClr>
+            </a:solidFill>
+            <a:headEnd type="triangle"/>
+            <a:tailEnd type="triangle"/>
+          </a:ln>
+        </p:spPr>
+        <p:style>
+          <a:lnRef idx="1">
+            <a:schemeClr val="accent1"/>
+          </a:lnRef>
+          <a:fillRef idx="0">
+            <a:schemeClr val="accent1"/>
+          </a:fillRef>
+          <a:effectRef idx="0">
+            <a:schemeClr val="accent1"/>
+          </a:effectRef>
+          <a:fontRef idx="minor">
+            <a:schemeClr val="tx1"/>
+          </a:fontRef>
+        </p:style>
+      </p:cxnSp>
+      <p:cxnSp>
+        <p:nvCxnSpPr>
+          <p:cNvPr id="83" name="Straight Arrow Connector 82">
+            <a:extLst>
+              <a:ext uri="{FF2B5EF4-FFF2-40B4-BE49-F238E27FC236}">
+                <a16:creationId xmlns:a16="http://schemas.microsoft.com/office/drawing/2014/main" id="{AA1B3DC5-6A05-4EEA-8FBA-B668A8F42859}"/>
+              </a:ext>
+            </a:extLst>
+          </p:cNvPr>
+          <p:cNvCxnSpPr>
+            <a:cxnSpLocks/>
+          </p:cNvCxnSpPr>
+          <p:nvPr/>
+        </p:nvCxnSpPr>
+        <p:spPr>
+          <a:xfrm>
+            <a:off x="4529754" y="7381181"/>
+            <a:ext cx="660608" cy="0"/>
+          </a:xfrm>
+          <a:prstGeom prst="straightConnector1">
+            <a:avLst/>
+          </a:prstGeom>
+          <a:ln w="63500">
+            <a:solidFill>
+              <a:schemeClr val="tx1">
+                <a:lumMod val="50000"/>
+                <a:lumOff val="50000"/>
+              </a:schemeClr>
+            </a:solidFill>
+            <a:headEnd type="triangle"/>
+            <a:tailEnd type="triangle"/>
+          </a:ln>
+        </p:spPr>
+        <p:style>
+          <a:lnRef idx="1">
+            <a:schemeClr val="accent1"/>
+          </a:lnRef>
+          <a:fillRef idx="0">
+            <a:schemeClr val="accent1"/>
+          </a:fillRef>
+          <a:effectRef idx="0">
+            <a:schemeClr val="accent1"/>
+          </a:effectRef>
+          <a:fontRef idx="minor">
+            <a:schemeClr val="tx1"/>
+          </a:fontRef>
+        </p:style>
+      </p:cxnSp>
+      <p:cxnSp>
+        <p:nvCxnSpPr>
+          <p:cNvPr id="84" name="Straight Arrow Connector 83">
+            <a:extLst>
+              <a:ext uri="{FF2B5EF4-FFF2-40B4-BE49-F238E27FC236}">
+                <a16:creationId xmlns:a16="http://schemas.microsoft.com/office/drawing/2014/main" id="{CBAB09A9-4F54-445D-9A26-81EAC8ED9F78}"/>
+              </a:ext>
+            </a:extLst>
+          </p:cNvPr>
+          <p:cNvCxnSpPr>
+            <a:cxnSpLocks/>
+          </p:cNvCxnSpPr>
+          <p:nvPr/>
+        </p:nvCxnSpPr>
+        <p:spPr>
+          <a:xfrm rot="5400000" flipH="1">
+            <a:off x="4593099" y="6455521"/>
+            <a:ext cx="533917" cy="591711"/>
+          </a:xfrm>
+          <a:prstGeom prst="straightConnector1">
+            <a:avLst/>
+          </a:prstGeom>
+          <a:ln w="63500">
+            <a:solidFill>
+              <a:schemeClr val="tx1">
+                <a:lumMod val="50000"/>
+                <a:lumOff val="50000"/>
+              </a:schemeClr>
+            </a:solidFill>
+            <a:headEnd type="triangle"/>
+            <a:tailEnd type="triangle"/>
+          </a:ln>
+        </p:spPr>
+        <p:style>
+          <a:lnRef idx="1">
+            <a:schemeClr val="accent1"/>
+          </a:lnRef>
+          <a:fillRef idx="0">
+            <a:schemeClr val="accent1"/>
+          </a:fillRef>
+          <a:effectRef idx="0">
+            <a:schemeClr val="accent1"/>
+          </a:effectRef>
+          <a:fontRef idx="minor">
+            <a:schemeClr val="tx1"/>
+          </a:fontRef>
+        </p:style>
+      </p:cxnSp>
+      <p:cxnSp>
+        <p:nvCxnSpPr>
+          <p:cNvPr id="85" name="Straight Arrow Connector 84">
+            <a:extLst>
+              <a:ext uri="{FF2B5EF4-FFF2-40B4-BE49-F238E27FC236}">
+                <a16:creationId xmlns:a16="http://schemas.microsoft.com/office/drawing/2014/main" id="{01FB33FE-25F5-4EF9-8CD4-D99B0128ACE9}"/>
+              </a:ext>
+            </a:extLst>
+          </p:cNvPr>
+          <p:cNvCxnSpPr>
+            <a:cxnSpLocks/>
+          </p:cNvCxnSpPr>
+          <p:nvPr/>
+        </p:nvCxnSpPr>
+        <p:spPr>
+          <a:xfrm flipH="1">
+            <a:off x="4542121" y="7764989"/>
+            <a:ext cx="533917" cy="591711"/>
+          </a:xfrm>
+          <a:prstGeom prst="straightConnector1">
+            <a:avLst/>
+          </a:prstGeom>
+          <a:ln w="63500">
+            <a:solidFill>
+              <a:schemeClr val="tx1">
+                <a:lumMod val="50000"/>
+                <a:lumOff val="50000"/>
+              </a:schemeClr>
+            </a:solidFill>
+            <a:headEnd type="triangle"/>
             <a:tailEnd type="triangle"/>
           </a:ln>
         </p:spPr>
@@ -7702,7 +10537,7 @@
 </p:sld>
 </file>
 
-<file path=ppt/slides/slide3.xml><?xml version="1.0" encoding="utf-8"?>
+<file path=ppt/slides/slide4.xml><?xml version="1.0" encoding="utf-8"?>
 <p:sld xmlns:a="http://schemas.openxmlformats.org/drawingml/2006/main" xmlns:r="http://schemas.openxmlformats.org/officeDocument/2006/relationships" xmlns:p="http://schemas.openxmlformats.org/presentationml/2006/main" showMasterSp="0">
   <p:cSld>
     <p:spTree>
